--- a/notes/csc402-ln010.pptx
+++ b/notes/csc402-ln010.pptx
@@ -226,17 +226,17 @@
           </a:ln>
           <a:extLst>
             <a:ext uri="{FAA26D3D-D897-4be2-8F04-BA451C77F1D7}">
-              <ma14:placeholderFlag xmlns:ma14="http://schemas.microsoft.com/office/mac/drawingml/2011/main" val="1"/>
+              <ma14:placeholderFlag xmlns:ma14="http://schemas.microsoft.com/office/mac/drawingml/2011/main" xmlns="" val="1"/>
             </a:ext>
             <a:ext uri="{909E8E84-426E-40dd-AFC4-6F175D3DCCD1}">
-              <a14:hiddenFill xmlns="" xmlns:a14="http://schemas.microsoft.com/office/drawing/2010/main">
+              <a14:hiddenFill xmlns:a14="http://schemas.microsoft.com/office/drawing/2010/main" xmlns="">
                 <a:solidFill>
                   <a:schemeClr val="accent1"/>
                 </a:solidFill>
               </a14:hiddenFill>
             </a:ext>
             <a:ext uri="{91240B29-F687-4f45-9708-019B960494DF}">
-              <a14:hiddenLine xmlns="" xmlns:a14="http://schemas.microsoft.com/office/drawing/2010/main" w="9525">
+              <a14:hiddenLine xmlns:a14="http://schemas.microsoft.com/office/drawing/2010/main" xmlns="" w="9525">
                 <a:solidFill>
                   <a:schemeClr val="tx1"/>
                 </a:solidFill>
@@ -287,17 +287,17 @@
           </a:ln>
           <a:extLst>
             <a:ext uri="{FAA26D3D-D897-4be2-8F04-BA451C77F1D7}">
-              <ma14:placeholderFlag xmlns:ma14="http://schemas.microsoft.com/office/mac/drawingml/2011/main" val="1"/>
+              <ma14:placeholderFlag xmlns:ma14="http://schemas.microsoft.com/office/mac/drawingml/2011/main" xmlns="" val="1"/>
             </a:ext>
             <a:ext uri="{909E8E84-426E-40dd-AFC4-6F175D3DCCD1}">
-              <a14:hiddenFill xmlns="" xmlns:a14="http://schemas.microsoft.com/office/drawing/2010/main">
+              <a14:hiddenFill xmlns:a14="http://schemas.microsoft.com/office/drawing/2010/main" xmlns="">
                 <a:solidFill>
                   <a:schemeClr val="accent1"/>
                 </a:solidFill>
               </a14:hiddenFill>
             </a:ext>
             <a:ext uri="{91240B29-F687-4f45-9708-019B960494DF}">
-              <a14:hiddenLine xmlns="" xmlns:a14="http://schemas.microsoft.com/office/drawing/2010/main" w="9525">
+              <a14:hiddenLine xmlns:a14="http://schemas.microsoft.com/office/drawing/2010/main" xmlns="" w="9525">
                 <a:solidFill>
                   <a:schemeClr val="tx1"/>
                 </a:solidFill>
@@ -354,7 +354,7 @@
           <a:effectLst/>
           <a:extLst>
             <a:ext uri="{AF507438-7753-43e0-B8FC-AC1667EBCBE1}">
-              <a14:hiddenEffects xmlns="" xmlns:a14="http://schemas.microsoft.com/office/drawing/2010/main">
+              <a14:hiddenEffects xmlns:a14="http://schemas.microsoft.com/office/drawing/2010/main" xmlns="">
                 <a:effectLst>
                   <a:outerShdw blurRad="63500" dist="38099" dir="2700000" algn="ctr" rotWithShape="0">
                     <a:srgbClr val="000000">
@@ -365,7 +365,7 @@
               </a14:hiddenEffects>
             </a:ext>
             <a:ext uri="{53640926-AAD7-44d8-BBD7-CCE9431645EC}">
-              <a14:shadowObscured xmlns="" xmlns:a14="http://schemas.microsoft.com/office/drawing/2010/main" val="1"/>
+              <a14:shadowObscured xmlns:a14="http://schemas.microsoft.com/office/drawing/2010/main" xmlns="" val="1"/>
             </a:ext>
           </a:extLst>
         </p:spPr>
@@ -394,17 +394,17 @@
           </a:ln>
           <a:extLst>
             <a:ext uri="{FAA26D3D-D897-4be2-8F04-BA451C77F1D7}">
-              <ma14:placeholderFlag xmlns:ma14="http://schemas.microsoft.com/office/mac/drawingml/2011/main" val="1"/>
+              <ma14:placeholderFlag xmlns:ma14="http://schemas.microsoft.com/office/mac/drawingml/2011/main" xmlns="" val="1"/>
             </a:ext>
             <a:ext uri="{909E8E84-426E-40dd-AFC4-6F175D3DCCD1}">
-              <a14:hiddenFill xmlns="" xmlns:a14="http://schemas.microsoft.com/office/drawing/2010/main">
+              <a14:hiddenFill xmlns:a14="http://schemas.microsoft.com/office/drawing/2010/main" xmlns="">
                 <a:solidFill>
                   <a:schemeClr val="accent1"/>
                 </a:solidFill>
               </a14:hiddenFill>
             </a:ext>
             <a:ext uri="{91240B29-F687-4f45-9708-019B960494DF}">
-              <a14:hiddenLine xmlns="" xmlns:a14="http://schemas.microsoft.com/office/drawing/2010/main" w="9525">
+              <a14:hiddenLine xmlns:a14="http://schemas.microsoft.com/office/drawing/2010/main" xmlns="" w="9525">
                 <a:solidFill>
                   <a:schemeClr val="tx1"/>
                 </a:solidFill>
@@ -483,17 +483,17 @@
           </a:ln>
           <a:extLst>
             <a:ext uri="{FAA26D3D-D897-4be2-8F04-BA451C77F1D7}">
-              <ma14:placeholderFlag xmlns:ma14="http://schemas.microsoft.com/office/mac/drawingml/2011/main" val="1"/>
+              <ma14:placeholderFlag xmlns:ma14="http://schemas.microsoft.com/office/mac/drawingml/2011/main" xmlns="" val="1"/>
             </a:ext>
             <a:ext uri="{909E8E84-426E-40dd-AFC4-6F175D3DCCD1}">
-              <a14:hiddenFill xmlns="" xmlns:a14="http://schemas.microsoft.com/office/drawing/2010/main">
+              <a14:hiddenFill xmlns:a14="http://schemas.microsoft.com/office/drawing/2010/main" xmlns="">
                 <a:solidFill>
                   <a:schemeClr val="accent1"/>
                 </a:solidFill>
               </a14:hiddenFill>
             </a:ext>
             <a:ext uri="{91240B29-F687-4f45-9708-019B960494DF}">
-              <a14:hiddenLine xmlns="" xmlns:a14="http://schemas.microsoft.com/office/drawing/2010/main" w="9525">
+              <a14:hiddenLine xmlns:a14="http://schemas.microsoft.com/office/drawing/2010/main" xmlns="" w="9525">
                 <a:solidFill>
                   <a:schemeClr val="tx1"/>
                 </a:solidFill>
@@ -544,17 +544,17 @@
           </a:ln>
           <a:extLst>
             <a:ext uri="{FAA26D3D-D897-4be2-8F04-BA451C77F1D7}">
-              <ma14:placeholderFlag xmlns:ma14="http://schemas.microsoft.com/office/mac/drawingml/2011/main" val="1"/>
+              <ma14:placeholderFlag xmlns:ma14="http://schemas.microsoft.com/office/mac/drawingml/2011/main" xmlns="" val="1"/>
             </a:ext>
             <a:ext uri="{909E8E84-426E-40dd-AFC4-6F175D3DCCD1}">
-              <a14:hiddenFill xmlns="" xmlns:a14="http://schemas.microsoft.com/office/drawing/2010/main">
+              <a14:hiddenFill xmlns:a14="http://schemas.microsoft.com/office/drawing/2010/main" xmlns="">
                 <a:solidFill>
                   <a:schemeClr val="accent1"/>
                 </a:solidFill>
               </a14:hiddenFill>
             </a:ext>
             <a:ext uri="{91240B29-F687-4f45-9708-019B960494DF}">
-              <a14:hiddenLine xmlns="" xmlns:a14="http://schemas.microsoft.com/office/drawing/2010/main" w="9525">
+              <a14:hiddenLine xmlns:a14="http://schemas.microsoft.com/office/drawing/2010/main" xmlns="" w="9525">
                 <a:solidFill>
                   <a:schemeClr val="tx1"/>
                 </a:solidFill>
@@ -776,7 +776,7 @@
           <a:ln/>
           <a:extLst>
             <a:ext uri="{FAA26D3D-D897-4be2-8F04-BA451C77F1D7}">
-              <ma14:placeholderFlag xmlns:ma14="http://schemas.microsoft.com/office/mac/drawingml/2011/main" val="1"/>
+              <ma14:placeholderFlag xmlns:ma14="http://schemas.microsoft.com/office/mac/drawingml/2011/main" xmlns="" val="1"/>
             </a:ext>
           </a:extLst>
         </p:spPr>
@@ -865,7 +865,7 @@
           <a:ln/>
           <a:extLst>
             <a:ext uri="{FAA26D3D-D897-4be2-8F04-BA451C77F1D7}">
-              <ma14:placeholderFlag xmlns:ma14="http://schemas.microsoft.com/office/mac/drawingml/2011/main" val="1"/>
+              <ma14:placeholderFlag xmlns:ma14="http://schemas.microsoft.com/office/mac/drawingml/2011/main" xmlns="" val="1"/>
             </a:ext>
           </a:extLst>
         </p:spPr>
@@ -954,7 +954,7 @@
           <a:ln/>
           <a:extLst>
             <a:ext uri="{FAA26D3D-D897-4be2-8F04-BA451C77F1D7}">
-              <ma14:placeholderFlag xmlns:ma14="http://schemas.microsoft.com/office/mac/drawingml/2011/main" val="1"/>
+              <ma14:placeholderFlag xmlns:ma14="http://schemas.microsoft.com/office/mac/drawingml/2011/main" xmlns="" val="1"/>
             </a:ext>
           </a:extLst>
         </p:spPr>
@@ -1043,7 +1043,7 @@
           <a:ln/>
           <a:extLst>
             <a:ext uri="{FAA26D3D-D897-4be2-8F04-BA451C77F1D7}">
-              <ma14:placeholderFlag xmlns:ma14="http://schemas.microsoft.com/office/mac/drawingml/2011/main" val="1"/>
+              <ma14:placeholderFlag xmlns:ma14="http://schemas.microsoft.com/office/mac/drawingml/2011/main" xmlns="" val="1"/>
             </a:ext>
           </a:extLst>
         </p:spPr>
@@ -1149,7 +1149,7 @@
           </a:ln>
           <a:extLst>
             <a:ext uri="{FAA26D3D-D897-4be2-8F04-BA451C77F1D7}">
-              <ma14:placeholderFlag xmlns:ma14="http://schemas.microsoft.com/office/mac/drawingml/2011/main" val="1"/>
+              <ma14:placeholderFlag xmlns:ma14="http://schemas.microsoft.com/office/mac/drawingml/2011/main" xmlns="" val="1"/>
             </a:ext>
           </a:extLst>
         </p:spPr>
@@ -1185,7 +1185,7 @@
           </a:ln>
           <a:extLst>
             <a:ext uri="{FAA26D3D-D897-4be2-8F04-BA451C77F1D7}">
-              <ma14:placeholderFlag xmlns:ma14="http://schemas.microsoft.com/office/mac/drawingml/2011/main" val="1"/>
+              <ma14:placeholderFlag xmlns:ma14="http://schemas.microsoft.com/office/mac/drawingml/2011/main" xmlns="" val="1"/>
             </a:ext>
           </a:extLst>
         </p:spPr>
@@ -1279,7 +1279,7 @@
           </a:ln>
           <a:extLst>
             <a:ext uri="{FAA26D3D-D897-4be2-8F04-BA451C77F1D7}">
-              <ma14:placeholderFlag xmlns:ma14="http://schemas.microsoft.com/office/mac/drawingml/2011/main" val="1"/>
+              <ma14:placeholderFlag xmlns:ma14="http://schemas.microsoft.com/office/mac/drawingml/2011/main" xmlns="" val="1"/>
             </a:ext>
           </a:extLst>
         </p:spPr>
@@ -1315,7 +1315,7 @@
           </a:ln>
           <a:extLst>
             <a:ext uri="{FAA26D3D-D897-4be2-8F04-BA451C77F1D7}">
-              <ma14:placeholderFlag xmlns:ma14="http://schemas.microsoft.com/office/mac/drawingml/2011/main" val="1"/>
+              <ma14:placeholderFlag xmlns:ma14="http://schemas.microsoft.com/office/mac/drawingml/2011/main" xmlns="" val="1"/>
             </a:ext>
           </a:extLst>
         </p:spPr>
@@ -1392,7 +1392,7 @@
           <a:ln/>
           <a:extLst>
             <a:ext uri="{FAA26D3D-D897-4be2-8F04-BA451C77F1D7}">
-              <ma14:placeholderFlag xmlns:ma14="http://schemas.microsoft.com/office/mac/drawingml/2011/main" val="1"/>
+              <ma14:placeholderFlag xmlns:ma14="http://schemas.microsoft.com/office/mac/drawingml/2011/main" xmlns="" val="1"/>
             </a:ext>
           </a:extLst>
         </p:spPr>
@@ -1481,7 +1481,7 @@
           <a:ln/>
           <a:extLst>
             <a:ext uri="{FAA26D3D-D897-4be2-8F04-BA451C77F1D7}">
-              <ma14:placeholderFlag xmlns:ma14="http://schemas.microsoft.com/office/mac/drawingml/2011/main" val="1"/>
+              <ma14:placeholderFlag xmlns:ma14="http://schemas.microsoft.com/office/mac/drawingml/2011/main" xmlns="" val="1"/>
             </a:ext>
           </a:extLst>
         </p:spPr>
@@ -1570,7 +1570,7 @@
           <a:ln/>
           <a:extLst>
             <a:ext uri="{FAA26D3D-D897-4be2-8F04-BA451C77F1D7}">
-              <ma14:placeholderFlag xmlns:ma14="http://schemas.microsoft.com/office/mac/drawingml/2011/main" val="1"/>
+              <ma14:placeholderFlag xmlns:ma14="http://schemas.microsoft.com/office/mac/drawingml/2011/main" xmlns="" val="1"/>
             </a:ext>
           </a:extLst>
         </p:spPr>
@@ -1659,7 +1659,7 @@
           <a:ln/>
           <a:extLst>
             <a:ext uri="{FAA26D3D-D897-4be2-8F04-BA451C77F1D7}">
-              <ma14:placeholderFlag xmlns:ma14="http://schemas.microsoft.com/office/mac/drawingml/2011/main" val="1"/>
+              <ma14:placeholderFlag xmlns:ma14="http://schemas.microsoft.com/office/mac/drawingml/2011/main" xmlns="" val="1"/>
             </a:ext>
           </a:extLst>
         </p:spPr>
@@ -1748,7 +1748,7 @@
           <a:ln/>
           <a:extLst>
             <a:ext uri="{FAA26D3D-D897-4be2-8F04-BA451C77F1D7}">
-              <ma14:placeholderFlag xmlns:ma14="http://schemas.microsoft.com/office/mac/drawingml/2011/main" val="1"/>
+              <ma14:placeholderFlag xmlns:ma14="http://schemas.microsoft.com/office/mac/drawingml/2011/main" xmlns="" val="1"/>
             </a:ext>
           </a:extLst>
         </p:spPr>
@@ -1837,7 +1837,7 @@
           <a:ln/>
           <a:extLst>
             <a:ext uri="{FAA26D3D-D897-4be2-8F04-BA451C77F1D7}">
-              <ma14:placeholderFlag xmlns:ma14="http://schemas.microsoft.com/office/mac/drawingml/2011/main" val="1"/>
+              <ma14:placeholderFlag xmlns:ma14="http://schemas.microsoft.com/office/mac/drawingml/2011/main" xmlns="" val="1"/>
             </a:ext>
           </a:extLst>
         </p:spPr>
@@ -1926,7 +1926,7 @@
           <a:ln/>
           <a:extLst>
             <a:ext uri="{FAA26D3D-D897-4be2-8F04-BA451C77F1D7}">
-              <ma14:placeholderFlag xmlns:ma14="http://schemas.microsoft.com/office/mac/drawingml/2011/main" val="1"/>
+              <ma14:placeholderFlag xmlns:ma14="http://schemas.microsoft.com/office/mac/drawingml/2011/main" xmlns="" val="1"/>
             </a:ext>
           </a:extLst>
         </p:spPr>
@@ -2015,7 +2015,7 @@
           <a:ln/>
           <a:extLst>
             <a:ext uri="{FAA26D3D-D897-4be2-8F04-BA451C77F1D7}">
-              <ma14:placeholderFlag xmlns:ma14="http://schemas.microsoft.com/office/mac/drawingml/2011/main" val="1"/>
+              <ma14:placeholderFlag xmlns:ma14="http://schemas.microsoft.com/office/mac/drawingml/2011/main" xmlns="" val="1"/>
             </a:ext>
           </a:extLst>
         </p:spPr>
@@ -2092,12 +2092,12 @@
           <a:effectLst/>
           <a:extLst>
             <a:ext uri="{909E8E84-426E-40dd-AFC4-6F175D3DCCD1}">
-              <a14:hiddenFill xmlns="" xmlns:a14="http://schemas.microsoft.com/office/drawing/2010/main">
+              <a14:hiddenFill xmlns:a14="http://schemas.microsoft.com/office/drawing/2010/main" xmlns="">
                 <a:noFill/>
               </a14:hiddenFill>
             </a:ext>
             <a:ext uri="{AF507438-7753-43e0-B8FC-AC1667EBCBE1}">
-              <a14:hiddenEffects xmlns="" xmlns:a14="http://schemas.microsoft.com/office/drawing/2010/main">
+              <a14:hiddenEffects xmlns:a14="http://schemas.microsoft.com/office/drawing/2010/main" xmlns="">
                 <a:effectLst>
                   <a:outerShdw blurRad="63500" dist="38099" dir="2700000" algn="ctr" rotWithShape="0">
                     <a:schemeClr val="bg2">
@@ -2143,7 +2143,7 @@
           <a:p>
             <a:pPr lvl="0"/>
             <a:r>
-              <a:rPr lang="en-US" noProof="0" smtClean="0"/>
+              <a:rPr lang="en-US" noProof="0"/>
               <a:t>Click to edit Master title style</a:t>
             </a:r>
           </a:p>
@@ -2177,7 +2177,7 @@
           <a:p>
             <a:pPr lvl="0"/>
             <a:r>
-              <a:rPr lang="en-US" noProof="0" smtClean="0"/>
+              <a:rPr lang="en-US" noProof="0"/>
               <a:t>Click to edit Master subtitle style</a:t>
             </a:r>
           </a:p>
@@ -2298,7 +2298,7 @@
             <a:effectLst/>
             <a:extLst>
               <a:ext uri="{91240B29-F687-4f45-9708-019B960494DF}">
-                <a14:hiddenLine xmlns="" xmlns:a14="http://schemas.microsoft.com/office/drawing/2010/main" w="9525">
+                <a14:hiddenLine xmlns:a14="http://schemas.microsoft.com/office/drawing/2010/main" xmlns="" w="9525">
                   <a:solidFill>
                     <a:schemeClr val="tx1"/>
                   </a:solidFill>
@@ -2308,7 +2308,7 @@
                 </a14:hiddenLine>
               </a:ext>
               <a:ext uri="{AF507438-7753-43e0-B8FC-AC1667EBCBE1}">
-                <a14:hiddenEffects xmlns="" xmlns:a14="http://schemas.microsoft.com/office/drawing/2010/main">
+                <a14:hiddenEffects xmlns:a14="http://schemas.microsoft.com/office/drawing/2010/main" xmlns="">
                   <a:effectLst>
                     <a:outerShdw blurRad="63500" dist="38099" dir="2700000" algn="ctr" rotWithShape="0">
                       <a:schemeClr val="bg2">
@@ -2353,7 +2353,7 @@
             <a:effectLst/>
             <a:extLst>
               <a:ext uri="{91240B29-F687-4f45-9708-019B960494DF}">
-                <a14:hiddenLine xmlns="" xmlns:a14="http://schemas.microsoft.com/office/drawing/2010/main" w="9525">
+                <a14:hiddenLine xmlns:a14="http://schemas.microsoft.com/office/drawing/2010/main" xmlns="" w="9525">
                   <a:solidFill>
                     <a:schemeClr val="tx1"/>
                   </a:solidFill>
@@ -2363,7 +2363,7 @@
                 </a14:hiddenLine>
               </a:ext>
               <a:ext uri="{AF507438-7753-43e0-B8FC-AC1667EBCBE1}">
-                <a14:hiddenEffects xmlns="" xmlns:a14="http://schemas.microsoft.com/office/drawing/2010/main">
+                <a14:hiddenEffects xmlns:a14="http://schemas.microsoft.com/office/drawing/2010/main" xmlns="">
                   <a:effectLst>
                     <a:outerShdw blurRad="63500" dist="38099" dir="2700000" algn="ctr" rotWithShape="0">
                       <a:schemeClr val="bg2">
@@ -2408,7 +2408,7 @@
             <a:effectLst/>
             <a:extLst>
               <a:ext uri="{91240B29-F687-4f45-9708-019B960494DF}">
-                <a14:hiddenLine xmlns="" xmlns:a14="http://schemas.microsoft.com/office/drawing/2010/main" w="9525">
+                <a14:hiddenLine xmlns:a14="http://schemas.microsoft.com/office/drawing/2010/main" xmlns="" w="9525">
                   <a:solidFill>
                     <a:schemeClr val="tx1"/>
                   </a:solidFill>
@@ -2418,7 +2418,7 @@
                 </a14:hiddenLine>
               </a:ext>
               <a:ext uri="{AF507438-7753-43e0-B8FC-AC1667EBCBE1}">
-                <a14:hiddenEffects xmlns="" xmlns:a14="http://schemas.microsoft.com/office/drawing/2010/main">
+                <a14:hiddenEffects xmlns:a14="http://schemas.microsoft.com/office/drawing/2010/main" xmlns="">
                   <a:effectLst>
                     <a:outerShdw blurRad="63500" dist="38099" dir="2700000" algn="ctr" rotWithShape="0">
                       <a:schemeClr val="bg2">
@@ -2463,7 +2463,7 @@
             <a:effectLst/>
             <a:extLst>
               <a:ext uri="{91240B29-F687-4f45-9708-019B960494DF}">
-                <a14:hiddenLine xmlns="" xmlns:a14="http://schemas.microsoft.com/office/drawing/2010/main" w="9525">
+                <a14:hiddenLine xmlns:a14="http://schemas.microsoft.com/office/drawing/2010/main" xmlns="" w="9525">
                   <a:solidFill>
                     <a:schemeClr val="tx1"/>
                   </a:solidFill>
@@ -2473,7 +2473,7 @@
                 </a14:hiddenLine>
               </a:ext>
               <a:ext uri="{AF507438-7753-43e0-B8FC-AC1667EBCBE1}">
-                <a14:hiddenEffects xmlns="" xmlns:a14="http://schemas.microsoft.com/office/drawing/2010/main">
+                <a14:hiddenEffects xmlns:a14="http://schemas.microsoft.com/office/drawing/2010/main" xmlns="">
                   <a:effectLst>
                     <a:outerShdw blurRad="63500" dist="38099" dir="2700000" algn="ctr" rotWithShape="0">
                       <a:schemeClr val="bg2">
@@ -2518,7 +2518,7 @@
             <a:effectLst/>
             <a:extLst>
               <a:ext uri="{91240B29-F687-4f45-9708-019B960494DF}">
-                <a14:hiddenLine xmlns="" xmlns:a14="http://schemas.microsoft.com/office/drawing/2010/main" w="9525">
+                <a14:hiddenLine xmlns:a14="http://schemas.microsoft.com/office/drawing/2010/main" xmlns="" w="9525">
                   <a:solidFill>
                     <a:schemeClr val="tx1"/>
                   </a:solidFill>
@@ -2528,7 +2528,7 @@
                 </a14:hiddenLine>
               </a:ext>
               <a:ext uri="{AF507438-7753-43e0-B8FC-AC1667EBCBE1}">
-                <a14:hiddenEffects xmlns="" xmlns:a14="http://schemas.microsoft.com/office/drawing/2010/main">
+                <a14:hiddenEffects xmlns:a14="http://schemas.microsoft.com/office/drawing/2010/main" xmlns="">
                   <a:effectLst>
                     <a:outerShdw blurRad="63500" dist="38099" dir="2700000" algn="ctr" rotWithShape="0">
                       <a:schemeClr val="bg2">
@@ -2573,7 +2573,7 @@
             <a:effectLst/>
             <a:extLst>
               <a:ext uri="{91240B29-F687-4f45-9708-019B960494DF}">
-                <a14:hiddenLine xmlns="" xmlns:a14="http://schemas.microsoft.com/office/drawing/2010/main" w="9525">
+                <a14:hiddenLine xmlns:a14="http://schemas.microsoft.com/office/drawing/2010/main" xmlns="" w="9525">
                   <a:solidFill>
                     <a:schemeClr val="tx1"/>
                   </a:solidFill>
@@ -2583,7 +2583,7 @@
                 </a14:hiddenLine>
               </a:ext>
               <a:ext uri="{AF507438-7753-43e0-B8FC-AC1667EBCBE1}">
-                <a14:hiddenEffects xmlns="" xmlns:a14="http://schemas.microsoft.com/office/drawing/2010/main">
+                <a14:hiddenEffects xmlns:a14="http://schemas.microsoft.com/office/drawing/2010/main" xmlns="">
                   <a:effectLst>
                     <a:outerShdw blurRad="63500" dist="38099" dir="2700000" algn="ctr" rotWithShape="0">
                       <a:schemeClr val="bg2">
@@ -2628,7 +2628,7 @@
             <a:effectLst/>
             <a:extLst>
               <a:ext uri="{91240B29-F687-4f45-9708-019B960494DF}">
-                <a14:hiddenLine xmlns="" xmlns:a14="http://schemas.microsoft.com/office/drawing/2010/main" w="9525">
+                <a14:hiddenLine xmlns:a14="http://schemas.microsoft.com/office/drawing/2010/main" xmlns="" w="9525">
                   <a:solidFill>
                     <a:schemeClr val="tx1"/>
                   </a:solidFill>
@@ -2638,7 +2638,7 @@
                 </a14:hiddenLine>
               </a:ext>
               <a:ext uri="{AF507438-7753-43e0-B8FC-AC1667EBCBE1}">
-                <a14:hiddenEffects xmlns="" xmlns:a14="http://schemas.microsoft.com/office/drawing/2010/main">
+                <a14:hiddenEffects xmlns:a14="http://schemas.microsoft.com/office/drawing/2010/main" xmlns="">
                   <a:effectLst>
                     <a:outerShdw blurRad="63500" dist="38099" dir="2700000" algn="ctr" rotWithShape="0">
                       <a:schemeClr val="bg2">
@@ -2683,7 +2683,7 @@
             <a:effectLst/>
             <a:extLst>
               <a:ext uri="{91240B29-F687-4f45-9708-019B960494DF}">
-                <a14:hiddenLine xmlns="" xmlns:a14="http://schemas.microsoft.com/office/drawing/2010/main" w="9525">
+                <a14:hiddenLine xmlns:a14="http://schemas.microsoft.com/office/drawing/2010/main" xmlns="" w="9525">
                   <a:solidFill>
                     <a:schemeClr val="tx1"/>
                   </a:solidFill>
@@ -2693,7 +2693,7 @@
                 </a14:hiddenLine>
               </a:ext>
               <a:ext uri="{AF507438-7753-43e0-B8FC-AC1667EBCBE1}">
-                <a14:hiddenEffects xmlns="" xmlns:a14="http://schemas.microsoft.com/office/drawing/2010/main">
+                <a14:hiddenEffects xmlns:a14="http://schemas.microsoft.com/office/drawing/2010/main" xmlns="">
                   <a:effectLst>
                     <a:outerShdw blurRad="63500" dist="38099" dir="2700000" algn="ctr" rotWithShape="0">
                       <a:schemeClr val="bg2">
@@ -2738,7 +2738,7 @@
             <a:effectLst/>
             <a:extLst>
               <a:ext uri="{91240B29-F687-4f45-9708-019B960494DF}">
-                <a14:hiddenLine xmlns="" xmlns:a14="http://schemas.microsoft.com/office/drawing/2010/main" w="9525">
+                <a14:hiddenLine xmlns:a14="http://schemas.microsoft.com/office/drawing/2010/main" xmlns="" w="9525">
                   <a:solidFill>
                     <a:schemeClr val="tx1"/>
                   </a:solidFill>
@@ -2748,7 +2748,7 @@
                 </a14:hiddenLine>
               </a:ext>
               <a:ext uri="{AF507438-7753-43e0-B8FC-AC1667EBCBE1}">
-                <a14:hiddenEffects xmlns="" xmlns:a14="http://schemas.microsoft.com/office/drawing/2010/main">
+                <a14:hiddenEffects xmlns:a14="http://schemas.microsoft.com/office/drawing/2010/main" xmlns="">
                   <a:effectLst>
                     <a:outerShdw blurRad="63500" dist="38099" dir="2700000" algn="ctr" rotWithShape="0">
                       <a:schemeClr val="bg2">
@@ -2793,7 +2793,7 @@
             <a:effectLst/>
             <a:extLst>
               <a:ext uri="{91240B29-F687-4f45-9708-019B960494DF}">
-                <a14:hiddenLine xmlns="" xmlns:a14="http://schemas.microsoft.com/office/drawing/2010/main" w="9525">
+                <a14:hiddenLine xmlns:a14="http://schemas.microsoft.com/office/drawing/2010/main" xmlns="" w="9525">
                   <a:solidFill>
                     <a:schemeClr val="tx1"/>
                   </a:solidFill>
@@ -2803,7 +2803,7 @@
                 </a14:hiddenLine>
               </a:ext>
               <a:ext uri="{AF507438-7753-43e0-B8FC-AC1667EBCBE1}">
-                <a14:hiddenEffects xmlns="" xmlns:a14="http://schemas.microsoft.com/office/drawing/2010/main">
+                <a14:hiddenEffects xmlns:a14="http://schemas.microsoft.com/office/drawing/2010/main" xmlns="">
                   <a:effectLst>
                     <a:outerShdw blurRad="63500" dist="38099" dir="2700000" algn="ctr" rotWithShape="0">
                       <a:schemeClr val="bg2">
@@ -2848,7 +2848,7 @@
             <a:effectLst/>
             <a:extLst>
               <a:ext uri="{91240B29-F687-4f45-9708-019B960494DF}">
-                <a14:hiddenLine xmlns="" xmlns:a14="http://schemas.microsoft.com/office/drawing/2010/main" w="9525">
+                <a14:hiddenLine xmlns:a14="http://schemas.microsoft.com/office/drawing/2010/main" xmlns="" w="9525">
                   <a:solidFill>
                     <a:schemeClr val="tx1"/>
                   </a:solidFill>
@@ -2858,7 +2858,7 @@
                 </a14:hiddenLine>
               </a:ext>
               <a:ext uri="{AF507438-7753-43e0-B8FC-AC1667EBCBE1}">
-                <a14:hiddenEffects xmlns="" xmlns:a14="http://schemas.microsoft.com/office/drawing/2010/main">
+                <a14:hiddenEffects xmlns:a14="http://schemas.microsoft.com/office/drawing/2010/main" xmlns="">
                   <a:effectLst>
                     <a:outerShdw blurRad="63500" dist="38099" dir="2700000" algn="ctr" rotWithShape="0">
                       <a:schemeClr val="bg2">
@@ -2903,7 +2903,7 @@
             <a:effectLst/>
             <a:extLst>
               <a:ext uri="{91240B29-F687-4f45-9708-019B960494DF}">
-                <a14:hiddenLine xmlns="" xmlns:a14="http://schemas.microsoft.com/office/drawing/2010/main" w="9525">
+                <a14:hiddenLine xmlns:a14="http://schemas.microsoft.com/office/drawing/2010/main" xmlns="" w="9525">
                   <a:solidFill>
                     <a:schemeClr val="tx1"/>
                   </a:solidFill>
@@ -2913,7 +2913,7 @@
                 </a14:hiddenLine>
               </a:ext>
               <a:ext uri="{AF507438-7753-43e0-B8FC-AC1667EBCBE1}">
-                <a14:hiddenEffects xmlns="" xmlns:a14="http://schemas.microsoft.com/office/drawing/2010/main">
+                <a14:hiddenEffects xmlns:a14="http://schemas.microsoft.com/office/drawing/2010/main" xmlns="">
                   <a:effectLst>
                     <a:outerShdw blurRad="63500" dist="38099" dir="2700000" algn="ctr" rotWithShape="0">
                       <a:schemeClr val="bg2">
@@ -2958,7 +2958,7 @@
             <a:effectLst/>
             <a:extLst>
               <a:ext uri="{91240B29-F687-4f45-9708-019B960494DF}">
-                <a14:hiddenLine xmlns="" xmlns:a14="http://schemas.microsoft.com/office/drawing/2010/main" w="9525">
+                <a14:hiddenLine xmlns:a14="http://schemas.microsoft.com/office/drawing/2010/main" xmlns="" w="9525">
                   <a:solidFill>
                     <a:schemeClr val="tx1"/>
                   </a:solidFill>
@@ -2968,7 +2968,7 @@
                 </a14:hiddenLine>
               </a:ext>
               <a:ext uri="{AF507438-7753-43e0-B8FC-AC1667EBCBE1}">
-                <a14:hiddenEffects xmlns="" xmlns:a14="http://schemas.microsoft.com/office/drawing/2010/main">
+                <a14:hiddenEffects xmlns:a14="http://schemas.microsoft.com/office/drawing/2010/main" xmlns="">
                   <a:effectLst>
                     <a:outerShdw blurRad="63500" dist="38099" dir="2700000" algn="ctr" rotWithShape="0">
                       <a:schemeClr val="bg2">
@@ -3013,7 +3013,7 @@
             <a:effectLst/>
             <a:extLst>
               <a:ext uri="{91240B29-F687-4f45-9708-019B960494DF}">
-                <a14:hiddenLine xmlns="" xmlns:a14="http://schemas.microsoft.com/office/drawing/2010/main" w="9525">
+                <a14:hiddenLine xmlns:a14="http://schemas.microsoft.com/office/drawing/2010/main" xmlns="" w="9525">
                   <a:solidFill>
                     <a:schemeClr val="tx1"/>
                   </a:solidFill>
@@ -3023,7 +3023,7 @@
                 </a14:hiddenLine>
               </a:ext>
               <a:ext uri="{AF507438-7753-43e0-B8FC-AC1667EBCBE1}">
-                <a14:hiddenEffects xmlns="" xmlns:a14="http://schemas.microsoft.com/office/drawing/2010/main">
+                <a14:hiddenEffects xmlns:a14="http://schemas.microsoft.com/office/drawing/2010/main" xmlns="">
                   <a:effectLst>
                     <a:outerShdw blurRad="63500" dist="38099" dir="2700000" algn="ctr" rotWithShape="0">
                       <a:schemeClr val="bg2">
@@ -3068,7 +3068,7 @@
             <a:effectLst/>
             <a:extLst>
               <a:ext uri="{91240B29-F687-4f45-9708-019B960494DF}">
-                <a14:hiddenLine xmlns="" xmlns:a14="http://schemas.microsoft.com/office/drawing/2010/main" w="9525">
+                <a14:hiddenLine xmlns:a14="http://schemas.microsoft.com/office/drawing/2010/main" xmlns="" w="9525">
                   <a:solidFill>
                     <a:schemeClr val="tx1"/>
                   </a:solidFill>
@@ -3078,7 +3078,7 @@
                 </a14:hiddenLine>
               </a:ext>
               <a:ext uri="{AF507438-7753-43e0-B8FC-AC1667EBCBE1}">
-                <a14:hiddenEffects xmlns="" xmlns:a14="http://schemas.microsoft.com/office/drawing/2010/main">
+                <a14:hiddenEffects xmlns:a14="http://schemas.microsoft.com/office/drawing/2010/main" xmlns="">
                   <a:effectLst>
                     <a:outerShdw blurRad="63500" dist="38099" dir="2700000" algn="ctr" rotWithShape="0">
                       <a:schemeClr val="bg2">
@@ -3123,7 +3123,7 @@
             <a:effectLst/>
             <a:extLst>
               <a:ext uri="{91240B29-F687-4f45-9708-019B960494DF}">
-                <a14:hiddenLine xmlns="" xmlns:a14="http://schemas.microsoft.com/office/drawing/2010/main" w="9525">
+                <a14:hiddenLine xmlns:a14="http://schemas.microsoft.com/office/drawing/2010/main" xmlns="" w="9525">
                   <a:solidFill>
                     <a:schemeClr val="tx1"/>
                   </a:solidFill>
@@ -3133,7 +3133,7 @@
                 </a14:hiddenLine>
               </a:ext>
               <a:ext uri="{AF507438-7753-43e0-B8FC-AC1667EBCBE1}">
-                <a14:hiddenEffects xmlns="" xmlns:a14="http://schemas.microsoft.com/office/drawing/2010/main">
+                <a14:hiddenEffects xmlns:a14="http://schemas.microsoft.com/office/drawing/2010/main" xmlns="">
                   <a:effectLst>
                     <a:outerShdw blurRad="63500" dist="38099" dir="2700000" algn="ctr" rotWithShape="0">
                       <a:schemeClr val="bg2">
@@ -3178,7 +3178,7 @@
             <a:effectLst/>
             <a:extLst>
               <a:ext uri="{91240B29-F687-4f45-9708-019B960494DF}">
-                <a14:hiddenLine xmlns="" xmlns:a14="http://schemas.microsoft.com/office/drawing/2010/main" w="9525">
+                <a14:hiddenLine xmlns:a14="http://schemas.microsoft.com/office/drawing/2010/main" xmlns="" w="9525">
                   <a:solidFill>
                     <a:schemeClr val="tx1"/>
                   </a:solidFill>
@@ -3188,7 +3188,7 @@
                 </a14:hiddenLine>
               </a:ext>
               <a:ext uri="{AF507438-7753-43e0-B8FC-AC1667EBCBE1}">
-                <a14:hiddenEffects xmlns="" xmlns:a14="http://schemas.microsoft.com/office/drawing/2010/main">
+                <a14:hiddenEffects xmlns:a14="http://schemas.microsoft.com/office/drawing/2010/main" xmlns="">
                   <a:effectLst>
                     <a:outerShdw blurRad="63500" dist="38099" dir="2700000" algn="ctr" rotWithShape="0">
                       <a:schemeClr val="bg2">
@@ -3233,7 +3233,7 @@
             <a:effectLst/>
             <a:extLst>
               <a:ext uri="{91240B29-F687-4f45-9708-019B960494DF}">
-                <a14:hiddenLine xmlns="" xmlns:a14="http://schemas.microsoft.com/office/drawing/2010/main" w="9525">
+                <a14:hiddenLine xmlns:a14="http://schemas.microsoft.com/office/drawing/2010/main" xmlns="" w="9525">
                   <a:solidFill>
                     <a:schemeClr val="tx1"/>
                   </a:solidFill>
@@ -3243,7 +3243,7 @@
                 </a14:hiddenLine>
               </a:ext>
               <a:ext uri="{AF507438-7753-43e0-B8FC-AC1667EBCBE1}">
-                <a14:hiddenEffects xmlns="" xmlns:a14="http://schemas.microsoft.com/office/drawing/2010/main">
+                <a14:hiddenEffects xmlns:a14="http://schemas.microsoft.com/office/drawing/2010/main" xmlns="">
                   <a:effectLst>
                     <a:outerShdw blurRad="63500" dist="38099" dir="2700000" algn="ctr" rotWithShape="0">
                       <a:schemeClr val="bg2">
@@ -3288,7 +3288,7 @@
             <a:effectLst/>
             <a:extLst>
               <a:ext uri="{91240B29-F687-4f45-9708-019B960494DF}">
-                <a14:hiddenLine xmlns="" xmlns:a14="http://schemas.microsoft.com/office/drawing/2010/main" w="9525">
+                <a14:hiddenLine xmlns:a14="http://schemas.microsoft.com/office/drawing/2010/main" xmlns="" w="9525">
                   <a:solidFill>
                     <a:schemeClr val="tx1"/>
                   </a:solidFill>
@@ -3298,7 +3298,7 @@
                 </a14:hiddenLine>
               </a:ext>
               <a:ext uri="{AF507438-7753-43e0-B8FC-AC1667EBCBE1}">
-                <a14:hiddenEffects xmlns="" xmlns:a14="http://schemas.microsoft.com/office/drawing/2010/main">
+                <a14:hiddenEffects xmlns:a14="http://schemas.microsoft.com/office/drawing/2010/main" xmlns="">
                   <a:effectLst>
                     <a:outerShdw blurRad="63500" dist="38099" dir="2700000" algn="ctr" rotWithShape="0">
                       <a:schemeClr val="bg2">
@@ -3343,7 +3343,7 @@
             <a:effectLst/>
             <a:extLst>
               <a:ext uri="{91240B29-F687-4f45-9708-019B960494DF}">
-                <a14:hiddenLine xmlns="" xmlns:a14="http://schemas.microsoft.com/office/drawing/2010/main" w="9525">
+                <a14:hiddenLine xmlns:a14="http://schemas.microsoft.com/office/drawing/2010/main" xmlns="" w="9525">
                   <a:solidFill>
                     <a:schemeClr val="tx1"/>
                   </a:solidFill>
@@ -3353,7 +3353,7 @@
                 </a14:hiddenLine>
               </a:ext>
               <a:ext uri="{AF507438-7753-43e0-B8FC-AC1667EBCBE1}">
-                <a14:hiddenEffects xmlns="" xmlns:a14="http://schemas.microsoft.com/office/drawing/2010/main">
+                <a14:hiddenEffects xmlns:a14="http://schemas.microsoft.com/office/drawing/2010/main" xmlns="">
                   <a:effectLst>
                     <a:outerShdw blurRad="63500" dist="38099" dir="2700000" algn="ctr" rotWithShape="0">
                       <a:schemeClr val="bg2">
@@ -3398,7 +3398,7 @@
             <a:effectLst/>
             <a:extLst>
               <a:ext uri="{91240B29-F687-4f45-9708-019B960494DF}">
-                <a14:hiddenLine xmlns="" xmlns:a14="http://schemas.microsoft.com/office/drawing/2010/main" w="9525">
+                <a14:hiddenLine xmlns:a14="http://schemas.microsoft.com/office/drawing/2010/main" xmlns="" w="9525">
                   <a:solidFill>
                     <a:schemeClr val="tx1"/>
                   </a:solidFill>
@@ -3408,7 +3408,7 @@
                 </a14:hiddenLine>
               </a:ext>
               <a:ext uri="{AF507438-7753-43e0-B8FC-AC1667EBCBE1}">
-                <a14:hiddenEffects xmlns="" xmlns:a14="http://schemas.microsoft.com/office/drawing/2010/main">
+                <a14:hiddenEffects xmlns:a14="http://schemas.microsoft.com/office/drawing/2010/main" xmlns="">
                   <a:effectLst>
                     <a:outerShdw blurRad="63500" dist="38099" dir="2700000" algn="ctr" rotWithShape="0">
                       <a:schemeClr val="bg2">
@@ -3453,7 +3453,7 @@
             <a:effectLst/>
             <a:extLst>
               <a:ext uri="{91240B29-F687-4f45-9708-019B960494DF}">
-                <a14:hiddenLine xmlns="" xmlns:a14="http://schemas.microsoft.com/office/drawing/2010/main" w="9525">
+                <a14:hiddenLine xmlns:a14="http://schemas.microsoft.com/office/drawing/2010/main" xmlns="" w="9525">
                   <a:solidFill>
                     <a:schemeClr val="tx1"/>
                   </a:solidFill>
@@ -3463,7 +3463,7 @@
                 </a14:hiddenLine>
               </a:ext>
               <a:ext uri="{AF507438-7753-43e0-B8FC-AC1667EBCBE1}">
-                <a14:hiddenEffects xmlns="" xmlns:a14="http://schemas.microsoft.com/office/drawing/2010/main">
+                <a14:hiddenEffects xmlns:a14="http://schemas.microsoft.com/office/drawing/2010/main" xmlns="">
                   <a:effectLst>
                     <a:outerShdw blurRad="63500" dist="38099" dir="2700000" algn="ctr" rotWithShape="0">
                       <a:schemeClr val="bg2">
@@ -3508,7 +3508,7 @@
             <a:effectLst/>
             <a:extLst>
               <a:ext uri="{91240B29-F687-4f45-9708-019B960494DF}">
-                <a14:hiddenLine xmlns="" xmlns:a14="http://schemas.microsoft.com/office/drawing/2010/main" w="9525">
+                <a14:hiddenLine xmlns:a14="http://schemas.microsoft.com/office/drawing/2010/main" xmlns="" w="9525">
                   <a:solidFill>
                     <a:schemeClr val="tx1"/>
                   </a:solidFill>
@@ -3518,7 +3518,7 @@
                 </a14:hiddenLine>
               </a:ext>
               <a:ext uri="{AF507438-7753-43e0-B8FC-AC1667EBCBE1}">
-                <a14:hiddenEffects xmlns="" xmlns:a14="http://schemas.microsoft.com/office/drawing/2010/main">
+                <a14:hiddenEffects xmlns:a14="http://schemas.microsoft.com/office/drawing/2010/main" xmlns="">
                   <a:effectLst>
                     <a:outerShdw blurRad="63500" dist="38099" dir="2700000" algn="ctr" rotWithShape="0">
                       <a:schemeClr val="bg2">
@@ -3563,7 +3563,7 @@
             <a:effectLst/>
             <a:extLst>
               <a:ext uri="{91240B29-F687-4f45-9708-019B960494DF}">
-                <a14:hiddenLine xmlns="" xmlns:a14="http://schemas.microsoft.com/office/drawing/2010/main" w="9525">
+                <a14:hiddenLine xmlns:a14="http://schemas.microsoft.com/office/drawing/2010/main" xmlns="" w="9525">
                   <a:solidFill>
                     <a:schemeClr val="tx1"/>
                   </a:solidFill>
@@ -3573,7 +3573,7 @@
                 </a14:hiddenLine>
               </a:ext>
               <a:ext uri="{AF507438-7753-43e0-B8FC-AC1667EBCBE1}">
-                <a14:hiddenEffects xmlns="" xmlns:a14="http://schemas.microsoft.com/office/drawing/2010/main">
+                <a14:hiddenEffects xmlns:a14="http://schemas.microsoft.com/office/drawing/2010/main" xmlns="">
                   <a:effectLst>
                     <a:outerShdw blurRad="63500" dist="38099" dir="2700000" algn="ctr" rotWithShape="0">
                       <a:schemeClr val="bg2">
@@ -3618,7 +3618,7 @@
             <a:effectLst/>
             <a:extLst>
               <a:ext uri="{91240B29-F687-4f45-9708-019B960494DF}">
-                <a14:hiddenLine xmlns="" xmlns:a14="http://schemas.microsoft.com/office/drawing/2010/main" w="9525">
+                <a14:hiddenLine xmlns:a14="http://schemas.microsoft.com/office/drawing/2010/main" xmlns="" w="9525">
                   <a:solidFill>
                     <a:schemeClr val="tx1"/>
                   </a:solidFill>
@@ -3628,7 +3628,7 @@
                 </a14:hiddenLine>
               </a:ext>
               <a:ext uri="{AF507438-7753-43e0-B8FC-AC1667EBCBE1}">
-                <a14:hiddenEffects xmlns="" xmlns:a14="http://schemas.microsoft.com/office/drawing/2010/main">
+                <a14:hiddenEffects xmlns:a14="http://schemas.microsoft.com/office/drawing/2010/main" xmlns="">
                   <a:effectLst>
                     <a:outerShdw blurRad="63500" dist="38099" dir="2700000" algn="ctr" rotWithShape="0">
                       <a:schemeClr val="bg2">
@@ -3673,7 +3673,7 @@
             <a:effectLst/>
             <a:extLst>
               <a:ext uri="{91240B29-F687-4f45-9708-019B960494DF}">
-                <a14:hiddenLine xmlns="" xmlns:a14="http://schemas.microsoft.com/office/drawing/2010/main" w="9525">
+                <a14:hiddenLine xmlns:a14="http://schemas.microsoft.com/office/drawing/2010/main" xmlns="" w="9525">
                   <a:solidFill>
                     <a:schemeClr val="tx1"/>
                   </a:solidFill>
@@ -3683,7 +3683,7 @@
                 </a14:hiddenLine>
               </a:ext>
               <a:ext uri="{AF507438-7753-43e0-B8FC-AC1667EBCBE1}">
-                <a14:hiddenEffects xmlns="" xmlns:a14="http://schemas.microsoft.com/office/drawing/2010/main">
+                <a14:hiddenEffects xmlns:a14="http://schemas.microsoft.com/office/drawing/2010/main" xmlns="">
                   <a:effectLst>
                     <a:outerShdw blurRad="63500" dist="38099" dir="2700000" algn="ctr" rotWithShape="0">
                       <a:schemeClr val="bg2">
@@ -3728,7 +3728,7 @@
             <a:effectLst/>
             <a:extLst>
               <a:ext uri="{91240B29-F687-4f45-9708-019B960494DF}">
-                <a14:hiddenLine xmlns="" xmlns:a14="http://schemas.microsoft.com/office/drawing/2010/main" w="9525">
+                <a14:hiddenLine xmlns:a14="http://schemas.microsoft.com/office/drawing/2010/main" xmlns="" w="9525">
                   <a:solidFill>
                     <a:schemeClr val="tx1"/>
                   </a:solidFill>
@@ -3738,7 +3738,7 @@
                 </a14:hiddenLine>
               </a:ext>
               <a:ext uri="{AF507438-7753-43e0-B8FC-AC1667EBCBE1}">
-                <a14:hiddenEffects xmlns="" xmlns:a14="http://schemas.microsoft.com/office/drawing/2010/main">
+                <a14:hiddenEffects xmlns:a14="http://schemas.microsoft.com/office/drawing/2010/main" xmlns="">
                   <a:effectLst>
                     <a:outerShdw blurRad="63500" dist="38099" dir="2700000" algn="ctr" rotWithShape="0">
                       <a:schemeClr val="bg2">
@@ -3783,7 +3783,7 @@
             <a:effectLst/>
             <a:extLst>
               <a:ext uri="{91240B29-F687-4f45-9708-019B960494DF}">
-                <a14:hiddenLine xmlns="" xmlns:a14="http://schemas.microsoft.com/office/drawing/2010/main" w="9525">
+                <a14:hiddenLine xmlns:a14="http://schemas.microsoft.com/office/drawing/2010/main" xmlns="" w="9525">
                   <a:solidFill>
                     <a:schemeClr val="tx1"/>
                   </a:solidFill>
@@ -3793,7 +3793,7 @@
                 </a14:hiddenLine>
               </a:ext>
               <a:ext uri="{AF507438-7753-43e0-B8FC-AC1667EBCBE1}">
-                <a14:hiddenEffects xmlns="" xmlns:a14="http://schemas.microsoft.com/office/drawing/2010/main">
+                <a14:hiddenEffects xmlns:a14="http://schemas.microsoft.com/office/drawing/2010/main" xmlns="">
                   <a:effectLst>
                     <a:outerShdw blurRad="63500" dist="38099" dir="2700000" algn="ctr" rotWithShape="0">
                       <a:schemeClr val="bg2">
@@ -3838,7 +3838,7 @@
             <a:effectLst/>
             <a:extLst>
               <a:ext uri="{91240B29-F687-4f45-9708-019B960494DF}">
-                <a14:hiddenLine xmlns="" xmlns:a14="http://schemas.microsoft.com/office/drawing/2010/main" w="9525">
+                <a14:hiddenLine xmlns:a14="http://schemas.microsoft.com/office/drawing/2010/main" xmlns="" w="9525">
                   <a:solidFill>
                     <a:schemeClr val="tx1"/>
                   </a:solidFill>
@@ -3848,7 +3848,7 @@
                 </a14:hiddenLine>
               </a:ext>
               <a:ext uri="{AF507438-7753-43e0-B8FC-AC1667EBCBE1}">
-                <a14:hiddenEffects xmlns="" xmlns:a14="http://schemas.microsoft.com/office/drawing/2010/main">
+                <a14:hiddenEffects xmlns:a14="http://schemas.microsoft.com/office/drawing/2010/main" xmlns="">
                   <a:effectLst>
                     <a:outerShdw blurRad="63500" dist="38099" dir="2700000" algn="ctr" rotWithShape="0">
                       <a:schemeClr val="bg2">
@@ -3893,7 +3893,7 @@
             <a:effectLst/>
             <a:extLst>
               <a:ext uri="{91240B29-F687-4f45-9708-019B960494DF}">
-                <a14:hiddenLine xmlns="" xmlns:a14="http://schemas.microsoft.com/office/drawing/2010/main" w="9525">
+                <a14:hiddenLine xmlns:a14="http://schemas.microsoft.com/office/drawing/2010/main" xmlns="" w="9525">
                   <a:solidFill>
                     <a:schemeClr val="tx1"/>
                   </a:solidFill>
@@ -3903,7 +3903,7 @@
                 </a14:hiddenLine>
               </a:ext>
               <a:ext uri="{AF507438-7753-43e0-B8FC-AC1667EBCBE1}">
-                <a14:hiddenEffects xmlns="" xmlns:a14="http://schemas.microsoft.com/office/drawing/2010/main">
+                <a14:hiddenEffects xmlns:a14="http://schemas.microsoft.com/office/drawing/2010/main" xmlns="">
                   <a:effectLst>
                     <a:outerShdw blurRad="63500" dist="38099" dir="2700000" algn="ctr" rotWithShape="0">
                       <a:schemeClr val="bg2">
@@ -3948,7 +3948,7 @@
             <a:effectLst/>
             <a:extLst>
               <a:ext uri="{91240B29-F687-4f45-9708-019B960494DF}">
-                <a14:hiddenLine xmlns="" xmlns:a14="http://schemas.microsoft.com/office/drawing/2010/main" w="9525">
+                <a14:hiddenLine xmlns:a14="http://schemas.microsoft.com/office/drawing/2010/main" xmlns="" w="9525">
                   <a:solidFill>
                     <a:schemeClr val="tx1"/>
                   </a:solidFill>
@@ -3958,7 +3958,7 @@
                 </a14:hiddenLine>
               </a:ext>
               <a:ext uri="{AF507438-7753-43e0-B8FC-AC1667EBCBE1}">
-                <a14:hiddenEffects xmlns="" xmlns:a14="http://schemas.microsoft.com/office/drawing/2010/main">
+                <a14:hiddenEffects xmlns:a14="http://schemas.microsoft.com/office/drawing/2010/main" xmlns="">
                   <a:effectLst>
                     <a:outerShdw blurRad="63500" dist="38099" dir="2700000" algn="ctr" rotWithShape="0">
                       <a:schemeClr val="bg2">
@@ -4007,12 +4007,12 @@
           <a:effectLst/>
           <a:extLst>
             <a:ext uri="{909E8E84-426E-40dd-AFC4-6F175D3DCCD1}">
-              <a14:hiddenFill xmlns="" xmlns:a14="http://schemas.microsoft.com/office/drawing/2010/main">
+              <a14:hiddenFill xmlns:a14="http://schemas.microsoft.com/office/drawing/2010/main" xmlns="">
                 <a:noFill/>
               </a14:hiddenFill>
             </a:ext>
             <a:ext uri="{AF507438-7753-43e0-B8FC-AC1667EBCBE1}">
-              <a14:hiddenEffects xmlns="" xmlns:a14="http://schemas.microsoft.com/office/drawing/2010/main">
+              <a14:hiddenEffects xmlns:a14="http://schemas.microsoft.com/office/drawing/2010/main" xmlns="">
                 <a:effectLst>
                   <a:outerShdw blurRad="63500" dist="38099" dir="2700000" algn="ctr" rotWithShape="0">
                     <a:schemeClr val="bg2">
@@ -4037,13 +4037,6 @@
   <p:clrMapOvr>
     <a:masterClrMapping/>
   </p:clrMapOvr>
-  <p:timing>
-    <p:tnLst>
-      <p:par>
-        <p:cTn id="1" dur="indefinite" restart="never" nodeType="tmRoot"/>
-      </p:par>
-    </p:tnLst>
-  </p:timing>
 </p:sldLayout>
 </file>
 
@@ -4080,10 +4073,9 @@
           <a:lstStyle/>
           <a:p>
             <a:r>
-              <a:rPr lang="en-US" smtClean="0"/>
+              <a:rPr lang="en-US"/>
               <a:t>Click to edit Master title style</a:t>
             </a:r>
-            <a:endParaRPr lang="en-US"/>
           </a:p>
         </p:txBody>
       </p:sp>
@@ -4104,38 +4096,37 @@
           <a:p>
             <a:pPr lvl="0"/>
             <a:r>
-              <a:rPr lang="en-US" smtClean="0"/>
+              <a:rPr lang="en-US"/>
               <a:t>Click to edit Master text styles</a:t>
             </a:r>
           </a:p>
           <a:p>
             <a:pPr lvl="1"/>
             <a:r>
-              <a:rPr lang="en-US" smtClean="0"/>
+              <a:rPr lang="en-US"/>
               <a:t>Second level</a:t>
             </a:r>
           </a:p>
           <a:p>
             <a:pPr lvl="2"/>
             <a:r>
-              <a:rPr lang="en-US" smtClean="0"/>
+              <a:rPr lang="en-US"/>
               <a:t>Third level</a:t>
             </a:r>
           </a:p>
           <a:p>
             <a:pPr lvl="3"/>
             <a:r>
-              <a:rPr lang="en-US" smtClean="0"/>
+              <a:rPr lang="en-US"/>
               <a:t>Fourth level</a:t>
             </a:r>
           </a:p>
           <a:p>
             <a:pPr lvl="4"/>
             <a:r>
-              <a:rPr lang="en-US" smtClean="0"/>
+              <a:rPr lang="en-US"/>
               <a:t>Fifth level</a:t>
             </a:r>
-            <a:endParaRPr lang="en-US"/>
           </a:p>
         </p:txBody>
       </p:sp>
@@ -4264,10 +4255,9 @@
           <a:lstStyle/>
           <a:p>
             <a:r>
-              <a:rPr lang="en-US" smtClean="0"/>
+              <a:rPr lang="en-US"/>
               <a:t>Click to edit Master title style</a:t>
             </a:r>
-            <a:endParaRPr lang="en-US"/>
           </a:p>
         </p:txBody>
       </p:sp>
@@ -4293,38 +4283,37 @@
           <a:p>
             <a:pPr lvl="0"/>
             <a:r>
-              <a:rPr lang="en-US" smtClean="0"/>
+              <a:rPr lang="en-US"/>
               <a:t>Click to edit Master text styles</a:t>
             </a:r>
           </a:p>
           <a:p>
             <a:pPr lvl="1"/>
             <a:r>
-              <a:rPr lang="en-US" smtClean="0"/>
+              <a:rPr lang="en-US"/>
               <a:t>Second level</a:t>
             </a:r>
           </a:p>
           <a:p>
             <a:pPr lvl="2"/>
             <a:r>
-              <a:rPr lang="en-US" smtClean="0"/>
+              <a:rPr lang="en-US"/>
               <a:t>Third level</a:t>
             </a:r>
           </a:p>
           <a:p>
             <a:pPr lvl="3"/>
             <a:r>
-              <a:rPr lang="en-US" smtClean="0"/>
+              <a:rPr lang="en-US"/>
               <a:t>Fourth level</a:t>
             </a:r>
           </a:p>
           <a:p>
             <a:pPr lvl="4"/>
             <a:r>
-              <a:rPr lang="en-US" smtClean="0"/>
+              <a:rPr lang="en-US"/>
               <a:t>Fifth level</a:t>
             </a:r>
-            <a:endParaRPr lang="en-US"/>
           </a:p>
         </p:txBody>
       </p:sp>
@@ -4448,10 +4437,9 @@
           <a:lstStyle/>
           <a:p>
             <a:r>
-              <a:rPr lang="en-US" smtClean="0"/>
+              <a:rPr lang="en-US"/>
               <a:t>Click to edit Master title style</a:t>
             </a:r>
-            <a:endParaRPr lang="en-US"/>
           </a:p>
         </p:txBody>
       </p:sp>
@@ -4472,38 +4460,37 @@
           <a:p>
             <a:pPr lvl="0"/>
             <a:r>
-              <a:rPr lang="en-US" smtClean="0"/>
+              <a:rPr lang="en-US"/>
               <a:t>Click to edit Master text styles</a:t>
             </a:r>
           </a:p>
           <a:p>
             <a:pPr lvl="1"/>
             <a:r>
-              <a:rPr lang="en-US" smtClean="0"/>
+              <a:rPr lang="en-US"/>
               <a:t>Second level</a:t>
             </a:r>
           </a:p>
           <a:p>
             <a:pPr lvl="2"/>
             <a:r>
-              <a:rPr lang="en-US" smtClean="0"/>
+              <a:rPr lang="en-US"/>
               <a:t>Third level</a:t>
             </a:r>
           </a:p>
           <a:p>
             <a:pPr lvl="3"/>
             <a:r>
-              <a:rPr lang="en-US" smtClean="0"/>
+              <a:rPr lang="en-US"/>
               <a:t>Fourth level</a:t>
             </a:r>
           </a:p>
           <a:p>
             <a:pPr lvl="4"/>
             <a:r>
-              <a:rPr lang="en-US" smtClean="0"/>
+              <a:rPr lang="en-US"/>
               <a:t>Fifth level</a:t>
             </a:r>
-            <a:endParaRPr lang="en-US"/>
           </a:p>
         </p:txBody>
       </p:sp>
@@ -4636,10 +4623,9 @@
           </a:lstStyle>
           <a:p>
             <a:r>
-              <a:rPr lang="en-US" smtClean="0"/>
+              <a:rPr lang="en-US"/>
               <a:t>Click to edit Master title style</a:t>
             </a:r>
-            <a:endParaRPr lang="en-US"/>
           </a:p>
         </p:txBody>
       </p:sp>
@@ -4702,7 +4688,7 @@
           <a:p>
             <a:pPr lvl="0"/>
             <a:r>
-              <a:rPr lang="en-US" smtClean="0"/>
+              <a:rPr lang="en-US"/>
               <a:t>Click to edit Master text styles</a:t>
             </a:r>
           </a:p>
@@ -4828,10 +4814,9 @@
           <a:lstStyle/>
           <a:p>
             <a:r>
-              <a:rPr lang="en-US" smtClean="0"/>
+              <a:rPr lang="en-US"/>
               <a:t>Click to edit Master title style</a:t>
             </a:r>
-            <a:endParaRPr lang="en-US"/>
           </a:p>
         </p:txBody>
       </p:sp>
@@ -4885,38 +4870,37 @@
           <a:p>
             <a:pPr lvl="0"/>
             <a:r>
-              <a:rPr lang="en-US" smtClean="0"/>
+              <a:rPr lang="en-US"/>
               <a:t>Click to edit Master text styles</a:t>
             </a:r>
           </a:p>
           <a:p>
             <a:pPr lvl="1"/>
             <a:r>
-              <a:rPr lang="en-US" smtClean="0"/>
+              <a:rPr lang="en-US"/>
               <a:t>Second level</a:t>
             </a:r>
           </a:p>
           <a:p>
             <a:pPr lvl="2"/>
             <a:r>
-              <a:rPr lang="en-US" smtClean="0"/>
+              <a:rPr lang="en-US"/>
               <a:t>Third level</a:t>
             </a:r>
           </a:p>
           <a:p>
             <a:pPr lvl="3"/>
             <a:r>
-              <a:rPr lang="en-US" smtClean="0"/>
+              <a:rPr lang="en-US"/>
               <a:t>Fourth level</a:t>
             </a:r>
           </a:p>
           <a:p>
             <a:pPr lvl="4"/>
             <a:r>
-              <a:rPr lang="en-US" smtClean="0"/>
+              <a:rPr lang="en-US"/>
               <a:t>Fifth level</a:t>
             </a:r>
-            <a:endParaRPr lang="en-US"/>
           </a:p>
         </p:txBody>
       </p:sp>
@@ -4970,38 +4954,37 @@
           <a:p>
             <a:pPr lvl="0"/>
             <a:r>
-              <a:rPr lang="en-US" smtClean="0"/>
+              <a:rPr lang="en-US"/>
               <a:t>Click to edit Master text styles</a:t>
             </a:r>
           </a:p>
           <a:p>
             <a:pPr lvl="1"/>
             <a:r>
-              <a:rPr lang="en-US" smtClean="0"/>
+              <a:rPr lang="en-US"/>
               <a:t>Second level</a:t>
             </a:r>
           </a:p>
           <a:p>
             <a:pPr lvl="2"/>
             <a:r>
-              <a:rPr lang="en-US" smtClean="0"/>
+              <a:rPr lang="en-US"/>
               <a:t>Third level</a:t>
             </a:r>
           </a:p>
           <a:p>
             <a:pPr lvl="3"/>
             <a:r>
-              <a:rPr lang="en-US" smtClean="0"/>
+              <a:rPr lang="en-US"/>
               <a:t>Fourth level</a:t>
             </a:r>
           </a:p>
           <a:p>
             <a:pPr lvl="4"/>
             <a:r>
-              <a:rPr lang="en-US" smtClean="0"/>
+              <a:rPr lang="en-US"/>
               <a:t>Fifth level</a:t>
             </a:r>
-            <a:endParaRPr lang="en-US"/>
           </a:p>
         </p:txBody>
       </p:sp>
@@ -5134,10 +5117,9 @@
           </a:lstStyle>
           <a:p>
             <a:r>
-              <a:rPr lang="en-US" smtClean="0"/>
+              <a:rPr lang="en-US"/>
               <a:t>Click to edit Master title style</a:t>
             </a:r>
-            <a:endParaRPr lang="en-US"/>
           </a:p>
         </p:txBody>
       </p:sp>
@@ -5200,7 +5182,7 @@
           <a:p>
             <a:pPr lvl="0"/>
             <a:r>
-              <a:rPr lang="en-US" smtClean="0"/>
+              <a:rPr lang="en-US"/>
               <a:t>Click to edit Master text styles</a:t>
             </a:r>
           </a:p>
@@ -5256,38 +5238,37 @@
           <a:p>
             <a:pPr lvl="0"/>
             <a:r>
-              <a:rPr lang="en-US" smtClean="0"/>
+              <a:rPr lang="en-US"/>
               <a:t>Click to edit Master text styles</a:t>
             </a:r>
           </a:p>
           <a:p>
             <a:pPr lvl="1"/>
             <a:r>
-              <a:rPr lang="en-US" smtClean="0"/>
+              <a:rPr lang="en-US"/>
               <a:t>Second level</a:t>
             </a:r>
           </a:p>
           <a:p>
             <a:pPr lvl="2"/>
             <a:r>
-              <a:rPr lang="en-US" smtClean="0"/>
+              <a:rPr lang="en-US"/>
               <a:t>Third level</a:t>
             </a:r>
           </a:p>
           <a:p>
             <a:pPr lvl="3"/>
             <a:r>
-              <a:rPr lang="en-US" smtClean="0"/>
+              <a:rPr lang="en-US"/>
               <a:t>Fourth level</a:t>
             </a:r>
           </a:p>
           <a:p>
             <a:pPr lvl="4"/>
             <a:r>
-              <a:rPr lang="en-US" smtClean="0"/>
+              <a:rPr lang="en-US"/>
               <a:t>Fifth level</a:t>
             </a:r>
-            <a:endParaRPr lang="en-US"/>
           </a:p>
         </p:txBody>
       </p:sp>
@@ -5350,7 +5331,7 @@
           <a:p>
             <a:pPr lvl="0"/>
             <a:r>
-              <a:rPr lang="en-US" smtClean="0"/>
+              <a:rPr lang="en-US"/>
               <a:t>Click to edit Master text styles</a:t>
             </a:r>
           </a:p>
@@ -5406,38 +5387,37 @@
           <a:p>
             <a:pPr lvl="0"/>
             <a:r>
-              <a:rPr lang="en-US" smtClean="0"/>
+              <a:rPr lang="en-US"/>
               <a:t>Click to edit Master text styles</a:t>
             </a:r>
           </a:p>
           <a:p>
             <a:pPr lvl="1"/>
             <a:r>
-              <a:rPr lang="en-US" smtClean="0"/>
+              <a:rPr lang="en-US"/>
               <a:t>Second level</a:t>
             </a:r>
           </a:p>
           <a:p>
             <a:pPr lvl="2"/>
             <a:r>
-              <a:rPr lang="en-US" smtClean="0"/>
+              <a:rPr lang="en-US"/>
               <a:t>Third level</a:t>
             </a:r>
           </a:p>
           <a:p>
             <a:pPr lvl="3"/>
             <a:r>
-              <a:rPr lang="en-US" smtClean="0"/>
+              <a:rPr lang="en-US"/>
               <a:t>Fourth level</a:t>
             </a:r>
           </a:p>
           <a:p>
             <a:pPr lvl="4"/>
             <a:r>
-              <a:rPr lang="en-US" smtClean="0"/>
+              <a:rPr lang="en-US"/>
               <a:t>Fifth level</a:t>
             </a:r>
-            <a:endParaRPr lang="en-US"/>
           </a:p>
         </p:txBody>
       </p:sp>
@@ -5561,10 +5541,9 @@
           <a:lstStyle/>
           <a:p>
             <a:r>
-              <a:rPr lang="en-US" smtClean="0"/>
+              <a:rPr lang="en-US"/>
               <a:t>Click to edit Master title style</a:t>
             </a:r>
-            <a:endParaRPr lang="en-US"/>
           </a:p>
         </p:txBody>
       </p:sp>
@@ -5801,10 +5780,9 @@
           </a:lstStyle>
           <a:p>
             <a:r>
-              <a:rPr lang="en-US" smtClean="0"/>
+              <a:rPr lang="en-US"/>
               <a:t>Click to edit Master title style</a:t>
             </a:r>
-            <a:endParaRPr lang="en-US"/>
           </a:p>
         </p:txBody>
       </p:sp>
@@ -5858,38 +5836,37 @@
           <a:p>
             <a:pPr lvl="0"/>
             <a:r>
-              <a:rPr lang="en-US" smtClean="0"/>
+              <a:rPr lang="en-US"/>
               <a:t>Click to edit Master text styles</a:t>
             </a:r>
           </a:p>
           <a:p>
             <a:pPr lvl="1"/>
             <a:r>
-              <a:rPr lang="en-US" smtClean="0"/>
+              <a:rPr lang="en-US"/>
               <a:t>Second level</a:t>
             </a:r>
           </a:p>
           <a:p>
             <a:pPr lvl="2"/>
             <a:r>
-              <a:rPr lang="en-US" smtClean="0"/>
+              <a:rPr lang="en-US"/>
               <a:t>Third level</a:t>
             </a:r>
           </a:p>
           <a:p>
             <a:pPr lvl="3"/>
             <a:r>
-              <a:rPr lang="en-US" smtClean="0"/>
+              <a:rPr lang="en-US"/>
               <a:t>Fourth level</a:t>
             </a:r>
           </a:p>
           <a:p>
             <a:pPr lvl="4"/>
             <a:r>
-              <a:rPr lang="en-US" smtClean="0"/>
+              <a:rPr lang="en-US"/>
               <a:t>Fifth level</a:t>
             </a:r>
-            <a:endParaRPr lang="en-US"/>
           </a:p>
         </p:txBody>
       </p:sp>
@@ -5952,7 +5929,7 @@
           <a:p>
             <a:pPr lvl="0"/>
             <a:r>
-              <a:rPr lang="en-US" smtClean="0"/>
+              <a:rPr lang="en-US"/>
               <a:t>Click to edit Master text styles</a:t>
             </a:r>
           </a:p>
@@ -6087,10 +6064,9 @@
           </a:lstStyle>
           <a:p>
             <a:r>
-              <a:rPr lang="en-US" smtClean="0"/>
+              <a:rPr lang="en-US"/>
               <a:t>Click to edit Master title style</a:t>
             </a:r>
-            <a:endParaRPr lang="en-US"/>
           </a:p>
         </p:txBody>
       </p:sp>
@@ -6214,7 +6190,7 @@
           <a:p>
             <a:pPr lvl="0"/>
             <a:r>
-              <a:rPr lang="en-US" smtClean="0"/>
+              <a:rPr lang="en-US"/>
               <a:t>Click to edit Master text styles</a:t>
             </a:r>
           </a:p>
@@ -6360,12 +6336,12 @@
           <a:effectLst/>
           <a:extLst>
             <a:ext uri="{909E8E84-426E-40dd-AFC4-6F175D3DCCD1}">
-              <a14:hiddenFill xmlns="" xmlns:a14="http://schemas.microsoft.com/office/drawing/2010/main">
+              <a14:hiddenFill xmlns:a14="http://schemas.microsoft.com/office/drawing/2010/main" xmlns="">
                 <a:noFill/>
               </a14:hiddenFill>
             </a:ext>
             <a:ext uri="{AF507438-7753-43e0-B8FC-AC1667EBCBE1}">
-              <a14:hiddenEffects xmlns="" xmlns:a14="http://schemas.microsoft.com/office/drawing/2010/main">
+              <a14:hiddenEffects xmlns:a14="http://schemas.microsoft.com/office/drawing/2010/main" xmlns="">
                 <a:effectLst>
                   <a:outerShdw blurRad="63500" dist="38099" dir="2700000" algn="ctr" rotWithShape="0">
                     <a:schemeClr val="bg2">
@@ -6410,17 +6386,17 @@
           <a:effectLst/>
           <a:extLst>
             <a:ext uri="{FAA26D3D-D897-4be2-8F04-BA451C77F1D7}">
-              <ma14:placeholderFlag xmlns:ma14="http://schemas.microsoft.com/office/mac/drawingml/2011/main" val="1"/>
+              <ma14:placeholderFlag xmlns:ma14="http://schemas.microsoft.com/office/mac/drawingml/2011/main" xmlns="" val="1"/>
             </a:ext>
             <a:ext uri="{909E8E84-426E-40dd-AFC4-6F175D3DCCD1}">
-              <a14:hiddenFill xmlns="" xmlns:a14="http://schemas.microsoft.com/office/drawing/2010/main">
+              <a14:hiddenFill xmlns:a14="http://schemas.microsoft.com/office/drawing/2010/main" xmlns="">
                 <a:solidFill>
                   <a:schemeClr val="accent1"/>
                 </a:solidFill>
               </a14:hiddenFill>
             </a:ext>
             <a:ext uri="{91240B29-F687-4f45-9708-019B960494DF}">
-              <a14:hiddenLine xmlns="" xmlns:a14="http://schemas.microsoft.com/office/drawing/2010/main" w="9525">
+              <a14:hiddenLine xmlns:a14="http://schemas.microsoft.com/office/drawing/2010/main" xmlns="" w="9525">
                 <a:solidFill>
                   <a:schemeClr val="tx1"/>
                 </a:solidFill>
@@ -6430,7 +6406,7 @@
               </a14:hiddenLine>
             </a:ext>
             <a:ext uri="{AF507438-7753-43e0-B8FC-AC1667EBCBE1}">
-              <a14:hiddenEffects xmlns="" xmlns:a14="http://schemas.microsoft.com/office/drawing/2010/main">
+              <a14:hiddenEffects xmlns:a14="http://schemas.microsoft.com/office/drawing/2010/main" xmlns="">
                 <a:effectLst>
                   <a:outerShdw blurRad="63500" dist="38099" dir="2700000" algn="ctr" rotWithShape="0">
                     <a:schemeClr val="bg2">
@@ -6483,17 +6459,17 @@
           <a:effectLst/>
           <a:extLst>
             <a:ext uri="{FAA26D3D-D897-4be2-8F04-BA451C77F1D7}">
-              <ma14:placeholderFlag xmlns:ma14="http://schemas.microsoft.com/office/mac/drawingml/2011/main" val="1"/>
+              <ma14:placeholderFlag xmlns:ma14="http://schemas.microsoft.com/office/mac/drawingml/2011/main" xmlns="" val="1"/>
             </a:ext>
             <a:ext uri="{909E8E84-426E-40dd-AFC4-6F175D3DCCD1}">
-              <a14:hiddenFill xmlns="" xmlns:a14="http://schemas.microsoft.com/office/drawing/2010/main">
+              <a14:hiddenFill xmlns:a14="http://schemas.microsoft.com/office/drawing/2010/main" xmlns="">
                 <a:solidFill>
                   <a:schemeClr val="accent1"/>
                 </a:solidFill>
               </a14:hiddenFill>
             </a:ext>
             <a:ext uri="{91240B29-F687-4f45-9708-019B960494DF}">
-              <a14:hiddenLine xmlns="" xmlns:a14="http://schemas.microsoft.com/office/drawing/2010/main" w="9525">
+              <a14:hiddenLine xmlns:a14="http://schemas.microsoft.com/office/drawing/2010/main" xmlns="" w="9525">
                 <a:solidFill>
                   <a:schemeClr val="tx1"/>
                 </a:solidFill>
@@ -6503,7 +6479,7 @@
               </a14:hiddenLine>
             </a:ext>
             <a:ext uri="{AF507438-7753-43e0-B8FC-AC1667EBCBE1}">
-              <a14:hiddenEffects xmlns="" xmlns:a14="http://schemas.microsoft.com/office/drawing/2010/main">
+              <a14:hiddenEffects xmlns:a14="http://schemas.microsoft.com/office/drawing/2010/main" xmlns="">
                 <a:effectLst>
                   <a:outerShdw blurRad="63500" dist="38099" dir="2700000" algn="ctr" rotWithShape="0">
                     <a:schemeClr val="bg2">
@@ -6584,17 +6560,17 @@
           <a:effectLst/>
           <a:extLst>
             <a:ext uri="{FAA26D3D-D897-4be2-8F04-BA451C77F1D7}">
-              <ma14:placeholderFlag xmlns:ma14="http://schemas.microsoft.com/office/mac/drawingml/2011/main" val="1"/>
+              <ma14:placeholderFlag xmlns:ma14="http://schemas.microsoft.com/office/mac/drawingml/2011/main" xmlns="" val="1"/>
             </a:ext>
             <a:ext uri="{909E8E84-426E-40dd-AFC4-6F175D3DCCD1}">
-              <a14:hiddenFill xmlns="" xmlns:a14="http://schemas.microsoft.com/office/drawing/2010/main">
+              <a14:hiddenFill xmlns:a14="http://schemas.microsoft.com/office/drawing/2010/main" xmlns="">
                 <a:solidFill>
                   <a:schemeClr val="accent1"/>
                 </a:solidFill>
               </a14:hiddenFill>
             </a:ext>
             <a:ext uri="{91240B29-F687-4f45-9708-019B960494DF}">
-              <a14:hiddenLine xmlns="" xmlns:a14="http://schemas.microsoft.com/office/drawing/2010/main" w="9525">
+              <a14:hiddenLine xmlns:a14="http://schemas.microsoft.com/office/drawing/2010/main" xmlns="" w="9525">
                 <a:solidFill>
                   <a:schemeClr val="tx1"/>
                 </a:solidFill>
@@ -6604,7 +6580,7 @@
               </a14:hiddenLine>
             </a:ext>
             <a:ext uri="{AF507438-7753-43e0-B8FC-AC1667EBCBE1}">
-              <a14:hiddenEffects xmlns="" xmlns:a14="http://schemas.microsoft.com/office/drawing/2010/main">
+              <a14:hiddenEffects xmlns:a14="http://schemas.microsoft.com/office/drawing/2010/main" xmlns="">
                 <a:effectLst>
                   <a:outerShdw blurRad="63500" dist="38099" dir="2700000" algn="ctr" rotWithShape="0">
                     <a:schemeClr val="bg2">
@@ -6657,17 +6633,17 @@
           <a:effectLst/>
           <a:extLst>
             <a:ext uri="{FAA26D3D-D897-4be2-8F04-BA451C77F1D7}">
-              <ma14:placeholderFlag xmlns:ma14="http://schemas.microsoft.com/office/mac/drawingml/2011/main" val="1"/>
+              <ma14:placeholderFlag xmlns:ma14="http://schemas.microsoft.com/office/mac/drawingml/2011/main" xmlns="" val="1"/>
             </a:ext>
             <a:ext uri="{909E8E84-426E-40dd-AFC4-6F175D3DCCD1}">
-              <a14:hiddenFill xmlns="" xmlns:a14="http://schemas.microsoft.com/office/drawing/2010/main">
+              <a14:hiddenFill xmlns:a14="http://schemas.microsoft.com/office/drawing/2010/main" xmlns="">
                 <a:solidFill>
                   <a:schemeClr val="accent1"/>
                 </a:solidFill>
               </a14:hiddenFill>
             </a:ext>
             <a:ext uri="{91240B29-F687-4f45-9708-019B960494DF}">
-              <a14:hiddenLine xmlns="" xmlns:a14="http://schemas.microsoft.com/office/drawing/2010/main" w="9525">
+              <a14:hiddenLine xmlns:a14="http://schemas.microsoft.com/office/drawing/2010/main" xmlns="" w="9525">
                 <a:solidFill>
                   <a:schemeClr val="tx1"/>
                 </a:solidFill>
@@ -6677,7 +6653,7 @@
               </a14:hiddenLine>
             </a:ext>
             <a:ext uri="{AF507438-7753-43e0-B8FC-AC1667EBCBE1}">
-              <a14:hiddenEffects xmlns="" xmlns:a14="http://schemas.microsoft.com/office/drawing/2010/main">
+              <a14:hiddenEffects xmlns:a14="http://schemas.microsoft.com/office/drawing/2010/main" xmlns="">
                 <a:effectLst>
                   <a:outerShdw blurRad="63500" dist="38099" dir="2700000" algn="ctr" rotWithShape="0">
                     <a:schemeClr val="bg2">
@@ -6730,17 +6706,17 @@
           <a:effectLst/>
           <a:extLst>
             <a:ext uri="{FAA26D3D-D897-4be2-8F04-BA451C77F1D7}">
-              <ma14:placeholderFlag xmlns:ma14="http://schemas.microsoft.com/office/mac/drawingml/2011/main" val="1"/>
+              <ma14:placeholderFlag xmlns:ma14="http://schemas.microsoft.com/office/mac/drawingml/2011/main" xmlns="" val="1"/>
             </a:ext>
             <a:ext uri="{909E8E84-426E-40dd-AFC4-6F175D3DCCD1}">
-              <a14:hiddenFill xmlns="" xmlns:a14="http://schemas.microsoft.com/office/drawing/2010/main">
+              <a14:hiddenFill xmlns:a14="http://schemas.microsoft.com/office/drawing/2010/main" xmlns="">
                 <a:solidFill>
                   <a:schemeClr val="accent1"/>
                 </a:solidFill>
               </a14:hiddenFill>
             </a:ext>
             <a:ext uri="{91240B29-F687-4f45-9708-019B960494DF}">
-              <a14:hiddenLine xmlns="" xmlns:a14="http://schemas.microsoft.com/office/drawing/2010/main" w="9525">
+              <a14:hiddenLine xmlns:a14="http://schemas.microsoft.com/office/drawing/2010/main" xmlns="" w="9525">
                 <a:solidFill>
                   <a:schemeClr val="tx1"/>
                 </a:solidFill>
@@ -6750,7 +6726,7 @@
               </a14:hiddenLine>
             </a:ext>
             <a:ext uri="{AF507438-7753-43e0-B8FC-AC1667EBCBE1}">
-              <a14:hiddenEffects xmlns="" xmlns:a14="http://schemas.microsoft.com/office/drawing/2010/main">
+              <a14:hiddenEffects xmlns:a14="http://schemas.microsoft.com/office/drawing/2010/main" xmlns="">
                 <a:effectLst>
                   <a:outerShdw blurRad="63500" dist="38099" dir="2700000" algn="ctr" rotWithShape="0">
                     <a:schemeClr val="bg2">
@@ -6824,7 +6800,7 @@
             <a:effectLst/>
             <a:extLst>
               <a:ext uri="{91240B29-F687-4f45-9708-019B960494DF}">
-                <a14:hiddenLine xmlns="" xmlns:a14="http://schemas.microsoft.com/office/drawing/2010/main" w="9525">
+                <a14:hiddenLine xmlns:a14="http://schemas.microsoft.com/office/drawing/2010/main" xmlns="" w="9525">
                   <a:solidFill>
                     <a:schemeClr val="tx1"/>
                   </a:solidFill>
@@ -6834,7 +6810,7 @@
                 </a14:hiddenLine>
               </a:ext>
               <a:ext uri="{AF507438-7753-43e0-B8FC-AC1667EBCBE1}">
-                <a14:hiddenEffects xmlns="" xmlns:a14="http://schemas.microsoft.com/office/drawing/2010/main">
+                <a14:hiddenEffects xmlns:a14="http://schemas.microsoft.com/office/drawing/2010/main" xmlns="">
                   <a:effectLst>
                     <a:outerShdw blurRad="63500" dist="38099" dir="2700000" algn="ctr" rotWithShape="0">
                       <a:schemeClr val="bg2">
@@ -6879,7 +6855,7 @@
             <a:effectLst/>
             <a:extLst>
               <a:ext uri="{91240B29-F687-4f45-9708-019B960494DF}">
-                <a14:hiddenLine xmlns="" xmlns:a14="http://schemas.microsoft.com/office/drawing/2010/main" w="9525">
+                <a14:hiddenLine xmlns:a14="http://schemas.microsoft.com/office/drawing/2010/main" xmlns="" w="9525">
                   <a:solidFill>
                     <a:schemeClr val="tx1"/>
                   </a:solidFill>
@@ -6889,7 +6865,7 @@
                 </a14:hiddenLine>
               </a:ext>
               <a:ext uri="{AF507438-7753-43e0-B8FC-AC1667EBCBE1}">
-                <a14:hiddenEffects xmlns="" xmlns:a14="http://schemas.microsoft.com/office/drawing/2010/main">
+                <a14:hiddenEffects xmlns:a14="http://schemas.microsoft.com/office/drawing/2010/main" xmlns="">
                   <a:effectLst>
                     <a:outerShdw blurRad="63500" dist="38099" dir="2700000" algn="ctr" rotWithShape="0">
                       <a:schemeClr val="bg2">
@@ -6934,7 +6910,7 @@
             <a:effectLst/>
             <a:extLst>
               <a:ext uri="{91240B29-F687-4f45-9708-019B960494DF}">
-                <a14:hiddenLine xmlns="" xmlns:a14="http://schemas.microsoft.com/office/drawing/2010/main" w="9525">
+                <a14:hiddenLine xmlns:a14="http://schemas.microsoft.com/office/drawing/2010/main" xmlns="" w="9525">
                   <a:solidFill>
                     <a:schemeClr val="tx1"/>
                   </a:solidFill>
@@ -6944,7 +6920,7 @@
                 </a14:hiddenLine>
               </a:ext>
               <a:ext uri="{AF507438-7753-43e0-B8FC-AC1667EBCBE1}">
-                <a14:hiddenEffects xmlns="" xmlns:a14="http://schemas.microsoft.com/office/drawing/2010/main">
+                <a14:hiddenEffects xmlns:a14="http://schemas.microsoft.com/office/drawing/2010/main" xmlns="">
                   <a:effectLst>
                     <a:outerShdw blurRad="63500" dist="38099" dir="2700000" algn="ctr" rotWithShape="0">
                       <a:schemeClr val="bg2">
@@ -6989,7 +6965,7 @@
             <a:effectLst/>
             <a:extLst>
               <a:ext uri="{91240B29-F687-4f45-9708-019B960494DF}">
-                <a14:hiddenLine xmlns="" xmlns:a14="http://schemas.microsoft.com/office/drawing/2010/main" w="9525">
+                <a14:hiddenLine xmlns:a14="http://schemas.microsoft.com/office/drawing/2010/main" xmlns="" w="9525">
                   <a:solidFill>
                     <a:schemeClr val="tx1"/>
                   </a:solidFill>
@@ -6999,7 +6975,7 @@
                 </a14:hiddenLine>
               </a:ext>
               <a:ext uri="{AF507438-7753-43e0-B8FC-AC1667EBCBE1}">
-                <a14:hiddenEffects xmlns="" xmlns:a14="http://schemas.microsoft.com/office/drawing/2010/main">
+                <a14:hiddenEffects xmlns:a14="http://schemas.microsoft.com/office/drawing/2010/main" xmlns="">
                   <a:effectLst>
                     <a:outerShdw blurRad="63500" dist="38099" dir="2700000" algn="ctr" rotWithShape="0">
                       <a:schemeClr val="bg2">
@@ -7044,7 +7020,7 @@
             <a:effectLst/>
             <a:extLst>
               <a:ext uri="{91240B29-F687-4f45-9708-019B960494DF}">
-                <a14:hiddenLine xmlns="" xmlns:a14="http://schemas.microsoft.com/office/drawing/2010/main" w="9525">
+                <a14:hiddenLine xmlns:a14="http://schemas.microsoft.com/office/drawing/2010/main" xmlns="" w="9525">
                   <a:solidFill>
                     <a:schemeClr val="tx1"/>
                   </a:solidFill>
@@ -7054,7 +7030,7 @@
                 </a14:hiddenLine>
               </a:ext>
               <a:ext uri="{AF507438-7753-43e0-B8FC-AC1667EBCBE1}">
-                <a14:hiddenEffects xmlns="" xmlns:a14="http://schemas.microsoft.com/office/drawing/2010/main">
+                <a14:hiddenEffects xmlns:a14="http://schemas.microsoft.com/office/drawing/2010/main" xmlns="">
                   <a:effectLst>
                     <a:outerShdw blurRad="63500" dist="38099" dir="2700000" algn="ctr" rotWithShape="0">
                       <a:schemeClr val="bg2">
@@ -7099,7 +7075,7 @@
             <a:effectLst/>
             <a:extLst>
               <a:ext uri="{91240B29-F687-4f45-9708-019B960494DF}">
-                <a14:hiddenLine xmlns="" xmlns:a14="http://schemas.microsoft.com/office/drawing/2010/main" w="9525">
+                <a14:hiddenLine xmlns:a14="http://schemas.microsoft.com/office/drawing/2010/main" xmlns="" w="9525">
                   <a:solidFill>
                     <a:schemeClr val="tx1"/>
                   </a:solidFill>
@@ -7109,7 +7085,7 @@
                 </a14:hiddenLine>
               </a:ext>
               <a:ext uri="{AF507438-7753-43e0-B8FC-AC1667EBCBE1}">
-                <a14:hiddenEffects xmlns="" xmlns:a14="http://schemas.microsoft.com/office/drawing/2010/main">
+                <a14:hiddenEffects xmlns:a14="http://schemas.microsoft.com/office/drawing/2010/main" xmlns="">
                   <a:effectLst>
                     <a:outerShdw blurRad="63500" dist="38099" dir="2700000" algn="ctr" rotWithShape="0">
                       <a:schemeClr val="bg2">
@@ -7154,7 +7130,7 @@
             <a:effectLst/>
             <a:extLst>
               <a:ext uri="{91240B29-F687-4f45-9708-019B960494DF}">
-                <a14:hiddenLine xmlns="" xmlns:a14="http://schemas.microsoft.com/office/drawing/2010/main" w="9525">
+                <a14:hiddenLine xmlns:a14="http://schemas.microsoft.com/office/drawing/2010/main" xmlns="" w="9525">
                   <a:solidFill>
                     <a:schemeClr val="tx1"/>
                   </a:solidFill>
@@ -7164,7 +7140,7 @@
                 </a14:hiddenLine>
               </a:ext>
               <a:ext uri="{AF507438-7753-43e0-B8FC-AC1667EBCBE1}">
-                <a14:hiddenEffects xmlns="" xmlns:a14="http://schemas.microsoft.com/office/drawing/2010/main">
+                <a14:hiddenEffects xmlns:a14="http://schemas.microsoft.com/office/drawing/2010/main" xmlns="">
                   <a:effectLst>
                     <a:outerShdw blurRad="63500" dist="38099" dir="2700000" algn="ctr" rotWithShape="0">
                       <a:schemeClr val="bg2">
@@ -7209,7 +7185,7 @@
             <a:effectLst/>
             <a:extLst>
               <a:ext uri="{91240B29-F687-4f45-9708-019B960494DF}">
-                <a14:hiddenLine xmlns="" xmlns:a14="http://schemas.microsoft.com/office/drawing/2010/main" w="9525">
+                <a14:hiddenLine xmlns:a14="http://schemas.microsoft.com/office/drawing/2010/main" xmlns="" w="9525">
                   <a:solidFill>
                     <a:schemeClr val="tx1"/>
                   </a:solidFill>
@@ -7219,7 +7195,7 @@
                 </a14:hiddenLine>
               </a:ext>
               <a:ext uri="{AF507438-7753-43e0-B8FC-AC1667EBCBE1}">
-                <a14:hiddenEffects xmlns="" xmlns:a14="http://schemas.microsoft.com/office/drawing/2010/main">
+                <a14:hiddenEffects xmlns:a14="http://schemas.microsoft.com/office/drawing/2010/main" xmlns="">
                   <a:effectLst>
                     <a:outerShdw blurRad="63500" dist="38099" dir="2700000" algn="ctr" rotWithShape="0">
                       <a:schemeClr val="bg2">
@@ -7264,7 +7240,7 @@
             <a:effectLst/>
             <a:extLst>
               <a:ext uri="{91240B29-F687-4f45-9708-019B960494DF}">
-                <a14:hiddenLine xmlns="" xmlns:a14="http://schemas.microsoft.com/office/drawing/2010/main" w="9525">
+                <a14:hiddenLine xmlns:a14="http://schemas.microsoft.com/office/drawing/2010/main" xmlns="" w="9525">
                   <a:solidFill>
                     <a:schemeClr val="tx1"/>
                   </a:solidFill>
@@ -7274,7 +7250,7 @@
                 </a14:hiddenLine>
               </a:ext>
               <a:ext uri="{AF507438-7753-43e0-B8FC-AC1667EBCBE1}">
-                <a14:hiddenEffects xmlns="" xmlns:a14="http://schemas.microsoft.com/office/drawing/2010/main">
+                <a14:hiddenEffects xmlns:a14="http://schemas.microsoft.com/office/drawing/2010/main" xmlns="">
                   <a:effectLst>
                     <a:outerShdw blurRad="63500" dist="38099" dir="2700000" algn="ctr" rotWithShape="0">
                       <a:schemeClr val="bg2">
@@ -7319,7 +7295,7 @@
             <a:effectLst/>
             <a:extLst>
               <a:ext uri="{91240B29-F687-4f45-9708-019B960494DF}">
-                <a14:hiddenLine xmlns="" xmlns:a14="http://schemas.microsoft.com/office/drawing/2010/main" w="9525">
+                <a14:hiddenLine xmlns:a14="http://schemas.microsoft.com/office/drawing/2010/main" xmlns="" w="9525">
                   <a:solidFill>
                     <a:schemeClr val="tx1"/>
                   </a:solidFill>
@@ -7329,7 +7305,7 @@
                 </a14:hiddenLine>
               </a:ext>
               <a:ext uri="{AF507438-7753-43e0-B8FC-AC1667EBCBE1}">
-                <a14:hiddenEffects xmlns="" xmlns:a14="http://schemas.microsoft.com/office/drawing/2010/main">
+                <a14:hiddenEffects xmlns:a14="http://schemas.microsoft.com/office/drawing/2010/main" xmlns="">
                   <a:effectLst>
                     <a:outerShdw blurRad="63500" dist="38099" dir="2700000" algn="ctr" rotWithShape="0">
                       <a:schemeClr val="bg2">
@@ -7374,7 +7350,7 @@
             <a:effectLst/>
             <a:extLst>
               <a:ext uri="{91240B29-F687-4f45-9708-019B960494DF}">
-                <a14:hiddenLine xmlns="" xmlns:a14="http://schemas.microsoft.com/office/drawing/2010/main" w="9525">
+                <a14:hiddenLine xmlns:a14="http://schemas.microsoft.com/office/drawing/2010/main" xmlns="" w="9525">
                   <a:solidFill>
                     <a:schemeClr val="tx1"/>
                   </a:solidFill>
@@ -7384,7 +7360,7 @@
                 </a14:hiddenLine>
               </a:ext>
               <a:ext uri="{AF507438-7753-43e0-B8FC-AC1667EBCBE1}">
-                <a14:hiddenEffects xmlns="" xmlns:a14="http://schemas.microsoft.com/office/drawing/2010/main">
+                <a14:hiddenEffects xmlns:a14="http://schemas.microsoft.com/office/drawing/2010/main" xmlns="">
                   <a:effectLst>
                     <a:outerShdw blurRad="63500" dist="38099" dir="2700000" algn="ctr" rotWithShape="0">
                       <a:schemeClr val="bg2">
@@ -7429,7 +7405,7 @@
             <a:effectLst/>
             <a:extLst>
               <a:ext uri="{91240B29-F687-4f45-9708-019B960494DF}">
-                <a14:hiddenLine xmlns="" xmlns:a14="http://schemas.microsoft.com/office/drawing/2010/main" w="9525">
+                <a14:hiddenLine xmlns:a14="http://schemas.microsoft.com/office/drawing/2010/main" xmlns="" w="9525">
                   <a:solidFill>
                     <a:schemeClr val="tx1"/>
                   </a:solidFill>
@@ -7439,7 +7415,7 @@
                 </a14:hiddenLine>
               </a:ext>
               <a:ext uri="{AF507438-7753-43e0-B8FC-AC1667EBCBE1}">
-                <a14:hiddenEffects xmlns="" xmlns:a14="http://schemas.microsoft.com/office/drawing/2010/main">
+                <a14:hiddenEffects xmlns:a14="http://schemas.microsoft.com/office/drawing/2010/main" xmlns="">
                   <a:effectLst>
                     <a:outerShdw blurRad="63500" dist="38099" dir="2700000" algn="ctr" rotWithShape="0">
                       <a:schemeClr val="bg2">
@@ -7484,7 +7460,7 @@
             <a:effectLst/>
             <a:extLst>
               <a:ext uri="{91240B29-F687-4f45-9708-019B960494DF}">
-                <a14:hiddenLine xmlns="" xmlns:a14="http://schemas.microsoft.com/office/drawing/2010/main" w="9525">
+                <a14:hiddenLine xmlns:a14="http://schemas.microsoft.com/office/drawing/2010/main" xmlns="" w="9525">
                   <a:solidFill>
                     <a:schemeClr val="tx1"/>
                   </a:solidFill>
@@ -7494,7 +7470,7 @@
                 </a14:hiddenLine>
               </a:ext>
               <a:ext uri="{AF507438-7753-43e0-B8FC-AC1667EBCBE1}">
-                <a14:hiddenEffects xmlns="" xmlns:a14="http://schemas.microsoft.com/office/drawing/2010/main">
+                <a14:hiddenEffects xmlns:a14="http://schemas.microsoft.com/office/drawing/2010/main" xmlns="">
                   <a:effectLst>
                     <a:outerShdw blurRad="63500" dist="38099" dir="2700000" algn="ctr" rotWithShape="0">
                       <a:schemeClr val="bg2">
@@ -7539,7 +7515,7 @@
             <a:effectLst/>
             <a:extLst>
               <a:ext uri="{91240B29-F687-4f45-9708-019B960494DF}">
-                <a14:hiddenLine xmlns="" xmlns:a14="http://schemas.microsoft.com/office/drawing/2010/main" w="9525">
+                <a14:hiddenLine xmlns:a14="http://schemas.microsoft.com/office/drawing/2010/main" xmlns="" w="9525">
                   <a:solidFill>
                     <a:schemeClr val="tx1"/>
                   </a:solidFill>
@@ -7549,7 +7525,7 @@
                 </a14:hiddenLine>
               </a:ext>
               <a:ext uri="{AF507438-7753-43e0-B8FC-AC1667EBCBE1}">
-                <a14:hiddenEffects xmlns="" xmlns:a14="http://schemas.microsoft.com/office/drawing/2010/main">
+                <a14:hiddenEffects xmlns:a14="http://schemas.microsoft.com/office/drawing/2010/main" xmlns="">
                   <a:effectLst>
                     <a:outerShdw blurRad="63500" dist="38099" dir="2700000" algn="ctr" rotWithShape="0">
                       <a:schemeClr val="bg2">
@@ -7594,7 +7570,7 @@
             <a:effectLst/>
             <a:extLst>
               <a:ext uri="{91240B29-F687-4f45-9708-019B960494DF}">
-                <a14:hiddenLine xmlns="" xmlns:a14="http://schemas.microsoft.com/office/drawing/2010/main" w="9525">
+                <a14:hiddenLine xmlns:a14="http://schemas.microsoft.com/office/drawing/2010/main" xmlns="" w="9525">
                   <a:solidFill>
                     <a:schemeClr val="tx1"/>
                   </a:solidFill>
@@ -7604,7 +7580,7 @@
                 </a14:hiddenLine>
               </a:ext>
               <a:ext uri="{AF507438-7753-43e0-B8FC-AC1667EBCBE1}">
-                <a14:hiddenEffects xmlns="" xmlns:a14="http://schemas.microsoft.com/office/drawing/2010/main">
+                <a14:hiddenEffects xmlns:a14="http://schemas.microsoft.com/office/drawing/2010/main" xmlns="">
                   <a:effectLst>
                     <a:outerShdw blurRad="63500" dist="38099" dir="2700000" algn="ctr" rotWithShape="0">
                       <a:schemeClr val="bg2">
@@ -7649,7 +7625,7 @@
             <a:effectLst/>
             <a:extLst>
               <a:ext uri="{91240B29-F687-4f45-9708-019B960494DF}">
-                <a14:hiddenLine xmlns="" xmlns:a14="http://schemas.microsoft.com/office/drawing/2010/main" w="9525">
+                <a14:hiddenLine xmlns:a14="http://schemas.microsoft.com/office/drawing/2010/main" xmlns="" w="9525">
                   <a:solidFill>
                     <a:schemeClr val="tx1"/>
                   </a:solidFill>
@@ -7659,7 +7635,7 @@
                 </a14:hiddenLine>
               </a:ext>
               <a:ext uri="{AF507438-7753-43e0-B8FC-AC1667EBCBE1}">
-                <a14:hiddenEffects xmlns="" xmlns:a14="http://schemas.microsoft.com/office/drawing/2010/main">
+                <a14:hiddenEffects xmlns:a14="http://schemas.microsoft.com/office/drawing/2010/main" xmlns="">
                   <a:effectLst>
                     <a:outerShdw blurRad="63500" dist="38099" dir="2700000" algn="ctr" rotWithShape="0">
                       <a:schemeClr val="bg2">
@@ -7704,7 +7680,7 @@
             <a:effectLst/>
             <a:extLst>
               <a:ext uri="{91240B29-F687-4f45-9708-019B960494DF}">
-                <a14:hiddenLine xmlns="" xmlns:a14="http://schemas.microsoft.com/office/drawing/2010/main" w="9525">
+                <a14:hiddenLine xmlns:a14="http://schemas.microsoft.com/office/drawing/2010/main" xmlns="" w="9525">
                   <a:solidFill>
                     <a:schemeClr val="tx1"/>
                   </a:solidFill>
@@ -7714,7 +7690,7 @@
                 </a14:hiddenLine>
               </a:ext>
               <a:ext uri="{AF507438-7753-43e0-B8FC-AC1667EBCBE1}">
-                <a14:hiddenEffects xmlns="" xmlns:a14="http://schemas.microsoft.com/office/drawing/2010/main">
+                <a14:hiddenEffects xmlns:a14="http://schemas.microsoft.com/office/drawing/2010/main" xmlns="">
                   <a:effectLst>
                     <a:outerShdw blurRad="63500" dist="38099" dir="2700000" algn="ctr" rotWithShape="0">
                       <a:schemeClr val="bg2">
@@ -7759,7 +7735,7 @@
             <a:effectLst/>
             <a:extLst>
               <a:ext uri="{91240B29-F687-4f45-9708-019B960494DF}">
-                <a14:hiddenLine xmlns="" xmlns:a14="http://schemas.microsoft.com/office/drawing/2010/main" w="9525">
+                <a14:hiddenLine xmlns:a14="http://schemas.microsoft.com/office/drawing/2010/main" xmlns="" w="9525">
                   <a:solidFill>
                     <a:schemeClr val="tx1"/>
                   </a:solidFill>
@@ -7769,7 +7745,7 @@
                 </a14:hiddenLine>
               </a:ext>
               <a:ext uri="{AF507438-7753-43e0-B8FC-AC1667EBCBE1}">
-                <a14:hiddenEffects xmlns="" xmlns:a14="http://schemas.microsoft.com/office/drawing/2010/main">
+                <a14:hiddenEffects xmlns:a14="http://schemas.microsoft.com/office/drawing/2010/main" xmlns="">
                   <a:effectLst>
                     <a:outerShdw blurRad="63500" dist="38099" dir="2700000" algn="ctr" rotWithShape="0">
                       <a:schemeClr val="bg2">
@@ -7814,7 +7790,7 @@
             <a:effectLst/>
             <a:extLst>
               <a:ext uri="{91240B29-F687-4f45-9708-019B960494DF}">
-                <a14:hiddenLine xmlns="" xmlns:a14="http://schemas.microsoft.com/office/drawing/2010/main" w="9525">
+                <a14:hiddenLine xmlns:a14="http://schemas.microsoft.com/office/drawing/2010/main" xmlns="" w="9525">
                   <a:solidFill>
                     <a:schemeClr val="tx1"/>
                   </a:solidFill>
@@ -7824,7 +7800,7 @@
                 </a14:hiddenLine>
               </a:ext>
               <a:ext uri="{AF507438-7753-43e0-B8FC-AC1667EBCBE1}">
-                <a14:hiddenEffects xmlns="" xmlns:a14="http://schemas.microsoft.com/office/drawing/2010/main">
+                <a14:hiddenEffects xmlns:a14="http://schemas.microsoft.com/office/drawing/2010/main" xmlns="">
                   <a:effectLst>
                     <a:outerShdw blurRad="63500" dist="38099" dir="2700000" algn="ctr" rotWithShape="0">
                       <a:schemeClr val="bg2">
@@ -7869,7 +7845,7 @@
             <a:effectLst/>
             <a:extLst>
               <a:ext uri="{91240B29-F687-4f45-9708-019B960494DF}">
-                <a14:hiddenLine xmlns="" xmlns:a14="http://schemas.microsoft.com/office/drawing/2010/main" w="9525">
+                <a14:hiddenLine xmlns:a14="http://schemas.microsoft.com/office/drawing/2010/main" xmlns="" w="9525">
                   <a:solidFill>
                     <a:schemeClr val="tx1"/>
                   </a:solidFill>
@@ -7879,7 +7855,7 @@
                 </a14:hiddenLine>
               </a:ext>
               <a:ext uri="{AF507438-7753-43e0-B8FC-AC1667EBCBE1}">
-                <a14:hiddenEffects xmlns="" xmlns:a14="http://schemas.microsoft.com/office/drawing/2010/main">
+                <a14:hiddenEffects xmlns:a14="http://schemas.microsoft.com/office/drawing/2010/main" xmlns="">
                   <a:effectLst>
                     <a:outerShdw blurRad="63500" dist="38099" dir="2700000" algn="ctr" rotWithShape="0">
                       <a:schemeClr val="bg2">
@@ -7924,7 +7900,7 @@
             <a:effectLst/>
             <a:extLst>
               <a:ext uri="{91240B29-F687-4f45-9708-019B960494DF}">
-                <a14:hiddenLine xmlns="" xmlns:a14="http://schemas.microsoft.com/office/drawing/2010/main" w="9525">
+                <a14:hiddenLine xmlns:a14="http://schemas.microsoft.com/office/drawing/2010/main" xmlns="" w="9525">
                   <a:solidFill>
                     <a:schemeClr val="tx1"/>
                   </a:solidFill>
@@ -7934,7 +7910,7 @@
                 </a14:hiddenLine>
               </a:ext>
               <a:ext uri="{AF507438-7753-43e0-B8FC-AC1667EBCBE1}">
-                <a14:hiddenEffects xmlns="" xmlns:a14="http://schemas.microsoft.com/office/drawing/2010/main">
+                <a14:hiddenEffects xmlns:a14="http://schemas.microsoft.com/office/drawing/2010/main" xmlns="">
                   <a:effectLst>
                     <a:outerShdw blurRad="63500" dist="38099" dir="2700000" algn="ctr" rotWithShape="0">
                       <a:schemeClr val="bg2">
@@ -7979,7 +7955,7 @@
             <a:effectLst/>
             <a:extLst>
               <a:ext uri="{91240B29-F687-4f45-9708-019B960494DF}">
-                <a14:hiddenLine xmlns="" xmlns:a14="http://schemas.microsoft.com/office/drawing/2010/main" w="9525">
+                <a14:hiddenLine xmlns:a14="http://schemas.microsoft.com/office/drawing/2010/main" xmlns="" w="9525">
                   <a:solidFill>
                     <a:schemeClr val="tx1"/>
                   </a:solidFill>
@@ -7989,7 +7965,7 @@
                 </a14:hiddenLine>
               </a:ext>
               <a:ext uri="{AF507438-7753-43e0-B8FC-AC1667EBCBE1}">
-                <a14:hiddenEffects xmlns="" xmlns:a14="http://schemas.microsoft.com/office/drawing/2010/main">
+                <a14:hiddenEffects xmlns:a14="http://schemas.microsoft.com/office/drawing/2010/main" xmlns="">
                   <a:effectLst>
                     <a:outerShdw blurRad="63500" dist="38099" dir="2700000" algn="ctr" rotWithShape="0">
                       <a:schemeClr val="bg2">
@@ -8034,7 +8010,7 @@
             <a:effectLst/>
             <a:extLst>
               <a:ext uri="{91240B29-F687-4f45-9708-019B960494DF}">
-                <a14:hiddenLine xmlns="" xmlns:a14="http://schemas.microsoft.com/office/drawing/2010/main" w="9525">
+                <a14:hiddenLine xmlns:a14="http://schemas.microsoft.com/office/drawing/2010/main" xmlns="" w="9525">
                   <a:solidFill>
                     <a:schemeClr val="tx1"/>
                   </a:solidFill>
@@ -8044,7 +8020,7 @@
                 </a14:hiddenLine>
               </a:ext>
               <a:ext uri="{AF507438-7753-43e0-B8FC-AC1667EBCBE1}">
-                <a14:hiddenEffects xmlns="" xmlns:a14="http://schemas.microsoft.com/office/drawing/2010/main">
+                <a14:hiddenEffects xmlns:a14="http://schemas.microsoft.com/office/drawing/2010/main" xmlns="">
                   <a:effectLst>
                     <a:outerShdw blurRad="63500" dist="38099" dir="2700000" algn="ctr" rotWithShape="0">
                       <a:schemeClr val="bg2">
@@ -8089,7 +8065,7 @@
             <a:effectLst/>
             <a:extLst>
               <a:ext uri="{91240B29-F687-4f45-9708-019B960494DF}">
-                <a14:hiddenLine xmlns="" xmlns:a14="http://schemas.microsoft.com/office/drawing/2010/main" w="9525">
+                <a14:hiddenLine xmlns:a14="http://schemas.microsoft.com/office/drawing/2010/main" xmlns="" w="9525">
                   <a:solidFill>
                     <a:schemeClr val="tx1"/>
                   </a:solidFill>
@@ -8099,7 +8075,7 @@
                 </a14:hiddenLine>
               </a:ext>
               <a:ext uri="{AF507438-7753-43e0-B8FC-AC1667EBCBE1}">
-                <a14:hiddenEffects xmlns="" xmlns:a14="http://schemas.microsoft.com/office/drawing/2010/main">
+                <a14:hiddenEffects xmlns:a14="http://schemas.microsoft.com/office/drawing/2010/main" xmlns="">
                   <a:effectLst>
                     <a:outerShdw blurRad="63500" dist="38099" dir="2700000" algn="ctr" rotWithShape="0">
                       <a:schemeClr val="bg2">
@@ -8144,7 +8120,7 @@
             <a:effectLst/>
             <a:extLst>
               <a:ext uri="{91240B29-F687-4f45-9708-019B960494DF}">
-                <a14:hiddenLine xmlns="" xmlns:a14="http://schemas.microsoft.com/office/drawing/2010/main" w="9525">
+                <a14:hiddenLine xmlns:a14="http://schemas.microsoft.com/office/drawing/2010/main" xmlns="" w="9525">
                   <a:solidFill>
                     <a:schemeClr val="tx1"/>
                   </a:solidFill>
@@ -8154,7 +8130,7 @@
                 </a14:hiddenLine>
               </a:ext>
               <a:ext uri="{AF507438-7753-43e0-B8FC-AC1667EBCBE1}">
-                <a14:hiddenEffects xmlns="" xmlns:a14="http://schemas.microsoft.com/office/drawing/2010/main">
+                <a14:hiddenEffects xmlns:a14="http://schemas.microsoft.com/office/drawing/2010/main" xmlns="">
                   <a:effectLst>
                     <a:outerShdw blurRad="63500" dist="38099" dir="2700000" algn="ctr" rotWithShape="0">
                       <a:schemeClr val="bg2">
@@ -8199,7 +8175,7 @@
             <a:effectLst/>
             <a:extLst>
               <a:ext uri="{91240B29-F687-4f45-9708-019B960494DF}">
-                <a14:hiddenLine xmlns="" xmlns:a14="http://schemas.microsoft.com/office/drawing/2010/main" w="9525">
+                <a14:hiddenLine xmlns:a14="http://schemas.microsoft.com/office/drawing/2010/main" xmlns="" w="9525">
                   <a:solidFill>
                     <a:schemeClr val="tx1"/>
                   </a:solidFill>
@@ -8209,7 +8185,7 @@
                 </a14:hiddenLine>
               </a:ext>
               <a:ext uri="{AF507438-7753-43e0-B8FC-AC1667EBCBE1}">
-                <a14:hiddenEffects xmlns="" xmlns:a14="http://schemas.microsoft.com/office/drawing/2010/main">
+                <a14:hiddenEffects xmlns:a14="http://schemas.microsoft.com/office/drawing/2010/main" xmlns="">
                   <a:effectLst>
                     <a:outerShdw blurRad="63500" dist="38099" dir="2700000" algn="ctr" rotWithShape="0">
                       <a:schemeClr val="bg2">
@@ -8254,7 +8230,7 @@
             <a:effectLst/>
             <a:extLst>
               <a:ext uri="{91240B29-F687-4f45-9708-019B960494DF}">
-                <a14:hiddenLine xmlns="" xmlns:a14="http://schemas.microsoft.com/office/drawing/2010/main" w="9525">
+                <a14:hiddenLine xmlns:a14="http://schemas.microsoft.com/office/drawing/2010/main" xmlns="" w="9525">
                   <a:solidFill>
                     <a:schemeClr val="tx1"/>
                   </a:solidFill>
@@ -8264,7 +8240,7 @@
                 </a14:hiddenLine>
               </a:ext>
               <a:ext uri="{AF507438-7753-43e0-B8FC-AC1667EBCBE1}">
-                <a14:hiddenEffects xmlns="" xmlns:a14="http://schemas.microsoft.com/office/drawing/2010/main">
+                <a14:hiddenEffects xmlns:a14="http://schemas.microsoft.com/office/drawing/2010/main" xmlns="">
                   <a:effectLst>
                     <a:outerShdw blurRad="63500" dist="38099" dir="2700000" algn="ctr" rotWithShape="0">
                       <a:schemeClr val="bg2">
@@ -8309,7 +8285,7 @@
             <a:effectLst/>
             <a:extLst>
               <a:ext uri="{91240B29-F687-4f45-9708-019B960494DF}">
-                <a14:hiddenLine xmlns="" xmlns:a14="http://schemas.microsoft.com/office/drawing/2010/main" w="9525">
+                <a14:hiddenLine xmlns:a14="http://schemas.microsoft.com/office/drawing/2010/main" xmlns="" w="9525">
                   <a:solidFill>
                     <a:schemeClr val="tx1"/>
                   </a:solidFill>
@@ -8319,7 +8295,7 @@
                 </a14:hiddenLine>
               </a:ext>
               <a:ext uri="{AF507438-7753-43e0-B8FC-AC1667EBCBE1}">
-                <a14:hiddenEffects xmlns="" xmlns:a14="http://schemas.microsoft.com/office/drawing/2010/main">
+                <a14:hiddenEffects xmlns:a14="http://schemas.microsoft.com/office/drawing/2010/main" xmlns="">
                   <a:effectLst>
                     <a:outerShdw blurRad="63500" dist="38099" dir="2700000" algn="ctr" rotWithShape="0">
                       <a:schemeClr val="bg2">
@@ -8364,7 +8340,7 @@
             <a:effectLst/>
             <a:extLst>
               <a:ext uri="{91240B29-F687-4f45-9708-019B960494DF}">
-                <a14:hiddenLine xmlns="" xmlns:a14="http://schemas.microsoft.com/office/drawing/2010/main" w="9525">
+                <a14:hiddenLine xmlns:a14="http://schemas.microsoft.com/office/drawing/2010/main" xmlns="" w="9525">
                   <a:solidFill>
                     <a:schemeClr val="tx1"/>
                   </a:solidFill>
@@ -8374,7 +8350,7 @@
                 </a14:hiddenLine>
               </a:ext>
               <a:ext uri="{AF507438-7753-43e0-B8FC-AC1667EBCBE1}">
-                <a14:hiddenEffects xmlns="" xmlns:a14="http://schemas.microsoft.com/office/drawing/2010/main">
+                <a14:hiddenEffects xmlns:a14="http://schemas.microsoft.com/office/drawing/2010/main" xmlns="">
                   <a:effectLst>
                     <a:outerShdw blurRad="63500" dist="38099" dir="2700000" algn="ctr" rotWithShape="0">
                       <a:schemeClr val="bg2">
@@ -8419,7 +8395,7 @@
             <a:effectLst/>
             <a:extLst>
               <a:ext uri="{91240B29-F687-4f45-9708-019B960494DF}">
-                <a14:hiddenLine xmlns="" xmlns:a14="http://schemas.microsoft.com/office/drawing/2010/main" w="9525">
+                <a14:hiddenLine xmlns:a14="http://schemas.microsoft.com/office/drawing/2010/main" xmlns="" w="9525">
                   <a:solidFill>
                     <a:schemeClr val="tx1"/>
                   </a:solidFill>
@@ -8429,7 +8405,7 @@
                 </a14:hiddenLine>
               </a:ext>
               <a:ext uri="{AF507438-7753-43e0-B8FC-AC1667EBCBE1}">
-                <a14:hiddenEffects xmlns="" xmlns:a14="http://schemas.microsoft.com/office/drawing/2010/main">
+                <a14:hiddenEffects xmlns:a14="http://schemas.microsoft.com/office/drawing/2010/main" xmlns="">
                   <a:effectLst>
                     <a:outerShdw blurRad="63500" dist="38099" dir="2700000" algn="ctr" rotWithShape="0">
                       <a:schemeClr val="bg2">
@@ -8474,7 +8450,7 @@
             <a:effectLst/>
             <a:extLst>
               <a:ext uri="{91240B29-F687-4f45-9708-019B960494DF}">
-                <a14:hiddenLine xmlns="" xmlns:a14="http://schemas.microsoft.com/office/drawing/2010/main" w="9525">
+                <a14:hiddenLine xmlns:a14="http://schemas.microsoft.com/office/drawing/2010/main" xmlns="" w="9525">
                   <a:solidFill>
                     <a:schemeClr val="tx1"/>
                   </a:solidFill>
@@ -8484,7 +8460,7 @@
                 </a14:hiddenLine>
               </a:ext>
               <a:ext uri="{AF507438-7753-43e0-B8FC-AC1667EBCBE1}">
-                <a14:hiddenEffects xmlns="" xmlns:a14="http://schemas.microsoft.com/office/drawing/2010/main">
+                <a14:hiddenEffects xmlns:a14="http://schemas.microsoft.com/office/drawing/2010/main" xmlns="">
                   <a:effectLst>
                     <a:outerShdw blurRad="63500" dist="38099" dir="2700000" algn="ctr" rotWithShape="0">
                       <a:schemeClr val="bg2">
@@ -8521,13 +8497,6 @@
     <p:sldLayoutId id="2147483659" r:id="rId10"/>
     <p:sldLayoutId id="2147483660" r:id="rId11"/>
   </p:sldLayoutIdLst>
-  <p:timing>
-    <p:tnLst>
-      <p:par>
-        <p:cTn id="1" dur="indefinite" restart="never" nodeType="tmRoot"/>
-      </p:par>
-    </p:tnLst>
-  </p:timing>
   <p:txStyles>
     <p:titleStyle>
       <a:lvl1pPr algn="l" rtl="0" fontAlgn="base">
@@ -9117,11 +9086,7 @@
             </a:pPr>
             <a:r>
               <a:rPr lang="en-US" sz="2600" dirty="0"/>
-              <a:t>With scope we need a notion of variable declaration which allows us to assert in which scope the variable is visible or accessible</a:t>
-            </a:r>
-            <a:r>
-              <a:rPr lang="en-US" sz="2600" dirty="0" smtClean="0"/>
-              <a:t>.</a:t>
+              <a:t>With scope we need a notion of variable declaration which allows us to assert in which scope the variable is visible or accessible.</a:t>
             </a:r>
           </a:p>
           <a:p>
@@ -9139,13 +9104,6 @@
   <p:clrMapOvr>
     <a:masterClrMapping/>
   </p:clrMapOvr>
-  <p:timing>
-    <p:tnLst>
-      <p:par>
-        <p:cTn id="1" dur="indefinite" restart="never" nodeType="tmRoot"/>
-      </p:par>
-    </p:tnLst>
-  </p:timing>
 </p:sld>
 </file>
 
@@ -9182,10 +9140,9 @@
           <a:lstStyle/>
           <a:p>
             <a:r>
-              <a:rPr lang="en-US" dirty="0" smtClean="0"/>
+              <a:rPr lang="en-US" dirty="0"/>
               <a:t>Symbol Tables</a:t>
             </a:r>
-            <a:endParaRPr lang="en-US" dirty="0"/>
           </a:p>
         </p:txBody>
       </p:sp>
@@ -9205,18 +9162,18 @@
           <a:lstStyle/>
           <a:p>
             <a:r>
-              <a:rPr lang="en-US" dirty="0" smtClean="0"/>
+              <a:rPr lang="en-US" dirty="0"/>
               <a:t>Design:</a:t>
             </a:r>
           </a:p>
           <a:p>
             <a:pPr lvl="1"/>
             <a:r>
-              <a:rPr lang="en-US" dirty="0" smtClean="0"/>
+              <a:rPr lang="en-US" dirty="0"/>
               <a:t>we have a class </a:t>
             </a:r>
             <a:r>
-              <a:rPr lang="en-US" dirty="0" err="1" smtClean="0">
+              <a:rPr lang="en-US" dirty="0" err="1">
                 <a:solidFill>
                   <a:srgbClr val="FF0000"/>
                 </a:solidFill>
@@ -9224,7 +9181,7 @@
               <a:t>SymTab</a:t>
             </a:r>
             <a:r>
-              <a:rPr lang="en-US" dirty="0" smtClean="0">
+              <a:rPr lang="en-US" dirty="0">
                 <a:solidFill>
                   <a:srgbClr val="FF0000"/>
                 </a:solidFill>
@@ -9232,7 +9189,7 @@
               <a:t> </a:t>
             </a:r>
             <a:r>
-              <a:rPr lang="en-US" dirty="0" smtClean="0"/>
+              <a:rPr lang="en-US" dirty="0"/>
               <a:t>that:</a:t>
             </a:r>
           </a:p>
@@ -9240,76 +9197,72 @@
             <a:pPr lvl="2"/>
             <a:r>
               <a:rPr lang="en-US" dirty="0"/>
-              <a:t>H</a:t>
-            </a:r>
-            <a:r>
-              <a:rPr lang="en-US" dirty="0" smtClean="0"/>
-              <a:t>olds a stack of scopes </a:t>
+              <a:t>Holds a stack of scopes </a:t>
             </a:r>
           </a:p>
           <a:p>
             <a:pPr lvl="3"/>
             <a:r>
-              <a:rPr lang="en-US" dirty="0" err="1" smtClean="0"/>
+              <a:rPr lang="en-US" dirty="0" err="1"/>
               <a:t>scoped_symtab</a:t>
             </a:r>
-            <a:endParaRPr lang="en-US" dirty="0" smtClean="0"/>
+            <a:endParaRPr lang="en-US" dirty="0"/>
           </a:p>
           <a:p>
             <a:pPr lvl="2"/>
             <a:r>
-              <a:rPr lang="en-US" dirty="0" smtClean="0"/>
+              <a:rPr lang="en-US" dirty="0"/>
               <a:t>Defines the interface to the symbol table</a:t>
             </a:r>
           </a:p>
           <a:p>
             <a:pPr lvl="3"/>
             <a:r>
-              <a:rPr lang="en-US" dirty="0" err="1" smtClean="0"/>
+              <a:rPr lang="en-US" dirty="0" err="1"/>
               <a:t>push_scope</a:t>
             </a:r>
             <a:r>
-              <a:rPr lang="en-US" dirty="0" smtClean="0"/>
+              <a:rPr lang="en-US" dirty="0"/>
               <a:t>, </a:t>
             </a:r>
             <a:r>
-              <a:rPr lang="en-US" dirty="0" err="1" smtClean="0"/>
+              <a:rPr lang="en-US" dirty="0" err="1"/>
               <a:t>pop_scope</a:t>
             </a:r>
             <a:r>
-              <a:rPr lang="en-US" dirty="0" smtClean="0"/>
+              <a:rPr lang="en-US" dirty="0"/>
               <a:t>, </a:t>
             </a:r>
             <a:r>
-              <a:rPr lang="en-US" dirty="0" err="1" smtClean="0"/>
+              <a:rPr lang="en-US" dirty="0" err="1"/>
               <a:t>declare_sym</a:t>
             </a:r>
             <a:r>
-              <a:rPr lang="en-US" dirty="0" smtClean="0"/>
+              <a:rPr lang="en-US" dirty="0"/>
               <a:t>, </a:t>
             </a:r>
             <a:r>
-              <a:rPr lang="en-US" i="1" dirty="0" err="1" smtClean="0"/>
+              <a:rPr lang="en-US" i="1" dirty="0" err="1"/>
               <a:t>etc</a:t>
             </a:r>
-            <a:endParaRPr lang="en-US" dirty="0" smtClean="0"/>
+            <a:endParaRPr lang="en-US" dirty="0"/>
           </a:p>
           <a:p>
             <a:pPr lvl="1"/>
             <a:r>
-              <a:rPr lang="en-US" dirty="0" smtClean="0"/>
+              <a:rPr lang="en-US" dirty="0"/>
               <a:t>By default, </a:t>
             </a:r>
             <a:r>
-              <a:rPr lang="en-US" dirty="0" err="1" smtClean="0"/>
+              <a:rPr lang="en-US" dirty="0" err="1"/>
               <a:t>SymTab</a:t>
             </a:r>
             <a:r>
-              <a:rPr lang="en-US" dirty="0" smtClean="0"/>
+              <a:rPr lang="en-US" dirty="0"/>
               <a:t> is initialized with a single scope on the stack – </a:t>
             </a:r>
             <a:r>
-              <a:rPr lang="en-US" i="1" dirty="0" smtClean="0"/>
+              <a:rPr lang="en-US" i="1" dirty="0"/>
               <a:t>the global scope.</a:t>
             </a:r>
             <a:endParaRPr lang="en-US" dirty="0"/>
@@ -9326,13 +9279,6 @@
   <p:clrMapOvr>
     <a:masterClrMapping/>
   </p:clrMapOvr>
-  <p:timing>
-    <p:tnLst>
-      <p:par>
-        <p:cTn id="1" dur="indefinite" restart="never" nodeType="tmRoot"/>
-      </p:par>
-    </p:tnLst>
-  </p:timing>
 </p:sld>
 </file>
 
@@ -9402,7 +9348,7 @@
           </a:ln>
           <a:extLst>
             <a:ext uri="{909E8E84-426E-40dd-AFC4-6F175D3DCCD1}">
-              <a14:hiddenFill xmlns="" xmlns:a14="http://schemas.microsoft.com/office/drawing/2010/main">
+              <a14:hiddenFill xmlns:a14="http://schemas.microsoft.com/office/drawing/2010/main" xmlns="">
                 <a:solidFill>
                   <a:schemeClr val="accent1"/>
                 </a:solidFill>
@@ -9502,7 +9448,7 @@
             </a:ln>
             <a:extLst>
               <a:ext uri="{909E8E84-426E-40dd-AFC4-6F175D3DCCD1}">
-                <a14:hiddenFill xmlns="" xmlns:a14="http://schemas.microsoft.com/office/drawing/2010/main">
+                <a14:hiddenFill xmlns:a14="http://schemas.microsoft.com/office/drawing/2010/main" xmlns="">
                   <a:solidFill>
                     <a:schemeClr val="accent1"/>
                   </a:solidFill>
@@ -9545,7 +9491,7 @@
             </a:ln>
             <a:extLst>
               <a:ext uri="{909E8E84-426E-40dd-AFC4-6F175D3DCCD1}">
-                <a14:hiddenFill xmlns="" xmlns:a14="http://schemas.microsoft.com/office/drawing/2010/main">
+                <a14:hiddenFill xmlns:a14="http://schemas.microsoft.com/office/drawing/2010/main" xmlns="">
                   <a:solidFill>
                     <a:schemeClr val="accent1"/>
                   </a:solidFill>
@@ -9590,7 +9536,7 @@
             </a:ln>
             <a:extLst>
               <a:ext uri="{909E8E84-426E-40dd-AFC4-6F175D3DCCD1}">
-                <a14:hiddenFill xmlns="" xmlns:a14="http://schemas.microsoft.com/office/drawing/2010/main">
+                <a14:hiddenFill xmlns:a14="http://schemas.microsoft.com/office/drawing/2010/main" xmlns="">
                   <a:noFill/>
                 </a14:hiddenFill>
               </a:ext>
@@ -9619,14 +9565,14 @@
             </a:ln>
             <a:extLst>
               <a:ext uri="{909E8E84-426E-40dd-AFC4-6F175D3DCCD1}">
-                <a14:hiddenFill xmlns="" xmlns:a14="http://schemas.microsoft.com/office/drawing/2010/main">
+                <a14:hiddenFill xmlns:a14="http://schemas.microsoft.com/office/drawing/2010/main" xmlns="">
                   <a:solidFill>
                     <a:schemeClr val="accent1"/>
                   </a:solidFill>
                 </a14:hiddenFill>
               </a:ext>
               <a:ext uri="{91240B29-F687-4f45-9708-019B960494DF}">
-                <a14:hiddenLine xmlns="" xmlns:a14="http://schemas.microsoft.com/office/drawing/2010/main" w="9525">
+                <a14:hiddenLine xmlns:a14="http://schemas.microsoft.com/office/drawing/2010/main" xmlns="" w="9525">
                   <a:solidFill>
                     <a:schemeClr val="tx1"/>
                   </a:solidFill>
@@ -9672,14 +9618,14 @@
             </a:ln>
             <a:extLst>
               <a:ext uri="{909E8E84-426E-40dd-AFC4-6F175D3DCCD1}">
-                <a14:hiddenFill xmlns="" xmlns:a14="http://schemas.microsoft.com/office/drawing/2010/main">
+                <a14:hiddenFill xmlns:a14="http://schemas.microsoft.com/office/drawing/2010/main" xmlns="">
                   <a:solidFill>
                     <a:schemeClr val="accent1"/>
                   </a:solidFill>
                 </a14:hiddenFill>
               </a:ext>
               <a:ext uri="{91240B29-F687-4f45-9708-019B960494DF}">
-                <a14:hiddenLine xmlns="" xmlns:a14="http://schemas.microsoft.com/office/drawing/2010/main" w="9525">
+                <a14:hiddenLine xmlns:a14="http://schemas.microsoft.com/office/drawing/2010/main" xmlns="" w="9525">
                   <a:solidFill>
                     <a:schemeClr val="tx1"/>
                   </a:solidFill>
@@ -9730,7 +9676,7 @@
             </a:ln>
             <a:extLst>
               <a:ext uri="{909E8E84-426E-40dd-AFC4-6F175D3DCCD1}">
-                <a14:hiddenFill xmlns="" xmlns:a14="http://schemas.microsoft.com/office/drawing/2010/main">
+                <a14:hiddenFill xmlns:a14="http://schemas.microsoft.com/office/drawing/2010/main" xmlns="">
                   <a:solidFill>
                     <a:schemeClr val="accent1"/>
                   </a:solidFill>
@@ -9778,7 +9724,7 @@
             </a:ln>
             <a:extLst>
               <a:ext uri="{909E8E84-426E-40dd-AFC4-6F175D3DCCD1}">
-                <a14:hiddenFill xmlns="" xmlns:a14="http://schemas.microsoft.com/office/drawing/2010/main">
+                <a14:hiddenFill xmlns:a14="http://schemas.microsoft.com/office/drawing/2010/main" xmlns="">
                   <a:solidFill>
                     <a:schemeClr val="accent1"/>
                   </a:solidFill>
@@ -9816,14 +9762,14 @@
             </a:ln>
             <a:extLst>
               <a:ext uri="{909E8E84-426E-40dd-AFC4-6F175D3DCCD1}">
-                <a14:hiddenFill xmlns="" xmlns:a14="http://schemas.microsoft.com/office/drawing/2010/main">
+                <a14:hiddenFill xmlns:a14="http://schemas.microsoft.com/office/drawing/2010/main" xmlns="">
                   <a:solidFill>
                     <a:schemeClr val="accent1"/>
                   </a:solidFill>
                 </a14:hiddenFill>
               </a:ext>
               <a:ext uri="{91240B29-F687-4f45-9708-019B960494DF}">
-                <a14:hiddenLine xmlns="" xmlns:a14="http://schemas.microsoft.com/office/drawing/2010/main" w="9525">
+                <a14:hiddenLine xmlns:a14="http://schemas.microsoft.com/office/drawing/2010/main" xmlns="" w="9525">
                   <a:solidFill>
                     <a:schemeClr val="tx1"/>
                   </a:solidFill>
@@ -9853,13 +9799,6 @@
   <p:clrMapOvr>
     <a:masterClrMapping/>
   </p:clrMapOvr>
-  <p:timing>
-    <p:tnLst>
-      <p:par>
-        <p:cTn id="1" dur="indefinite" restart="never" nodeType="tmRoot"/>
-      </p:par>
-    </p:tnLst>
-  </p:timing>
 </p:sld>
 </file>
 
@@ -9929,7 +9868,7 @@
           </a:ln>
           <a:extLst>
             <a:ext uri="{909E8E84-426E-40dd-AFC4-6F175D3DCCD1}">
-              <a14:hiddenFill xmlns="" xmlns:a14="http://schemas.microsoft.com/office/drawing/2010/main">
+              <a14:hiddenFill xmlns:a14="http://schemas.microsoft.com/office/drawing/2010/main" xmlns="">
                 <a:solidFill>
                   <a:schemeClr val="accent1"/>
                 </a:solidFill>
@@ -10065,7 +10004,7 @@
             </a:ln>
             <a:extLst>
               <a:ext uri="{909E8E84-426E-40dd-AFC4-6F175D3DCCD1}">
-                <a14:hiddenFill xmlns="" xmlns:a14="http://schemas.microsoft.com/office/drawing/2010/main">
+                <a14:hiddenFill xmlns:a14="http://schemas.microsoft.com/office/drawing/2010/main" xmlns="">
                   <a:solidFill>
                     <a:schemeClr val="accent1"/>
                   </a:solidFill>
@@ -10108,7 +10047,7 @@
             </a:ln>
             <a:extLst>
               <a:ext uri="{909E8E84-426E-40dd-AFC4-6F175D3DCCD1}">
-                <a14:hiddenFill xmlns="" xmlns:a14="http://schemas.microsoft.com/office/drawing/2010/main">
+                <a14:hiddenFill xmlns:a14="http://schemas.microsoft.com/office/drawing/2010/main" xmlns="">
                   <a:solidFill>
                     <a:schemeClr val="accent1"/>
                   </a:solidFill>
@@ -10153,7 +10092,7 @@
             </a:ln>
             <a:extLst>
               <a:ext uri="{909E8E84-426E-40dd-AFC4-6F175D3DCCD1}">
-                <a14:hiddenFill xmlns="" xmlns:a14="http://schemas.microsoft.com/office/drawing/2010/main">
+                <a14:hiddenFill xmlns:a14="http://schemas.microsoft.com/office/drawing/2010/main" xmlns="">
                   <a:noFill/>
                 </a14:hiddenFill>
               </a:ext>
@@ -10182,14 +10121,14 @@
             </a:ln>
             <a:extLst>
               <a:ext uri="{909E8E84-426E-40dd-AFC4-6F175D3DCCD1}">
-                <a14:hiddenFill xmlns="" xmlns:a14="http://schemas.microsoft.com/office/drawing/2010/main">
+                <a14:hiddenFill xmlns:a14="http://schemas.microsoft.com/office/drawing/2010/main" xmlns="">
                   <a:solidFill>
                     <a:schemeClr val="accent1"/>
                   </a:solidFill>
                 </a14:hiddenFill>
               </a:ext>
               <a:ext uri="{91240B29-F687-4f45-9708-019B960494DF}">
-                <a14:hiddenLine xmlns="" xmlns:a14="http://schemas.microsoft.com/office/drawing/2010/main" w="9525">
+                <a14:hiddenLine xmlns:a14="http://schemas.microsoft.com/office/drawing/2010/main" xmlns="" w="9525">
                   <a:solidFill>
                     <a:schemeClr val="tx1"/>
                   </a:solidFill>
@@ -10235,14 +10174,14 @@
             </a:ln>
             <a:extLst>
               <a:ext uri="{909E8E84-426E-40dd-AFC4-6F175D3DCCD1}">
-                <a14:hiddenFill xmlns="" xmlns:a14="http://schemas.microsoft.com/office/drawing/2010/main">
+                <a14:hiddenFill xmlns:a14="http://schemas.microsoft.com/office/drawing/2010/main" xmlns="">
                   <a:solidFill>
                     <a:schemeClr val="accent1"/>
                   </a:solidFill>
                 </a14:hiddenFill>
               </a:ext>
               <a:ext uri="{91240B29-F687-4f45-9708-019B960494DF}">
-                <a14:hiddenLine xmlns="" xmlns:a14="http://schemas.microsoft.com/office/drawing/2010/main" w="9525">
+                <a14:hiddenLine xmlns:a14="http://schemas.microsoft.com/office/drawing/2010/main" xmlns="" w="9525">
                   <a:solidFill>
                     <a:schemeClr val="tx1"/>
                   </a:solidFill>
@@ -10293,7 +10232,7 @@
             </a:ln>
             <a:extLst>
               <a:ext uri="{909E8E84-426E-40dd-AFC4-6F175D3DCCD1}">
-                <a14:hiddenFill xmlns="" xmlns:a14="http://schemas.microsoft.com/office/drawing/2010/main">
+                <a14:hiddenFill xmlns:a14="http://schemas.microsoft.com/office/drawing/2010/main" xmlns="">
                   <a:solidFill>
                     <a:schemeClr val="accent1"/>
                   </a:solidFill>
@@ -10341,7 +10280,7 @@
             </a:ln>
             <a:extLst>
               <a:ext uri="{909E8E84-426E-40dd-AFC4-6F175D3DCCD1}">
-                <a14:hiddenFill xmlns="" xmlns:a14="http://schemas.microsoft.com/office/drawing/2010/main">
+                <a14:hiddenFill xmlns:a14="http://schemas.microsoft.com/office/drawing/2010/main" xmlns="">
                   <a:solidFill>
                     <a:schemeClr val="accent1"/>
                   </a:solidFill>
@@ -10379,14 +10318,14 @@
             </a:ln>
             <a:extLst>
               <a:ext uri="{909E8E84-426E-40dd-AFC4-6F175D3DCCD1}">
-                <a14:hiddenFill xmlns="" xmlns:a14="http://schemas.microsoft.com/office/drawing/2010/main">
+                <a14:hiddenFill xmlns:a14="http://schemas.microsoft.com/office/drawing/2010/main" xmlns="">
                   <a:solidFill>
                     <a:schemeClr val="accent1"/>
                   </a:solidFill>
                 </a14:hiddenFill>
               </a:ext>
               <a:ext uri="{91240B29-F687-4f45-9708-019B960494DF}">
-                <a14:hiddenLine xmlns="" xmlns:a14="http://schemas.microsoft.com/office/drawing/2010/main" w="9525">
+                <a14:hiddenLine xmlns:a14="http://schemas.microsoft.com/office/drawing/2010/main" xmlns="" w="9525">
                   <a:solidFill>
                     <a:schemeClr val="tx1"/>
                   </a:solidFill>
@@ -10416,13 +10355,6 @@
   <p:clrMapOvr>
     <a:masterClrMapping/>
   </p:clrMapOvr>
-  <p:timing>
-    <p:tnLst>
-      <p:par>
-        <p:cTn id="1" dur="indefinite" restart="never" nodeType="tmRoot"/>
-      </p:par>
-    </p:tnLst>
-  </p:timing>
 </p:sld>
 </file>
 
@@ -10470,7 +10402,7 @@
           </a:ln>
           <a:extLst>
             <a:ext uri="{909E8E84-426E-40dd-AFC4-6F175D3DCCD1}">
-              <a14:hiddenFill xmlns="" xmlns:a14="http://schemas.microsoft.com/office/drawing/2010/main">
+              <a14:hiddenFill xmlns:a14="http://schemas.microsoft.com/office/drawing/2010/main" xmlns="">
                 <a:solidFill>
                   <a:schemeClr val="accent1"/>
                 </a:solidFill>
@@ -10535,7 +10467,7 @@
           </a:ln>
           <a:extLst>
             <a:ext uri="{909E8E84-426E-40dd-AFC4-6F175D3DCCD1}">
-              <a14:hiddenFill xmlns="" xmlns:a14="http://schemas.microsoft.com/office/drawing/2010/main">
+              <a14:hiddenFill xmlns:a14="http://schemas.microsoft.com/office/drawing/2010/main" xmlns="">
                 <a:solidFill>
                   <a:schemeClr val="accent1"/>
                 </a:solidFill>
@@ -10578,7 +10510,7 @@
           </a:ln>
           <a:extLst>
             <a:ext uri="{909E8E84-426E-40dd-AFC4-6F175D3DCCD1}">
-              <a14:hiddenFill xmlns="" xmlns:a14="http://schemas.microsoft.com/office/drawing/2010/main">
+              <a14:hiddenFill xmlns:a14="http://schemas.microsoft.com/office/drawing/2010/main" xmlns="">
                 <a:solidFill>
                   <a:schemeClr val="accent1"/>
                 </a:solidFill>
@@ -10623,7 +10555,7 @@
           </a:ln>
           <a:extLst>
             <a:ext uri="{909E8E84-426E-40dd-AFC4-6F175D3DCCD1}">
-              <a14:hiddenFill xmlns="" xmlns:a14="http://schemas.microsoft.com/office/drawing/2010/main">
+              <a14:hiddenFill xmlns:a14="http://schemas.microsoft.com/office/drawing/2010/main" xmlns="">
                 <a:noFill/>
               </a14:hiddenFill>
             </a:ext>
@@ -10652,14 +10584,14 @@
           </a:ln>
           <a:extLst>
             <a:ext uri="{909E8E84-426E-40dd-AFC4-6F175D3DCCD1}">
-              <a14:hiddenFill xmlns="" xmlns:a14="http://schemas.microsoft.com/office/drawing/2010/main">
+              <a14:hiddenFill xmlns:a14="http://schemas.microsoft.com/office/drawing/2010/main" xmlns="">
                 <a:solidFill>
                   <a:schemeClr val="accent1"/>
                 </a:solidFill>
               </a14:hiddenFill>
             </a:ext>
             <a:ext uri="{91240B29-F687-4f45-9708-019B960494DF}">
-              <a14:hiddenLine xmlns="" xmlns:a14="http://schemas.microsoft.com/office/drawing/2010/main" w="9525">
+              <a14:hiddenLine xmlns:a14="http://schemas.microsoft.com/office/drawing/2010/main" xmlns="" w="9525">
                 <a:solidFill>
                   <a:schemeClr val="tx1"/>
                 </a:solidFill>
@@ -10705,14 +10637,14 @@
           </a:ln>
           <a:extLst>
             <a:ext uri="{909E8E84-426E-40dd-AFC4-6F175D3DCCD1}">
-              <a14:hiddenFill xmlns="" xmlns:a14="http://schemas.microsoft.com/office/drawing/2010/main">
+              <a14:hiddenFill xmlns:a14="http://schemas.microsoft.com/office/drawing/2010/main" xmlns="">
                 <a:solidFill>
                   <a:schemeClr val="accent1"/>
                 </a:solidFill>
               </a14:hiddenFill>
             </a:ext>
             <a:ext uri="{91240B29-F687-4f45-9708-019B960494DF}">
-              <a14:hiddenLine xmlns="" xmlns:a14="http://schemas.microsoft.com/office/drawing/2010/main" w="9525">
+              <a14:hiddenLine xmlns:a14="http://schemas.microsoft.com/office/drawing/2010/main" xmlns="" w="9525">
                 <a:solidFill>
                   <a:schemeClr val="tx1"/>
                 </a:solidFill>
@@ -10763,7 +10695,7 @@
           </a:ln>
           <a:extLst>
             <a:ext uri="{909E8E84-426E-40dd-AFC4-6F175D3DCCD1}">
-              <a14:hiddenFill xmlns="" xmlns:a14="http://schemas.microsoft.com/office/drawing/2010/main">
+              <a14:hiddenFill xmlns:a14="http://schemas.microsoft.com/office/drawing/2010/main" xmlns="">
                 <a:solidFill>
                   <a:schemeClr val="accent1"/>
                 </a:solidFill>
@@ -10806,14 +10738,14 @@
           </a:ln>
           <a:extLst>
             <a:ext uri="{909E8E84-426E-40dd-AFC4-6F175D3DCCD1}">
-              <a14:hiddenFill xmlns="" xmlns:a14="http://schemas.microsoft.com/office/drawing/2010/main">
+              <a14:hiddenFill xmlns:a14="http://schemas.microsoft.com/office/drawing/2010/main" xmlns="">
                 <a:solidFill>
                   <a:schemeClr val="accent1"/>
                 </a:solidFill>
               </a14:hiddenFill>
             </a:ext>
             <a:ext uri="{91240B29-F687-4f45-9708-019B960494DF}">
-              <a14:hiddenLine xmlns="" xmlns:a14="http://schemas.microsoft.com/office/drawing/2010/main" w="9525">
+              <a14:hiddenLine xmlns:a14="http://schemas.microsoft.com/office/drawing/2010/main" xmlns="" w="9525">
                 <a:solidFill>
                   <a:schemeClr val="tx1"/>
                 </a:solidFill>
@@ -10864,7 +10796,7 @@
           </a:ln>
           <a:extLst>
             <a:ext uri="{909E8E84-426E-40dd-AFC4-6F175D3DCCD1}">
-              <a14:hiddenFill xmlns="" xmlns:a14="http://schemas.microsoft.com/office/drawing/2010/main">
+              <a14:hiddenFill xmlns:a14="http://schemas.microsoft.com/office/drawing/2010/main" xmlns="">
                 <a:solidFill>
                   <a:schemeClr val="accent1"/>
                 </a:solidFill>
@@ -10954,7 +10886,7 @@
           </a:ln>
           <a:extLst>
             <a:ext uri="{909E8E84-426E-40dd-AFC4-6F175D3DCCD1}">
-              <a14:hiddenFill xmlns="" xmlns:a14="http://schemas.microsoft.com/office/drawing/2010/main">
+              <a14:hiddenFill xmlns:a14="http://schemas.microsoft.com/office/drawing/2010/main" xmlns="">
                 <a:solidFill>
                   <a:schemeClr val="accent1"/>
                 </a:solidFill>
@@ -10992,14 +10924,14 @@
           </a:ln>
           <a:extLst>
             <a:ext uri="{909E8E84-426E-40dd-AFC4-6F175D3DCCD1}">
-              <a14:hiddenFill xmlns="" xmlns:a14="http://schemas.microsoft.com/office/drawing/2010/main">
+              <a14:hiddenFill xmlns:a14="http://schemas.microsoft.com/office/drawing/2010/main" xmlns="">
                 <a:solidFill>
                   <a:schemeClr val="accent1"/>
                 </a:solidFill>
               </a14:hiddenFill>
             </a:ext>
             <a:ext uri="{91240B29-F687-4f45-9708-019B960494DF}">
-              <a14:hiddenLine xmlns="" xmlns:a14="http://schemas.microsoft.com/office/drawing/2010/main" w="9525">
+              <a14:hiddenLine xmlns:a14="http://schemas.microsoft.com/office/drawing/2010/main" xmlns="" w="9525">
                 <a:solidFill>
                   <a:schemeClr val="tx1"/>
                 </a:solidFill>
@@ -11052,7 +10984,7 @@
           </a:ln>
           <a:extLst>
             <a:ext uri="{909E8E84-426E-40dd-AFC4-6F175D3DCCD1}">
-              <a14:hiddenFill xmlns="" xmlns:a14="http://schemas.microsoft.com/office/drawing/2010/main">
+              <a14:hiddenFill xmlns:a14="http://schemas.microsoft.com/office/drawing/2010/main" xmlns="">
                 <a:noFill/>
               </a14:hiddenFill>
             </a:ext>
@@ -11064,13 +10996,6 @@
   <p:clrMapOvr>
     <a:masterClrMapping/>
   </p:clrMapOvr>
-  <p:timing>
-    <p:tnLst>
-      <p:par>
-        <p:cTn id="1" dur="indefinite" restart="never" nodeType="tmRoot"/>
-      </p:par>
-    </p:tnLst>
-  </p:timing>
 </p:sld>
 </file>
 
@@ -11142,7 +11067,7 @@
           </a:ln>
           <a:extLst>
             <a:ext uri="{909E8E84-426E-40dd-AFC4-6F175D3DCCD1}">
-              <a14:hiddenFill xmlns="" xmlns:a14="http://schemas.microsoft.com/office/drawing/2010/main">
+              <a14:hiddenFill xmlns:a14="http://schemas.microsoft.com/office/drawing/2010/main" xmlns="">
                 <a:solidFill>
                   <a:schemeClr val="accent1"/>
                 </a:solidFill>
@@ -11252,7 +11177,7 @@
               <a:t>    </a:t>
             </a:r>
             <a:r>
-              <a:rPr lang="en-US" dirty="0" smtClean="0">
+              <a:rPr lang="en-US" dirty="0">
                 <a:solidFill>
                   <a:srgbClr val="000000"/>
                 </a:solidFill>
@@ -11261,7 +11186,7 @@
               <a:t>  </a:t>
             </a:r>
             <a:r>
-              <a:rPr lang="mr-IN" dirty="0" smtClean="0">
+              <a:rPr lang="mr-IN" dirty="0">
                 <a:solidFill>
                   <a:srgbClr val="007400"/>
                 </a:solidFill>
@@ -11372,19 +11297,10 @@
                 </a:solidFill>
                 <a:latin typeface="Menlo-Regular" charset="0"/>
               </a:rPr>
-              <a:t> </a:t>
-            </a:r>
-            <a:r>
-              <a:rPr lang="en-US" dirty="0" smtClean="0">
-                <a:solidFill>
-                  <a:srgbClr val="000000"/>
-                </a:solidFill>
-                <a:latin typeface="Menlo-Regular" charset="0"/>
-              </a:rPr>
-              <a:t>   </a:t>
-            </a:r>
-            <a:r>
-              <a:rPr lang="mr-IN" dirty="0" err="1" smtClean="0">
+              <a:t>    </a:t>
+            </a:r>
+            <a:r>
+              <a:rPr lang="mr-IN" dirty="0" err="1">
                 <a:solidFill>
                   <a:srgbClr val="000000"/>
                 </a:solidFill>
@@ -11393,22 +11309,13 @@
               <a:t>self.scoped_symtab</a:t>
             </a:r>
             <a:r>
-              <a:rPr lang="mr-IN" dirty="0" smtClean="0">
-                <a:solidFill>
-                  <a:srgbClr val="000000"/>
-                </a:solidFill>
-                <a:latin typeface="Menlo-Regular" charset="0"/>
-              </a:rPr>
-              <a:t> </a:t>
-            </a:r>
-            <a:r>
               <a:rPr lang="mr-IN" dirty="0">
                 <a:solidFill>
                   <a:srgbClr val="000000"/>
                 </a:solidFill>
                 <a:latin typeface="Menlo-Regular" charset="0"/>
               </a:rPr>
-              <a:t>= [{}]</a:t>
+              <a:t> = [{}]</a:t>
             </a:r>
             <a:endParaRPr lang="mr-IN" sz="1050" dirty="0">
               <a:solidFill>
@@ -11436,7 +11343,7 @@
               <a:t>    </a:t>
             </a:r>
             <a:r>
-              <a:rPr lang="en-US" dirty="0" smtClean="0">
+              <a:rPr lang="en-US" dirty="0">
                 <a:solidFill>
                   <a:srgbClr val="000000"/>
                 </a:solidFill>
@@ -11445,7 +11352,7 @@
               <a:t>  </a:t>
             </a:r>
             <a:r>
-              <a:rPr lang="mr-IN" dirty="0" smtClean="0">
+              <a:rPr lang="mr-IN" dirty="0">
                 <a:solidFill>
                   <a:srgbClr val="007400"/>
                 </a:solidFill>
@@ -11593,7 +11500,7 @@
               <a:t>   </a:t>
             </a:r>
             <a:r>
-              <a:rPr lang="en-US" dirty="0" smtClean="0">
+              <a:rPr lang="en-US" dirty="0">
                 <a:solidFill>
                   <a:srgbClr val="000000"/>
                 </a:solidFill>
@@ -11602,7 +11509,7 @@
               <a:t>  </a:t>
             </a:r>
             <a:r>
-              <a:rPr lang="mr-IN" dirty="0" smtClean="0">
+              <a:rPr lang="mr-IN" dirty="0">
                 <a:solidFill>
                   <a:srgbClr val="000000"/>
                 </a:solidFill>
@@ -11876,7 +11783,7 @@
               <a:t>        </a:t>
             </a:r>
             <a:r>
-              <a:rPr lang="en-US" dirty="0" smtClean="0">
+              <a:rPr lang="en-US" dirty="0">
                 <a:solidFill>
                   <a:srgbClr val="000000"/>
                 </a:solidFill>
@@ -11885,7 +11792,7 @@
               <a:t>    </a:t>
             </a:r>
             <a:r>
-              <a:rPr lang="mr-IN" dirty="0" err="1" smtClean="0">
+              <a:rPr lang="mr-IN" dirty="0" err="1">
                 <a:solidFill>
                   <a:srgbClr val="AA0D91"/>
                 </a:solidFill>
@@ -11963,7 +11870,7 @@
               <a:t>    </a:t>
             </a:r>
             <a:r>
-              <a:rPr lang="en-US" dirty="0" smtClean="0">
+              <a:rPr lang="en-US" dirty="0">
                 <a:solidFill>
                   <a:srgbClr val="000000"/>
                 </a:solidFill>
@@ -11972,7 +11879,7 @@
               <a:t>  </a:t>
             </a:r>
             <a:r>
-              <a:rPr lang="mr-IN" dirty="0" smtClean="0">
+              <a:rPr lang="mr-IN" dirty="0">
                 <a:solidFill>
                   <a:srgbClr val="007400"/>
                 </a:solidFill>
@@ -12128,34 +12035,17 @@
                 </a:solidFill>
                 <a:latin typeface="Helvetica" charset="0"/>
               </a:rPr>
-              <a:t> </a:t>
-            </a:r>
-            <a:r>
-              <a:rPr lang="en-US" sz="1050" dirty="0" smtClean="0">
+              <a:t>                 </a:t>
+            </a:r>
+            <a:r>
+              <a:rPr lang="mr-IN" sz="1050" dirty="0">
                 <a:solidFill>
                   <a:prstClr val="black"/>
                 </a:solidFill>
                 <a:latin typeface="Helvetica" charset="0"/>
               </a:rPr>
-              <a:t>                </a:t>
-            </a:r>
-            <a:r>
-              <a:rPr lang="mr-IN" sz="1050" dirty="0" smtClean="0">
-                <a:solidFill>
-                  <a:prstClr val="black"/>
-                </a:solidFill>
-                <a:latin typeface="Helvetica" charset="0"/>
-              </a:rPr>
               <a:t>…</a:t>
             </a:r>
-            <a:endParaRPr lang="en-US" sz="1050" dirty="0" smtClean="0">
-              <a:solidFill>
-                <a:prstClr val="black"/>
-              </a:solidFill>
-              <a:latin typeface="Helvetica" charset="0"/>
-            </a:endParaRPr>
-          </a:p>
-          <a:p>
             <a:endParaRPr lang="en-US" sz="1050" dirty="0">
               <a:solidFill>
                 <a:prstClr val="black"/>
@@ -12164,6 +12054,14 @@
             </a:endParaRPr>
           </a:p>
           <a:p>
+            <a:endParaRPr lang="en-US" sz="1050" dirty="0">
+              <a:solidFill>
+                <a:prstClr val="black"/>
+              </a:solidFill>
+              <a:latin typeface="Helvetica" charset="0"/>
+            </a:endParaRPr>
+          </a:p>
+          <a:p>
             <a:r>
               <a:rPr lang="mr-IN" dirty="0">
                 <a:solidFill>
@@ -12174,7 +12072,7 @@
               <a:t>   </a:t>
             </a:r>
             <a:r>
-              <a:rPr lang="en-US" dirty="0" smtClean="0">
+              <a:rPr lang="en-US" dirty="0">
                 <a:solidFill>
                   <a:srgbClr val="000000"/>
                 </a:solidFill>
@@ -12183,7 +12081,7 @@
               <a:t>  </a:t>
             </a:r>
             <a:r>
-              <a:rPr lang="mr-IN" dirty="0" smtClean="0">
+              <a:rPr lang="mr-IN" dirty="0">
                 <a:solidFill>
                   <a:srgbClr val="000000"/>
                 </a:solidFill>
@@ -12386,7 +12284,7 @@
           </a:p>
           <a:p>
             <a:r>
-              <a:rPr lang="en-US" sz="1050" dirty="0" smtClean="0">
+              <a:rPr lang="en-US" sz="1050" dirty="0">
                 <a:solidFill>
                   <a:prstClr val="black"/>
                 </a:solidFill>
@@ -12395,7 +12293,7 @@
               <a:t>                 </a:t>
             </a:r>
             <a:r>
-              <a:rPr lang="mr-IN" sz="1050" dirty="0" smtClean="0">
+              <a:rPr lang="mr-IN" sz="1050" dirty="0">
                 <a:solidFill>
                   <a:prstClr val="black"/>
                 </a:solidFill>
@@ -12403,14 +12301,6 @@
               </a:rPr>
               <a:t>…</a:t>
             </a:r>
-            <a:endParaRPr lang="en-US" sz="1050" dirty="0" smtClean="0">
-              <a:solidFill>
-                <a:prstClr val="black"/>
-              </a:solidFill>
-              <a:latin typeface="Helvetica" charset="0"/>
-            </a:endParaRPr>
-          </a:p>
-          <a:p>
             <a:endParaRPr lang="en-US" sz="1050" dirty="0">
               <a:solidFill>
                 <a:prstClr val="black"/>
@@ -12419,6 +12309,14 @@
             </a:endParaRPr>
           </a:p>
           <a:p>
+            <a:endParaRPr lang="en-US" sz="1050" dirty="0">
+              <a:solidFill>
+                <a:prstClr val="black"/>
+              </a:solidFill>
+              <a:latin typeface="Helvetica" charset="0"/>
+            </a:endParaRPr>
+          </a:p>
+          <a:p>
             <a:r>
               <a:rPr lang="mr-IN" dirty="0">
                 <a:solidFill>
@@ -12429,7 +12327,7 @@
               <a:t>    </a:t>
             </a:r>
             <a:r>
-              <a:rPr lang="en-US" dirty="0" smtClean="0">
+              <a:rPr lang="en-US" dirty="0">
                 <a:solidFill>
                   <a:srgbClr val="000000"/>
                 </a:solidFill>
@@ -12438,7 +12336,7 @@
               <a:t>  </a:t>
             </a:r>
             <a:r>
-              <a:rPr lang="mr-IN" dirty="0" smtClean="0">
+              <a:rPr lang="mr-IN" dirty="0">
                 <a:solidFill>
                   <a:srgbClr val="007400"/>
                 </a:solidFill>
@@ -12651,14 +12549,10 @@
           <a:p>
             <a:r>
               <a:rPr lang="en-US" dirty="0"/>
-              <a:t> </a:t>
-            </a:r>
-            <a:r>
-              <a:rPr lang="en-US" dirty="0" smtClean="0"/>
-              <a:t>                </a:t>
-            </a:r>
-            <a:r>
-              <a:rPr lang="mr-IN" dirty="0" smtClean="0"/>
+              <a:t>                 </a:t>
+            </a:r>
+            <a:r>
+              <a:rPr lang="mr-IN" dirty="0"/>
               <a:t>…</a:t>
             </a:r>
             <a:endParaRPr lang="en-US" sz="1050" dirty="0">
@@ -12694,13 +12588,8 @@
           <a:p>
             <a:r>
               <a:rPr lang="en-US" sz="1400" dirty="0"/>
-              <a:t>c</a:t>
-            </a:r>
-            <a:r>
-              <a:rPr lang="en-US" sz="1400" dirty="0" smtClean="0"/>
-              <a:t>uppa2_symtab.py</a:t>
-            </a:r>
-            <a:endParaRPr lang="en-US" sz="1400" dirty="0"/>
+              <a:t>cuppa2_symtab.py</a:t>
+            </a:r>
           </a:p>
         </p:txBody>
       </p:sp>
@@ -12709,13 +12598,6 @@
   <p:clrMapOvr>
     <a:masterClrMapping/>
   </p:clrMapOvr>
-  <p:timing>
-    <p:tnLst>
-      <p:par>
-        <p:cTn id="1" dur="indefinite" restart="never" nodeType="tmRoot"/>
-      </p:par>
-    </p:tnLst>
-  </p:timing>
 </p:sld>
 </file>
 
@@ -12785,7 +12667,7 @@
           </a:ln>
           <a:extLst>
             <a:ext uri="{909E8E84-426E-40dd-AFC4-6F175D3DCCD1}">
-              <a14:hiddenFill xmlns="" xmlns:a14="http://schemas.microsoft.com/office/drawing/2010/main">
+              <a14:hiddenFill xmlns:a14="http://schemas.microsoft.com/office/drawing/2010/main" xmlns="">
                 <a:solidFill>
                   <a:schemeClr val="accent1"/>
                 </a:solidFill>
@@ -13378,7 +13260,7 @@
           </a:ln>
           <a:extLst>
             <a:ext uri="{909E8E84-426E-40dd-AFC4-6F175D3DCCD1}">
-              <a14:hiddenFill xmlns="" xmlns:a14="http://schemas.microsoft.com/office/drawing/2010/main">
+              <a14:hiddenFill xmlns:a14="http://schemas.microsoft.com/office/drawing/2010/main" xmlns="">
                 <a:solidFill>
                   <a:schemeClr val="accent1"/>
                 </a:solidFill>
@@ -13551,12 +13433,6 @@
             </a:r>
           </a:p>
           <a:p>
-            <a:r>
-              <a:rPr lang="en-US" dirty="0">
-                <a:latin typeface="Helvetica" charset="0"/>
-              </a:rPr>
-              <a:t/>
-            </a:r>
             <a:br>
               <a:rPr lang="en-US" dirty="0">
                 <a:latin typeface="Helvetica" charset="0"/>
@@ -13632,12 +13508,6 @@
             </a:r>
           </a:p>
           <a:p>
-            <a:r>
-              <a:rPr lang="en-US" dirty="0">
-                <a:latin typeface="Helvetica" charset="0"/>
-              </a:rPr>
-              <a:t/>
-            </a:r>
             <a:br>
               <a:rPr lang="en-US" dirty="0">
                 <a:latin typeface="Helvetica" charset="0"/>
@@ -13905,12 +13775,6 @@
             </a:endParaRPr>
           </a:p>
           <a:p>
-            <a:r>
-              <a:rPr lang="en-US" dirty="0">
-                <a:latin typeface="Helvetica" charset="0"/>
-              </a:rPr>
-              <a:t/>
-            </a:r>
             <a:br>
               <a:rPr lang="en-US" dirty="0">
                 <a:latin typeface="Helvetica" charset="0"/>
@@ -14051,13 +13915,6 @@
   <p:clrMapOvr>
     <a:masterClrMapping/>
   </p:clrMapOvr>
-  <p:timing>
-    <p:tnLst>
-      <p:par>
-        <p:cTn id="1" dur="indefinite" restart="never" nodeType="tmRoot"/>
-      </p:par>
-    </p:tnLst>
-  </p:timing>
 </p:sld>
 </file>
 
@@ -14127,7 +13984,7 @@
           </a:ln>
           <a:extLst>
             <a:ext uri="{909E8E84-426E-40dd-AFC4-6F175D3DCCD1}">
-              <a14:hiddenFill xmlns="" xmlns:a14="http://schemas.microsoft.com/office/drawing/2010/main">
+              <a14:hiddenFill xmlns:a14="http://schemas.microsoft.com/office/drawing/2010/main" xmlns="">
                 <a:solidFill>
                   <a:schemeClr val="accent1"/>
                 </a:solidFill>
@@ -14318,12 +14175,6 @@
             </a:r>
           </a:p>
           <a:p>
-            <a:r>
-              <a:rPr lang="en-US" dirty="0">
-                <a:latin typeface="Helvetica" charset="0"/>
-              </a:rPr>
-              <a:t/>
-            </a:r>
             <a:br>
               <a:rPr lang="en-US" dirty="0">
                 <a:latin typeface="Helvetica" charset="0"/>
@@ -14399,12 +14250,6 @@
             </a:r>
           </a:p>
           <a:p>
-            <a:r>
-              <a:rPr lang="en-US" dirty="0">
-                <a:latin typeface="Helvetica" charset="0"/>
-              </a:rPr>
-              <a:t/>
-            </a:r>
             <a:br>
               <a:rPr lang="en-US" dirty="0">
                 <a:latin typeface="Helvetica" charset="0"/>
@@ -14698,12 +14543,6 @@
             </a:endParaRPr>
           </a:p>
           <a:p>
-            <a:r>
-              <a:rPr lang="en-US" dirty="0">
-                <a:latin typeface="Helvetica" charset="0"/>
-              </a:rPr>
-              <a:t/>
-            </a:r>
             <a:br>
               <a:rPr lang="en-US" dirty="0">
                 <a:latin typeface="Helvetica" charset="0"/>
@@ -14844,13 +14683,6 @@
   <p:clrMapOvr>
     <a:masterClrMapping/>
   </p:clrMapOvr>
-  <p:timing>
-    <p:tnLst>
-      <p:par>
-        <p:cTn id="1" dur="indefinite" restart="never" nodeType="tmRoot"/>
-      </p:par>
-    </p:tnLst>
-  </p:timing>
 </p:sld>
 </file>
 
@@ -14890,18 +14722,13 @@
               <a:rPr lang="en-US" dirty="0"/>
               <a:t>Interpret </a:t>
             </a:r>
-            <a:r>
-              <a:rPr lang="en-US" dirty="0" smtClean="0"/>
-              <a:t/>
-            </a:r>
             <a:br>
-              <a:rPr lang="en-US" dirty="0" smtClean="0"/>
+              <a:rPr lang="en-US" dirty="0"/>
             </a:br>
             <a:r>
-              <a:rPr lang="en-US" dirty="0" smtClean="0"/>
+              <a:rPr lang="en-US" dirty="0"/>
               <a:t>Walker</a:t>
             </a:r>
-            <a:endParaRPr lang="en-US" dirty="0"/>
           </a:p>
         </p:txBody>
       </p:sp>
@@ -14928,14 +14755,13 @@
           <a:lstStyle/>
           <a:p>
             <a:r>
-              <a:rPr lang="en-US" sz="1800" b="1" dirty="0" smtClean="0"/>
+              <a:rPr lang="en-US" sz="1800" b="1" dirty="0"/>
               <a:t>Note</a:t>
             </a:r>
             <a:r>
-              <a:rPr lang="en-US" sz="1800" dirty="0" smtClean="0"/>
+              <a:rPr lang="en-US" sz="1800" dirty="0"/>
               <a:t>: Same as Cuppa1 interpreter except for the addition of the declaration statement and additional functionality in block statements and variable expressions.</a:t>
             </a:r>
-            <a:endParaRPr lang="en-US" sz="1800" dirty="0"/>
           </a:p>
         </p:txBody>
       </p:sp>
@@ -14997,7 +14823,7 @@
           <a:effectLst/>
           <a:extLst>
             <a:ext uri="{AF507438-7753-43e0-B8FC-AC1667EBCBE1}">
-              <a14:hiddenEffects xmlns="" xmlns:a14="http://schemas.microsoft.com/office/drawing/2010/main">
+              <a14:hiddenEffects xmlns:a14="http://schemas.microsoft.com/office/drawing/2010/main" xmlns="">
                 <a:effectLst>
                   <a:outerShdw blurRad="63500" dist="38099" dir="2700000" algn="ctr" rotWithShape="0">
                     <a:schemeClr val="bg2">
@@ -15071,10 +14897,9 @@
           <a:lstStyle/>
           <a:p>
             <a:r>
-              <a:rPr lang="en-US" sz="1400" dirty="0" smtClean="0"/>
+              <a:rPr lang="en-US" sz="1400" dirty="0"/>
               <a:t>cuppa2_interp_walk.py</a:t>
             </a:r>
-            <a:endParaRPr lang="en-US" sz="1400" dirty="0"/>
           </a:p>
         </p:txBody>
       </p:sp>
@@ -15083,13 +14908,6 @@
   <p:clrMapOvr>
     <a:masterClrMapping/>
   </p:clrMapOvr>
-  <p:timing>
-    <p:tnLst>
-      <p:par>
-        <p:cTn id="1" dur="indefinite" restart="never" nodeType="tmRoot"/>
-      </p:par>
-    </p:tnLst>
-  </p:timing>
 </p:sld>
 </file>
 
@@ -15126,10 +14944,9 @@
           <a:lstStyle/>
           <a:p>
             <a:r>
-              <a:rPr lang="en-US" dirty="0" smtClean="0"/>
+              <a:rPr lang="en-US" dirty="0"/>
               <a:t>Interpret Walker</a:t>
             </a:r>
-            <a:endParaRPr lang="en-US" dirty="0"/>
           </a:p>
         </p:txBody>
       </p:sp>
@@ -15272,18 +15089,17 @@
           <a:lstStyle/>
           <a:p>
             <a:r>
-              <a:rPr lang="en-US" sz="1400" dirty="0" smtClean="0"/>
+              <a:rPr lang="en-US" sz="1400" dirty="0"/>
               <a:t>That’s it </a:t>
             </a:r>
             <a:r>
-              <a:rPr lang="mr-IN" sz="1400" dirty="0" smtClean="0"/>
+              <a:rPr lang="mr-IN" sz="1400" dirty="0"/>
               <a:t>–</a:t>
             </a:r>
             <a:r>
-              <a:rPr lang="en-US" sz="1400" dirty="0" smtClean="0"/>
+              <a:rPr lang="en-US" sz="1400" dirty="0"/>
               <a:t> everything else is the same as the Cuppa1 interpreter!</a:t>
             </a:r>
-            <a:endParaRPr lang="en-US" sz="1400" dirty="0"/>
           </a:p>
         </p:txBody>
       </p:sp>
@@ -15334,15 +15150,7 @@
           <a:p>
             <a:r>
               <a:rPr lang="en-US" dirty="0"/>
-              <a:t>Syntactic vs </a:t>
-            </a:r>
-            <a:r>
-              <a:rPr lang="en-US" dirty="0" smtClean="0"/>
-              <a:t>Semantic </a:t>
-            </a:r>
-            <a:r>
-              <a:rPr lang="en-US" dirty="0"/>
-              <a:t>Errors</a:t>
+              <a:t>Syntactic vs Semantic Errors</a:t>
             </a:r>
           </a:p>
         </p:txBody>
@@ -15403,13 +15211,6 @@
   <p:clrMapOvr>
     <a:masterClrMapping/>
   </p:clrMapOvr>
-  <p:timing>
-    <p:tnLst>
-      <p:par>
-        <p:cTn id="1" dur="indefinite" restart="never" nodeType="tmRoot"/>
-      </p:par>
-    </p:tnLst>
-  </p:timing>
 </p:sld>
 </file>
 
@@ -15446,10 +15247,9 @@
           <a:lstStyle/>
           <a:p>
             <a:r>
-              <a:rPr lang="en-US" dirty="0" smtClean="0"/>
+              <a:rPr lang="en-US" dirty="0"/>
               <a:t>Cuppa2</a:t>
             </a:r>
-            <a:endParaRPr lang="en-US" dirty="0"/>
           </a:p>
         </p:txBody>
       </p:sp>
@@ -15470,23 +15270,11 @@
           <a:p>
             <a:r>
               <a:rPr lang="en-US" dirty="0"/>
-              <a:t>We extend our </a:t>
-            </a:r>
-            <a:r>
-              <a:rPr lang="en-US" dirty="0" smtClean="0"/>
-              <a:t>Cuppa1 language </a:t>
-            </a:r>
-            <a:r>
-              <a:rPr lang="en-US" dirty="0"/>
-              <a:t>with variable declarations of the form</a:t>
+              <a:t>We extend our Cuppa1 language with variable declarations of the form</a:t>
             </a:r>
             <a:br>
               <a:rPr lang="en-US" dirty="0"/>
             </a:br>
-            <a:r>
-              <a:rPr lang="en-US" dirty="0"/>
-              <a:t/>
-            </a:r>
             <a:br>
               <a:rPr lang="en-US" dirty="0"/>
             </a:br>
@@ -15538,13 +15326,6 @@
   <p:clrMapOvr>
     <a:masterClrMapping/>
   </p:clrMapOvr>
-  <p:timing>
-    <p:tnLst>
-      <p:par>
-        <p:cTn id="1" dur="indefinite" restart="never" nodeType="tmRoot"/>
-      </p:par>
-    </p:tnLst>
-  </p:timing>
 </p:sld>
 </file>
 
@@ -15582,15 +15363,7 @@
           <a:p>
             <a:r>
               <a:rPr lang="en-US" dirty="0"/>
-              <a:t>Syntactic vs </a:t>
-            </a:r>
-            <a:r>
-              <a:rPr lang="en-US" dirty="0" smtClean="0"/>
-              <a:t>Semantic </a:t>
-            </a:r>
-            <a:r>
-              <a:rPr lang="en-US" dirty="0"/>
-              <a:t>Errors</a:t>
+              <a:t>Syntactic vs Semantic Errors</a:t>
             </a:r>
           </a:p>
         </p:txBody>
@@ -15756,13 +15529,6 @@
   <p:clrMapOvr>
     <a:masterClrMapping/>
   </p:clrMapOvr>
-  <p:timing>
-    <p:tnLst>
-      <p:par>
-        <p:cTn id="1" dur="indefinite" restart="never" nodeType="tmRoot"/>
-      </p:par>
-    </p:tnLst>
-  </p:timing>
 </p:sld>
 </file>
 
@@ -15832,7 +15598,7 @@
           </a:ln>
           <a:extLst>
             <a:ext uri="{909E8E84-426E-40dd-AFC4-6F175D3DCCD1}">
-              <a14:hiddenFill xmlns="" xmlns:a14="http://schemas.microsoft.com/office/drawing/2010/main">
+              <a14:hiddenFill xmlns:a14="http://schemas.microsoft.com/office/drawing/2010/main" xmlns="">
                 <a:solidFill>
                   <a:schemeClr val="accent1"/>
                 </a:solidFill>
@@ -15915,7 +15681,7 @@
           </a:ln>
           <a:extLst>
             <a:ext uri="{909E8E84-426E-40dd-AFC4-6F175D3DCCD1}">
-              <a14:hiddenFill xmlns="" xmlns:a14="http://schemas.microsoft.com/office/drawing/2010/main">
+              <a14:hiddenFill xmlns:a14="http://schemas.microsoft.com/office/drawing/2010/main" xmlns="">
                 <a:solidFill>
                   <a:schemeClr val="accent1"/>
                 </a:solidFill>
@@ -15953,14 +15719,14 @@
           </a:ln>
           <a:extLst>
             <a:ext uri="{909E8E84-426E-40dd-AFC4-6F175D3DCCD1}">
-              <a14:hiddenFill xmlns="" xmlns:a14="http://schemas.microsoft.com/office/drawing/2010/main">
+              <a14:hiddenFill xmlns:a14="http://schemas.microsoft.com/office/drawing/2010/main" xmlns="">
                 <a:solidFill>
                   <a:schemeClr val="accent1"/>
                 </a:solidFill>
               </a14:hiddenFill>
             </a:ext>
             <a:ext uri="{91240B29-F687-4f45-9708-019B960494DF}">
-              <a14:hiddenLine xmlns="" xmlns:a14="http://schemas.microsoft.com/office/drawing/2010/main" w="9525">
+              <a14:hiddenLine xmlns:a14="http://schemas.microsoft.com/office/drawing/2010/main" xmlns="" w="9525">
                 <a:solidFill>
                   <a:schemeClr val="tx1"/>
                 </a:solidFill>
@@ -16011,7 +15777,7 @@
           </a:ln>
           <a:extLst>
             <a:ext uri="{909E8E84-426E-40dd-AFC4-6F175D3DCCD1}">
-              <a14:hiddenFill xmlns="" xmlns:a14="http://schemas.microsoft.com/office/drawing/2010/main">
+              <a14:hiddenFill xmlns:a14="http://schemas.microsoft.com/office/drawing/2010/main" xmlns="">
                 <a:solidFill>
                   <a:schemeClr val="accent1"/>
                 </a:solidFill>
@@ -16059,7 +15825,7 @@
           </a:ln>
           <a:extLst>
             <a:ext uri="{909E8E84-426E-40dd-AFC4-6F175D3DCCD1}">
-              <a14:hiddenFill xmlns="" xmlns:a14="http://schemas.microsoft.com/office/drawing/2010/main">
+              <a14:hiddenFill xmlns:a14="http://schemas.microsoft.com/office/drawing/2010/main" xmlns="">
                 <a:solidFill>
                   <a:schemeClr val="accent1"/>
                 </a:solidFill>
@@ -16097,14 +15863,14 @@
           </a:ln>
           <a:extLst>
             <a:ext uri="{909E8E84-426E-40dd-AFC4-6F175D3DCCD1}">
-              <a14:hiddenFill xmlns="" xmlns:a14="http://schemas.microsoft.com/office/drawing/2010/main">
+              <a14:hiddenFill xmlns:a14="http://schemas.microsoft.com/office/drawing/2010/main" xmlns="">
                 <a:solidFill>
                   <a:schemeClr val="accent1"/>
                 </a:solidFill>
               </a14:hiddenFill>
             </a:ext>
             <a:ext uri="{91240B29-F687-4f45-9708-019B960494DF}">
-              <a14:hiddenLine xmlns="" xmlns:a14="http://schemas.microsoft.com/office/drawing/2010/main" w="9525">
+              <a14:hiddenLine xmlns:a14="http://schemas.microsoft.com/office/drawing/2010/main" xmlns="" w="9525">
                 <a:solidFill>
                   <a:schemeClr val="tx1"/>
                 </a:solidFill>
@@ -16128,18 +15894,46 @@
           </a:p>
         </p:txBody>
       </p:sp>
+      <p:sp>
+        <p:nvSpPr>
+          <p:cNvPr id="2" name="TextBox 1">
+            <a:extLst>
+              <a:ext uri="{FF2B5EF4-FFF2-40B4-BE49-F238E27FC236}">
+                <a16:creationId xmlns:a16="http://schemas.microsoft.com/office/drawing/2014/main" id="{CCB713A9-0DF9-9545-B7E4-F3363BC8A1EA}"/>
+              </a:ext>
+            </a:extLst>
+          </p:cNvPr>
+          <p:cNvSpPr txBox="1"/>
+          <p:nvPr/>
+        </p:nvSpPr>
+        <p:spPr>
+          <a:xfrm>
+            <a:off x="924560" y="2661920"/>
+            <a:ext cx="529312" cy="246221"/>
+          </a:xfrm>
+          <a:prstGeom prst="rect">
+            <a:avLst/>
+          </a:prstGeom>
+          <a:noFill/>
+        </p:spPr>
+        <p:txBody>
+          <a:bodyPr wrap="none" rtlCol="0">
+            <a:spAutoFit/>
+          </a:bodyPr>
+          <a:lstStyle/>
+          <a:p>
+            <a:r>
+              <a:rPr lang="en-US" dirty="0"/>
+              <a:t>X-&gt;10</a:t>
+            </a:r>
+          </a:p>
+        </p:txBody>
+      </p:sp>
     </p:spTree>
   </p:cSld>
   <p:clrMapOvr>
     <a:masterClrMapping/>
   </p:clrMapOvr>
-  <p:timing>
-    <p:tnLst>
-      <p:par>
-        <p:cTn id="1" dur="indefinite" restart="never" nodeType="tmRoot"/>
-      </p:par>
-    </p:tnLst>
-  </p:timing>
 </p:sld>
 </file>
 
@@ -16209,7 +16003,7 @@
           </a:ln>
           <a:extLst>
             <a:ext uri="{909E8E84-426E-40dd-AFC4-6F175D3DCCD1}">
-              <a14:hiddenFill xmlns="" xmlns:a14="http://schemas.microsoft.com/office/drawing/2010/main">
+              <a14:hiddenFill xmlns:a14="http://schemas.microsoft.com/office/drawing/2010/main" xmlns="">
                 <a:solidFill>
                   <a:schemeClr val="accent1"/>
                 </a:solidFill>
@@ -16238,12 +16032,8 @@
               <a:buNone/>
             </a:pPr>
             <a:r>
-              <a:rPr lang="en-US" sz="1200" dirty="0" smtClean="0"/>
-              <a:t>x </a:t>
-            </a:r>
-            <a:r>
               <a:rPr lang="en-US" sz="1200" dirty="0"/>
-              <a:t>= x + 1;</a:t>
+              <a:t>x = x + 1;</a:t>
             </a:r>
           </a:p>
           <a:p>
@@ -16295,7 +16085,7 @@
           </a:ln>
           <a:extLst>
             <a:ext uri="{909E8E84-426E-40dd-AFC4-6F175D3DCCD1}">
-              <a14:hiddenFill xmlns="" xmlns:a14="http://schemas.microsoft.com/office/drawing/2010/main">
+              <a14:hiddenFill xmlns:a14="http://schemas.microsoft.com/office/drawing/2010/main" xmlns="">
                 <a:solidFill>
                   <a:schemeClr val="accent1"/>
                 </a:solidFill>
@@ -16333,14 +16123,14 @@
           </a:ln>
           <a:extLst>
             <a:ext uri="{909E8E84-426E-40dd-AFC4-6F175D3DCCD1}">
-              <a14:hiddenFill xmlns="" xmlns:a14="http://schemas.microsoft.com/office/drawing/2010/main">
+              <a14:hiddenFill xmlns:a14="http://schemas.microsoft.com/office/drawing/2010/main" xmlns="">
                 <a:solidFill>
                   <a:schemeClr val="accent1"/>
                 </a:solidFill>
               </a14:hiddenFill>
             </a:ext>
             <a:ext uri="{91240B29-F687-4f45-9708-019B960494DF}">
-              <a14:hiddenLine xmlns="" xmlns:a14="http://schemas.microsoft.com/office/drawing/2010/main" w="9525">
+              <a14:hiddenLine xmlns:a14="http://schemas.microsoft.com/office/drawing/2010/main" xmlns="" w="9525">
                 <a:solidFill>
                   <a:schemeClr val="tx1"/>
                 </a:solidFill>
@@ -16391,7 +16181,7 @@
           </a:ln>
           <a:extLst>
             <a:ext uri="{909E8E84-426E-40dd-AFC4-6F175D3DCCD1}">
-              <a14:hiddenFill xmlns="" xmlns:a14="http://schemas.microsoft.com/office/drawing/2010/main">
+              <a14:hiddenFill xmlns:a14="http://schemas.microsoft.com/office/drawing/2010/main" xmlns="">
                 <a:solidFill>
                   <a:schemeClr val="accent1"/>
                 </a:solidFill>
@@ -16439,7 +16229,7 @@
           </a:ln>
           <a:extLst>
             <a:ext uri="{909E8E84-426E-40dd-AFC4-6F175D3DCCD1}">
-              <a14:hiddenFill xmlns="" xmlns:a14="http://schemas.microsoft.com/office/drawing/2010/main">
+              <a14:hiddenFill xmlns:a14="http://schemas.microsoft.com/office/drawing/2010/main" xmlns="">
                 <a:solidFill>
                   <a:schemeClr val="accent1"/>
                 </a:solidFill>
@@ -16477,14 +16267,14 @@
           </a:ln>
           <a:extLst>
             <a:ext uri="{909E8E84-426E-40dd-AFC4-6F175D3DCCD1}">
-              <a14:hiddenFill xmlns="" xmlns:a14="http://schemas.microsoft.com/office/drawing/2010/main">
+              <a14:hiddenFill xmlns:a14="http://schemas.microsoft.com/office/drawing/2010/main" xmlns="">
                 <a:solidFill>
                   <a:schemeClr val="accent1"/>
                 </a:solidFill>
               </a14:hiddenFill>
             </a:ext>
             <a:ext uri="{91240B29-F687-4f45-9708-019B960494DF}">
-              <a14:hiddenLine xmlns="" xmlns:a14="http://schemas.microsoft.com/office/drawing/2010/main" w="9525">
+              <a14:hiddenLine xmlns:a14="http://schemas.microsoft.com/office/drawing/2010/main" xmlns="" w="9525">
                 <a:solidFill>
                   <a:schemeClr val="tx1"/>
                 </a:solidFill>
@@ -16513,13 +16303,6 @@
   <p:clrMapOvr>
     <a:masterClrMapping/>
   </p:clrMapOvr>
-  <p:timing>
-    <p:tnLst>
-      <p:par>
-        <p:cTn id="1" dur="indefinite" restart="never" nodeType="tmRoot"/>
-      </p:par>
-    </p:tnLst>
-  </p:timing>
 </p:sld>
 </file>
 
@@ -16556,10 +16339,9 @@
           <a:lstStyle/>
           <a:p>
             <a:r>
-              <a:rPr lang="en-US" dirty="0" smtClean="0"/>
+              <a:rPr lang="en-US" dirty="0"/>
               <a:t>Cuppa2 Grammar</a:t>
             </a:r>
-            <a:endParaRPr lang="en-US" dirty="0"/>
           </a:p>
         </p:txBody>
       </p:sp>
@@ -16616,13 +16398,8 @@
           <a:p>
             <a:r>
               <a:rPr lang="en-US" sz="1400" dirty="0"/>
-              <a:t>c</a:t>
-            </a:r>
-            <a:r>
-              <a:rPr lang="en-US" sz="1400" dirty="0" smtClean="0"/>
-              <a:t>uppa2_gram.py</a:t>
-            </a:r>
-            <a:endParaRPr lang="en-US" sz="1400" dirty="0"/>
+              <a:t>cuppa2_gram.py</a:t>
+            </a:r>
           </a:p>
         </p:txBody>
       </p:sp>
@@ -16655,7 +16432,7 @@
           <a:effectLst/>
           <a:extLst>
             <a:ext uri="{AF507438-7753-43e0-B8FC-AC1667EBCBE1}">
-              <a14:hiddenEffects xmlns="" xmlns:a14="http://schemas.microsoft.com/office/drawing/2010/main">
+              <a14:hiddenEffects xmlns:a14="http://schemas.microsoft.com/office/drawing/2010/main" xmlns="">
                 <a:effectLst>
                   <a:outerShdw blurRad="63500" dist="38099" dir="2700000" algn="ctr" rotWithShape="0">
                     <a:schemeClr val="bg2">
@@ -16752,10 +16529,9 @@
           <a:lstStyle/>
           <a:p>
             <a:r>
-              <a:rPr lang="en-US" dirty="0" smtClean="0"/>
+              <a:rPr lang="en-US" dirty="0"/>
               <a:t>Cuppa2 Frontend</a:t>
             </a:r>
-            <a:endParaRPr lang="en-US" dirty="0"/>
           </a:p>
         </p:txBody>
       </p:sp>
@@ -16817,7 +16593,7 @@
           <a:effectLst/>
           <a:extLst>
             <a:ext uri="{AF507438-7753-43e0-B8FC-AC1667EBCBE1}">
-              <a14:hiddenEffects xmlns="" xmlns:a14="http://schemas.microsoft.com/office/drawing/2010/main">
+              <a14:hiddenEffects xmlns:a14="http://schemas.microsoft.com/office/drawing/2010/main" xmlns="">
                 <a:effectLst>
                   <a:outerShdw blurRad="63500" dist="38099" dir="2700000" algn="ctr" rotWithShape="0">
                     <a:schemeClr val="bg2">
@@ -16891,10 +16667,9 @@
           <a:lstStyle/>
           <a:p>
             <a:r>
-              <a:rPr lang="en-US" sz="1400" dirty="0" smtClean="0"/>
+              <a:rPr lang="en-US" sz="1400" dirty="0"/>
               <a:t>cuppa2_frontend_gram.py</a:t>
             </a:r>
-            <a:endParaRPr lang="en-US" sz="1400" dirty="0"/>
           </a:p>
         </p:txBody>
       </p:sp>
@@ -16944,10 +16719,9 @@
           <a:lstStyle/>
           <a:p>
             <a:r>
-              <a:rPr lang="en-US" dirty="0" smtClean="0"/>
+              <a:rPr lang="en-US" dirty="0"/>
               <a:t>Cuppa2</a:t>
             </a:r>
-            <a:endParaRPr lang="en-US" dirty="0"/>
           </a:p>
         </p:txBody>
       </p:sp>
@@ -17011,7 +16785,7 @@
           </a:ln>
           <a:extLst>
             <a:ext uri="{909E8E84-426E-40dd-AFC4-6F175D3DCCD1}">
-              <a14:hiddenFill xmlns="" xmlns:a14="http://schemas.microsoft.com/office/drawing/2010/main">
+              <a14:hiddenFill xmlns:a14="http://schemas.microsoft.com/office/drawing/2010/main" xmlns="">
                 <a:solidFill>
                   <a:schemeClr val="accent1"/>
                 </a:solidFill>
@@ -17051,19 +16825,7 @@
               <a:rPr lang="ro-RO" sz="1200" dirty="0">
                 <a:latin typeface="Menlo-Regular" charset="0"/>
               </a:rPr>
-              <a:t>  </a:t>
-            </a:r>
-            <a:r>
-              <a:rPr lang="ro-RO" sz="1200" dirty="0" smtClean="0">
-                <a:latin typeface="Menlo-Regular" charset="0"/>
-              </a:rPr>
-              <a:t>declare </a:t>
-            </a:r>
-            <a:r>
-              <a:rPr lang="ro-RO" sz="1200" dirty="0">
-                <a:latin typeface="Menlo-Regular" charset="0"/>
-              </a:rPr>
-              <a:t>x = 2;</a:t>
+              <a:t>  declare x = 2;</a:t>
             </a:r>
             <a:endParaRPr lang="ro-RO" sz="1400" dirty="0">
               <a:latin typeface="Helvetica" charset="0"/>
@@ -17131,19 +16893,7 @@
               <a:rPr lang="ro-RO" sz="1200" dirty="0">
                 <a:latin typeface="Menlo-Regular" charset="0"/>
               </a:rPr>
-              <a:t>  </a:t>
-            </a:r>
-            <a:r>
-              <a:rPr lang="ro-RO" sz="1200" dirty="0" smtClean="0">
-                <a:latin typeface="Menlo-Regular" charset="0"/>
-              </a:rPr>
-              <a:t>declare </a:t>
-            </a:r>
-            <a:r>
-              <a:rPr lang="ro-RO" sz="1200" dirty="0">
-                <a:latin typeface="Menlo-Regular" charset="0"/>
-              </a:rPr>
-              <a:t>x = 3;</a:t>
+              <a:t>  declare x = 3;</a:t>
             </a:r>
             <a:endParaRPr lang="ro-RO" sz="1400" dirty="0">
               <a:latin typeface="Helvetica" charset="0"/>
@@ -17213,13 +16963,6 @@
   <p:clrMapOvr>
     <a:masterClrMapping/>
   </p:clrMapOvr>
-  <p:timing>
-    <p:tnLst>
-      <p:par>
-        <p:cTn id="1" dur="indefinite" restart="never" nodeType="tmRoot"/>
-      </p:par>
-    </p:tnLst>
-  </p:timing>
 </p:sld>
 </file>
 
@@ -17342,7 +17085,7 @@
           </a:ln>
           <a:extLst>
             <a:ext uri="{909E8E84-426E-40dd-AFC4-6F175D3DCCD1}">
-              <a14:hiddenFill xmlns="" xmlns:a14="http://schemas.microsoft.com/office/drawing/2010/main">
+              <a14:hiddenFill xmlns:a14="http://schemas.microsoft.com/office/drawing/2010/main" xmlns="">
                 <a:solidFill>
                   <a:schemeClr val="accent1"/>
                 </a:solidFill>
@@ -17427,14 +17170,14 @@
           </a:ln>
           <a:extLst>
             <a:ext uri="{909E8E84-426E-40dd-AFC4-6F175D3DCCD1}">
-              <a14:hiddenFill xmlns="" xmlns:a14="http://schemas.microsoft.com/office/drawing/2010/main">
+              <a14:hiddenFill xmlns:a14="http://schemas.microsoft.com/office/drawing/2010/main" xmlns="">
                 <a:solidFill>
                   <a:schemeClr val="accent1"/>
                 </a:solidFill>
               </a14:hiddenFill>
             </a:ext>
             <a:ext uri="{91240B29-F687-4f45-9708-019B960494DF}">
-              <a14:hiddenLine xmlns="" xmlns:a14="http://schemas.microsoft.com/office/drawing/2010/main" w="9525">
+              <a14:hiddenLine xmlns:a14="http://schemas.microsoft.com/office/drawing/2010/main" xmlns="" w="9525">
                 <a:solidFill>
                   <a:schemeClr val="tx1"/>
                 </a:solidFill>
@@ -17463,13 +17206,6 @@
   <p:clrMapOvr>
     <a:masterClrMapping/>
   </p:clrMapOvr>
-  <p:timing>
-    <p:tnLst>
-      <p:par>
-        <p:cTn id="1" dur="indefinite" restart="never" nodeType="tmRoot"/>
-      </p:par>
-    </p:tnLst>
-  </p:timing>
 </p:sld>
 </file>
 
@@ -17582,7 +17318,7 @@
           </a:ln>
           <a:extLst>
             <a:ext uri="{909E8E84-426E-40dd-AFC4-6F175D3DCCD1}">
-              <a14:hiddenFill xmlns="" xmlns:a14="http://schemas.microsoft.com/office/drawing/2010/main">
+              <a14:hiddenFill xmlns:a14="http://schemas.microsoft.com/office/drawing/2010/main" xmlns="">
                 <a:solidFill>
                   <a:schemeClr val="accent1"/>
                 </a:solidFill>
@@ -17644,13 +17380,6 @@
   <p:clrMapOvr>
     <a:masterClrMapping/>
   </p:clrMapOvr>
-  <p:timing>
-    <p:tnLst>
-      <p:par>
-        <p:cTn id="1" dur="indefinite" restart="never" nodeType="tmRoot"/>
-      </p:par>
-    </p:tnLst>
-  </p:timing>
 </p:sld>
 </file>
 
@@ -17715,13 +17444,8 @@
             </a:pPr>
             <a:r>
               <a:rPr lang="en-US" dirty="0"/>
-              <a:t>To deal with programs like that we need something more sophisticated for variable lookup than a </a:t>
-            </a:r>
-            <a:r>
-              <a:rPr lang="en-US" dirty="0" smtClean="0"/>
-              <a:t>dictionary.</a:t>
-            </a:r>
-            <a:endParaRPr lang="en-US" dirty="0"/>
+              <a:t>To deal with programs like that we need something more sophisticated for variable lookup than a dictionary.</a:t>
+            </a:r>
           </a:p>
           <a:p>
             <a:pPr>
@@ -17732,7 +17456,7 @@
               <a:buChar char="C"/>
             </a:pPr>
             <a:r>
-              <a:rPr lang="en-US" i="1" dirty="0" smtClean="0">
+              <a:rPr lang="en-US" i="1" dirty="0">
                 <a:sym typeface="Wingdings 2" charset="0"/>
               </a:rPr>
               <a:t>a dictionary stack</a:t>
@@ -17760,19 +17484,7 @@
               <a:rPr lang="en-US" dirty="0">
                 <a:sym typeface="Wingdings 2" charset="0"/>
               </a:rPr>
-              <a:t>This </a:t>
-            </a:r>
-            <a:r>
-              <a:rPr lang="en-US" dirty="0" smtClean="0">
-                <a:sym typeface="Wingdings 2" charset="0"/>
-              </a:rPr>
-              <a:t>stack needs </a:t>
-            </a:r>
-            <a:r>
-              <a:rPr lang="en-US" dirty="0">
-                <a:sym typeface="Wingdings 2" charset="0"/>
-              </a:rPr>
-              <a:t>to be able to support the following functionality</a:t>
+              <a:t>This stack needs to be able to support the following functionality</a:t>
             </a:r>
           </a:p>
           <a:p>
@@ -17815,13 +17527,6 @@
   <p:clrMapOvr>
     <a:masterClrMapping/>
   </p:clrMapOvr>
-  <p:timing>
-    <p:tnLst>
-      <p:par>
-        <p:cTn id="1" dur="indefinite" restart="never" nodeType="tmRoot"/>
-      </p:par>
-    </p:tnLst>
-  </p:timing>
 </p:sld>
 </file>
 
@@ -17858,10 +17563,9 @@
           <a:lstStyle/>
           <a:p>
             <a:r>
-              <a:rPr lang="en-US" dirty="0" smtClean="0"/>
+              <a:rPr lang="en-US" dirty="0"/>
               <a:t>Semantic Rules for Variable Declarations</a:t>
             </a:r>
-            <a:endParaRPr lang="en-US" dirty="0"/>
           </a:p>
         </p:txBody>
       </p:sp>
@@ -17881,38 +17585,37 @@
           <a:lstStyle/>
           <a:p>
             <a:r>
-              <a:rPr lang="en-US" dirty="0" smtClean="0"/>
+              <a:rPr lang="en-US" dirty="0"/>
               <a:t>Here are the rules which we informally used in the previous examples:</a:t>
             </a:r>
           </a:p>
           <a:p>
             <a:pPr lvl="1"/>
             <a:r>
-              <a:rPr lang="en-US" dirty="0" smtClean="0"/>
+              <a:rPr lang="en-US" dirty="0"/>
               <a:t>The ‘declare’ statement inserts a variable declaration into the current scope</a:t>
             </a:r>
           </a:p>
           <a:p>
             <a:pPr lvl="2"/>
             <a:r>
-              <a:rPr lang="en-US" dirty="0" smtClean="0"/>
+              <a:rPr lang="en-US" dirty="0"/>
               <a:t>a variable lookup returns a variable value from the current scope or the surrounding scopes</a:t>
             </a:r>
           </a:p>
           <a:p>
             <a:pPr lvl="1"/>
             <a:r>
-              <a:rPr lang="en-US" dirty="0" smtClean="0"/>
+              <a:rPr lang="en-US" dirty="0"/>
               <a:t>Every variable needs to be declared before use</a:t>
             </a:r>
           </a:p>
           <a:p>
             <a:pPr lvl="1"/>
             <a:r>
-              <a:rPr lang="en-US" dirty="0" smtClean="0"/>
+              <a:rPr lang="en-US" dirty="0"/>
               <a:t>No variable can be declared more than once in the current scope.</a:t>
             </a:r>
-            <a:endParaRPr lang="en-US" dirty="0"/>
           </a:p>
         </p:txBody>
       </p:sp>
@@ -17926,13 +17629,6 @@
   <p:clrMapOvr>
     <a:masterClrMapping/>
   </p:clrMapOvr>
-  <p:timing>
-    <p:tnLst>
-      <p:par>
-        <p:cTn id="1" dur="indefinite" restart="never" nodeType="tmRoot"/>
-      </p:par>
-    </p:tnLst>
-  </p:timing>
 </p:sld>
 </file>
 
@@ -18182,7 +17878,7 @@
         <a:effectLst/>
         <a:extLst>
           <a:ext uri="{AF507438-7753-43e0-B8FC-AC1667EBCBE1}">
-            <a14:hiddenEffects xmlns="" xmlns:a14="http://schemas.microsoft.com/office/drawing/2010/main">
+            <a14:hiddenEffects xmlns:a14="http://schemas.microsoft.com/office/drawing/2010/main" xmlns="">
               <a:effectLst>
                 <a:outerShdw blurRad="63500" dist="38099" dir="2700000" algn="ctr" rotWithShape="0">
                   <a:schemeClr val="bg2">
@@ -18259,7 +17955,7 @@
         <a:effectLst/>
         <a:extLst>
           <a:ext uri="{AF507438-7753-43e0-B8FC-AC1667EBCBE1}">
-            <a14:hiddenEffects xmlns="" xmlns:a14="http://schemas.microsoft.com/office/drawing/2010/main">
+            <a14:hiddenEffects xmlns:a14="http://schemas.microsoft.com/office/drawing/2010/main" xmlns="">
               <a:effectLst>
                 <a:outerShdw blurRad="63500" dist="38099" dir="2700000" algn="ctr" rotWithShape="0">
                   <a:schemeClr val="bg2">

--- a/notes/csc402-ln010.pptx
+++ b/notes/csc402-ln010.pptx
@@ -8976,7 +8976,12 @@
             <p:ph type="body" idx="1"/>
           </p:nvPr>
         </p:nvSpPr>
-        <p:spPr/>
+        <p:spPr>
+          <a:xfrm>
+            <a:off x="457200" y="1719263"/>
+            <a:ext cx="8229600" cy="3614737"/>
+          </a:xfrm>
+        </p:spPr>
         <p:txBody>
           <a:bodyPr/>
           <a:lstStyle/>
@@ -9096,6 +9101,41 @@
               </a:lnSpc>
             </a:pPr>
             <a:endParaRPr lang="en-US" sz="2600" dirty="0"/>
+          </a:p>
+        </p:txBody>
+      </p:sp>
+      <p:sp>
+        <p:nvSpPr>
+          <p:cNvPr id="2" name="TextBox 1">
+            <a:extLst>
+              <a:ext uri="{FF2B5EF4-FFF2-40B4-BE49-F238E27FC236}">
+                <a16:creationId xmlns:a16="http://schemas.microsoft.com/office/drawing/2014/main" id="{496E58FA-1A41-0244-A9D4-ADC7084F00A2}"/>
+              </a:ext>
+            </a:extLst>
+          </p:cNvPr>
+          <p:cNvSpPr txBox="1"/>
+          <p:nvPr/>
+        </p:nvSpPr>
+        <p:spPr>
+          <a:xfrm>
+            <a:off x="1964724" y="6079524"/>
+            <a:ext cx="1544012" cy="369332"/>
+          </a:xfrm>
+          <a:prstGeom prst="rect">
+            <a:avLst/>
+          </a:prstGeom>
+          <a:noFill/>
+        </p:spPr>
+        <p:txBody>
+          <a:bodyPr wrap="none" rtlCol="0">
+            <a:spAutoFit/>
+          </a:bodyPr>
+          <a:lstStyle/>
+          <a:p>
+            <a:r>
+              <a:rPr lang="en-US" sz="1800" dirty="0"/>
+              <a:t>Read Chap 7</a:t>
+            </a:r>
           </a:p>
         </p:txBody>
       </p:sp>
@@ -14703,6 +14743,41 @@
           <a:chExt cx="0" cy="0"/>
         </a:xfrm>
       </p:grpSpPr>
+      <p:pic>
+        <p:nvPicPr>
+          <p:cNvPr id="6" name="Picture 5">
+            <a:extLst>
+              <a:ext uri="{FF2B5EF4-FFF2-40B4-BE49-F238E27FC236}">
+                <a16:creationId xmlns:a16="http://schemas.microsoft.com/office/drawing/2014/main" id="{EE55B12E-4075-764C-8AA4-877C5E3A3020}"/>
+              </a:ext>
+            </a:extLst>
+          </p:cNvPr>
+          <p:cNvPicPr>
+            <a:picLocks noChangeAspect="1"/>
+          </p:cNvPicPr>
+          <p:nvPr/>
+        </p:nvPicPr>
+        <p:blipFill>
+          <a:blip r:embed="rId2"/>
+          <a:stretch>
+            <a:fillRect/>
+          </a:stretch>
+        </p:blipFill>
+        <p:spPr>
+          <a:xfrm>
+            <a:off x="3048000" y="304800"/>
+            <a:ext cx="5361596" cy="6248400"/>
+          </a:xfrm>
+          <a:prstGeom prst="rect">
+            <a:avLst/>
+          </a:prstGeom>
+          <a:ln>
+            <a:solidFill>
+              <a:schemeClr val="tx1"/>
+            </a:solidFill>
+          </a:ln>
+        </p:spPr>
+      </p:pic>
       <p:sp>
         <p:nvSpPr>
           <p:cNvPr id="39938" name="Rectangle 2"/>
@@ -14765,35 +14840,6 @@
           </a:p>
         </p:txBody>
       </p:sp>
-      <p:pic>
-        <p:nvPicPr>
-          <p:cNvPr id="3" name="Picture 2"/>
-          <p:cNvPicPr>
-            <a:picLocks noChangeAspect="1"/>
-          </p:cNvPicPr>
-          <p:nvPr/>
-        </p:nvPicPr>
-        <p:blipFill>
-          <a:blip r:embed="rId2"/>
-          <a:stretch>
-            <a:fillRect/>
-          </a:stretch>
-        </p:blipFill>
-        <p:spPr>
-          <a:xfrm>
-            <a:off x="3505200" y="274637"/>
-            <a:ext cx="5344701" cy="6202363"/>
-          </a:xfrm>
-          <a:prstGeom prst="rect">
-            <a:avLst/>
-          </a:prstGeom>
-          <a:ln>
-            <a:solidFill>
-              <a:schemeClr val="tx1"/>
-            </a:solidFill>
-          </a:ln>
-        </p:spPr>
-      </p:pic>
       <p:sp>
         <p:nvSpPr>
           <p:cNvPr id="4" name="Left Arrow 3"/>
@@ -14802,7 +14848,7 @@
         </p:nvSpPr>
         <p:spPr bwMode="auto">
           <a:xfrm>
-            <a:off x="6019800" y="3048000"/>
+            <a:off x="5575302" y="2514600"/>
             <a:ext cx="533400" cy="381000"/>
           </a:xfrm>
           <a:prstGeom prst="leftArrow">
@@ -14950,122 +14996,6 @@
           </a:p>
         </p:txBody>
       </p:sp>
-      <p:pic>
-        <p:nvPicPr>
-          <p:cNvPr id="3" name="Picture 2"/>
-          <p:cNvPicPr>
-            <a:picLocks noChangeAspect="1"/>
-          </p:cNvPicPr>
-          <p:nvPr/>
-        </p:nvPicPr>
-        <p:blipFill>
-          <a:blip r:embed="rId2"/>
-          <a:stretch>
-            <a:fillRect/>
-          </a:stretch>
-        </p:blipFill>
-        <p:spPr>
-          <a:xfrm>
-            <a:off x="457200" y="1600200"/>
-            <a:ext cx="4394200" cy="2658676"/>
-          </a:xfrm>
-          <a:prstGeom prst="rect">
-            <a:avLst/>
-          </a:prstGeom>
-          <a:ln>
-            <a:solidFill>
-              <a:schemeClr val="tx1"/>
-            </a:solidFill>
-          </a:ln>
-        </p:spPr>
-      </p:pic>
-      <p:pic>
-        <p:nvPicPr>
-          <p:cNvPr id="4" name="Picture 3"/>
-          <p:cNvPicPr>
-            <a:picLocks noChangeAspect="1"/>
-          </p:cNvPicPr>
-          <p:nvPr/>
-        </p:nvPicPr>
-        <p:blipFill>
-          <a:blip r:embed="rId3"/>
-          <a:stretch>
-            <a:fillRect/>
-          </a:stretch>
-        </p:blipFill>
-        <p:spPr>
-          <a:xfrm>
-            <a:off x="533400" y="4648200"/>
-            <a:ext cx="3695700" cy="1399886"/>
-          </a:xfrm>
-          <a:prstGeom prst="rect">
-            <a:avLst/>
-          </a:prstGeom>
-          <a:ln>
-            <a:solidFill>
-              <a:schemeClr val="tx1"/>
-            </a:solidFill>
-          </a:ln>
-        </p:spPr>
-      </p:pic>
-      <p:pic>
-        <p:nvPicPr>
-          <p:cNvPr id="5" name="Picture 4"/>
-          <p:cNvPicPr>
-            <a:picLocks noChangeAspect="1"/>
-          </p:cNvPicPr>
-          <p:nvPr/>
-        </p:nvPicPr>
-        <p:blipFill>
-          <a:blip r:embed="rId4"/>
-          <a:stretch>
-            <a:fillRect/>
-          </a:stretch>
-        </p:blipFill>
-        <p:spPr>
-          <a:xfrm>
-            <a:off x="4495800" y="1417638"/>
-            <a:ext cx="3092759" cy="1756976"/>
-          </a:xfrm>
-          <a:prstGeom prst="rect">
-            <a:avLst/>
-          </a:prstGeom>
-          <a:ln>
-            <a:solidFill>
-              <a:schemeClr val="tx1"/>
-            </a:solidFill>
-          </a:ln>
-        </p:spPr>
-      </p:pic>
-      <p:pic>
-        <p:nvPicPr>
-          <p:cNvPr id="6" name="Picture 5"/>
-          <p:cNvPicPr>
-            <a:picLocks noChangeAspect="1"/>
-          </p:cNvPicPr>
-          <p:nvPr/>
-        </p:nvPicPr>
-        <p:blipFill>
-          <a:blip r:embed="rId5"/>
-          <a:stretch>
-            <a:fillRect/>
-          </a:stretch>
-        </p:blipFill>
-        <p:spPr>
-          <a:xfrm>
-            <a:off x="4224618" y="3357176"/>
-            <a:ext cx="4615155" cy="2252276"/>
-          </a:xfrm>
-          <a:prstGeom prst="rect">
-            <a:avLst/>
-          </a:prstGeom>
-          <a:ln>
-            <a:solidFill>
-              <a:schemeClr val="tx1"/>
-            </a:solidFill>
-          </a:ln>
-        </p:spPr>
-      </p:pic>
       <p:sp>
         <p:nvSpPr>
           <p:cNvPr id="7" name="TextBox 6"/>
@@ -15100,6 +15030,576 @@
               <a:rPr lang="en-US" sz="1400" dirty="0"/>
               <a:t> everything else is the same as the Cuppa1 interpreter!</a:t>
             </a:r>
+          </a:p>
+        </p:txBody>
+      </p:sp>
+      <p:pic>
+        <p:nvPicPr>
+          <p:cNvPr id="8" name="Picture 7">
+            <a:extLst>
+              <a:ext uri="{FF2B5EF4-FFF2-40B4-BE49-F238E27FC236}">
+                <a16:creationId xmlns:a16="http://schemas.microsoft.com/office/drawing/2014/main" id="{79FAB36C-E2CB-6343-A7AD-55B5413F443A}"/>
+              </a:ext>
+            </a:extLst>
+          </p:cNvPr>
+          <p:cNvPicPr>
+            <a:picLocks noChangeAspect="1"/>
+          </p:cNvPicPr>
+          <p:nvPr/>
+        </p:nvPicPr>
+        <p:blipFill>
+          <a:blip r:embed="rId2"/>
+          <a:stretch>
+            <a:fillRect/>
+          </a:stretch>
+        </p:blipFill>
+        <p:spPr>
+          <a:xfrm>
+            <a:off x="834870" y="1698259"/>
+            <a:ext cx="3092759" cy="1378295"/>
+          </a:xfrm>
+          <a:prstGeom prst="rect">
+            <a:avLst/>
+          </a:prstGeom>
+          <a:ln>
+            <a:solidFill>
+              <a:schemeClr val="tx1"/>
+            </a:solidFill>
+          </a:ln>
+        </p:spPr>
+      </p:pic>
+      <p:pic>
+        <p:nvPicPr>
+          <p:cNvPr id="9" name="Picture 8">
+            <a:extLst>
+              <a:ext uri="{FF2B5EF4-FFF2-40B4-BE49-F238E27FC236}">
+                <a16:creationId xmlns:a16="http://schemas.microsoft.com/office/drawing/2014/main" id="{F9DC222A-1C44-BA42-8432-D5E40FE2C641}"/>
+              </a:ext>
+            </a:extLst>
+          </p:cNvPr>
+          <p:cNvPicPr>
+            <a:picLocks noChangeAspect="1"/>
+          </p:cNvPicPr>
+          <p:nvPr/>
+        </p:nvPicPr>
+        <p:blipFill>
+          <a:blip r:embed="rId3"/>
+          <a:stretch>
+            <a:fillRect/>
+          </a:stretch>
+        </p:blipFill>
+        <p:spPr>
+          <a:xfrm>
+            <a:off x="600229" y="3733800"/>
+            <a:ext cx="3092759" cy="1514067"/>
+          </a:xfrm>
+          <a:prstGeom prst="rect">
+            <a:avLst/>
+          </a:prstGeom>
+          <a:ln>
+            <a:solidFill>
+              <a:schemeClr val="tx1"/>
+            </a:solidFill>
+          </a:ln>
+        </p:spPr>
+      </p:pic>
+      <p:sp>
+        <p:nvSpPr>
+          <p:cNvPr id="10" name="Up Arrow 9">
+            <a:extLst>
+              <a:ext uri="{FF2B5EF4-FFF2-40B4-BE49-F238E27FC236}">
+                <a16:creationId xmlns:a16="http://schemas.microsoft.com/office/drawing/2014/main" id="{D10F1099-3734-7C4A-A38D-BC9EFE5B3E41}"/>
+              </a:ext>
+            </a:extLst>
+          </p:cNvPr>
+          <p:cNvSpPr/>
+          <p:nvPr/>
+        </p:nvSpPr>
+        <p:spPr bwMode="auto">
+          <a:xfrm>
+            <a:off x="2133600" y="2743200"/>
+            <a:ext cx="152400" cy="355214"/>
+          </a:xfrm>
+          <a:prstGeom prst="upArrow">
+            <a:avLst/>
+          </a:prstGeom>
+          <a:solidFill>
+            <a:srgbClr val="FF0000"/>
+          </a:solidFill>
+          <a:ln w="9525" cap="flat" cmpd="sng" algn="ctr">
+            <a:solidFill>
+              <a:schemeClr val="tx1"/>
+            </a:solidFill>
+            <a:prstDash val="solid"/>
+            <a:round/>
+            <a:headEnd type="none" w="med" len="med"/>
+            <a:tailEnd type="none" w="med" len="med"/>
+          </a:ln>
+          <a:effectLst/>
+          <a:extLst>
+            <a:ext uri="{AF507438-7753-43e0-B8FC-AC1667EBCBE1}">
+              <a14:hiddenEffects xmlns="" xmlns:a14="http://schemas.microsoft.com/office/drawing/2010/main">
+                <a:effectLst>
+                  <a:outerShdw blurRad="63500" dist="38099" dir="2700000" algn="ctr" rotWithShape="0">
+                    <a:schemeClr val="bg2">
+                      <a:alpha val="74998"/>
+                    </a:schemeClr>
+                  </a:outerShdw>
+                </a:effectLst>
+              </a14:hiddenEffects>
+            </a:ext>
+          </a:extLst>
+        </p:spPr>
+        <p:txBody>
+          <a:bodyPr vert="horz" wrap="square" lIns="91440" tIns="45720" rIns="91440" bIns="45720" numCol="1" rtlCol="0" anchor="t" anchorCtr="0" compatLnSpc="1">
+            <a:prstTxWarp prst="textNoShape">
+              <a:avLst/>
+            </a:prstTxWarp>
+          </a:bodyPr>
+          <a:lstStyle/>
+          <a:p>
+            <a:pPr marL="0" marR="0" indent="0" algn="l" defTabSz="914400" rtl="0" eaLnBrk="0" fontAlgn="base" latinLnBrk="0" hangingPunct="0">
+              <a:lnSpc>
+                <a:spcPct val="100000"/>
+              </a:lnSpc>
+              <a:spcBef>
+                <a:spcPct val="0"/>
+              </a:spcBef>
+              <a:spcAft>
+                <a:spcPct val="0"/>
+              </a:spcAft>
+              <a:buClrTx/>
+              <a:buSzTx/>
+              <a:buFontTx/>
+              <a:buNone/>
+              <a:tabLst/>
+            </a:pPr>
+            <a:endParaRPr kumimoji="0" lang="en-US" sz="2400" b="0" i="0" u="none" strike="noStrike" cap="none" normalizeH="0" baseline="0">
+              <a:ln>
+                <a:noFill/>
+              </a:ln>
+              <a:solidFill>
+                <a:srgbClr val="000000"/>
+              </a:solidFill>
+              <a:effectLst/>
+              <a:latin typeface="Arial" charset="0"/>
+              <a:ea typeface="ＭＳ Ｐゴシック" charset="0"/>
+              <a:cs typeface="ＭＳ Ｐゴシック" charset="0"/>
+            </a:endParaRPr>
+          </a:p>
+        </p:txBody>
+      </p:sp>
+      <p:sp>
+        <p:nvSpPr>
+          <p:cNvPr id="11" name="Up Arrow 10">
+            <a:extLst>
+              <a:ext uri="{FF2B5EF4-FFF2-40B4-BE49-F238E27FC236}">
+                <a16:creationId xmlns:a16="http://schemas.microsoft.com/office/drawing/2014/main" id="{1C811DC6-9F5B-5449-B4CF-D08706A9384F}"/>
+              </a:ext>
+            </a:extLst>
+          </p:cNvPr>
+          <p:cNvSpPr/>
+          <p:nvPr/>
+        </p:nvSpPr>
+        <p:spPr bwMode="auto">
+          <a:xfrm>
+            <a:off x="2171700" y="4813205"/>
+            <a:ext cx="152400" cy="355214"/>
+          </a:xfrm>
+          <a:prstGeom prst="upArrow">
+            <a:avLst/>
+          </a:prstGeom>
+          <a:solidFill>
+            <a:srgbClr val="FF0000"/>
+          </a:solidFill>
+          <a:ln w="9525" cap="flat" cmpd="sng" algn="ctr">
+            <a:solidFill>
+              <a:schemeClr val="tx1"/>
+            </a:solidFill>
+            <a:prstDash val="solid"/>
+            <a:round/>
+            <a:headEnd type="none" w="med" len="med"/>
+            <a:tailEnd type="none" w="med" len="med"/>
+          </a:ln>
+          <a:effectLst/>
+          <a:extLst>
+            <a:ext uri="{AF507438-7753-43e0-B8FC-AC1667EBCBE1}">
+              <a14:hiddenEffects xmlns="" xmlns:a14="http://schemas.microsoft.com/office/drawing/2010/main">
+                <a:effectLst>
+                  <a:outerShdw blurRad="63500" dist="38099" dir="2700000" algn="ctr" rotWithShape="0">
+                    <a:schemeClr val="bg2">
+                      <a:alpha val="74998"/>
+                    </a:schemeClr>
+                  </a:outerShdw>
+                </a:effectLst>
+              </a14:hiddenEffects>
+            </a:ext>
+          </a:extLst>
+        </p:spPr>
+        <p:txBody>
+          <a:bodyPr vert="horz" wrap="square" lIns="91440" tIns="45720" rIns="91440" bIns="45720" numCol="1" rtlCol="0" anchor="t" anchorCtr="0" compatLnSpc="1">
+            <a:prstTxWarp prst="textNoShape">
+              <a:avLst/>
+            </a:prstTxWarp>
+          </a:bodyPr>
+          <a:lstStyle/>
+          <a:p>
+            <a:pPr marL="0" marR="0" indent="0" algn="l" defTabSz="914400" rtl="0" eaLnBrk="0" fontAlgn="base" latinLnBrk="0" hangingPunct="0">
+              <a:lnSpc>
+                <a:spcPct val="100000"/>
+              </a:lnSpc>
+              <a:spcBef>
+                <a:spcPct val="0"/>
+              </a:spcBef>
+              <a:spcAft>
+                <a:spcPct val="0"/>
+              </a:spcAft>
+              <a:buClrTx/>
+              <a:buSzTx/>
+              <a:buFontTx/>
+              <a:buNone/>
+              <a:tabLst/>
+            </a:pPr>
+            <a:endParaRPr kumimoji="0" lang="en-US" sz="2400" b="0" i="0" u="none" strike="noStrike" cap="none" normalizeH="0" baseline="0">
+              <a:ln>
+                <a:noFill/>
+              </a:ln>
+              <a:solidFill>
+                <a:srgbClr val="000000"/>
+              </a:solidFill>
+              <a:effectLst/>
+              <a:latin typeface="Arial" charset="0"/>
+              <a:ea typeface="ＭＳ Ｐゴシック" charset="0"/>
+              <a:cs typeface="ＭＳ Ｐゴシック" charset="0"/>
+            </a:endParaRPr>
+          </a:p>
+        </p:txBody>
+      </p:sp>
+      <p:pic>
+        <p:nvPicPr>
+          <p:cNvPr id="12" name="Picture 11">
+            <a:extLst>
+              <a:ext uri="{FF2B5EF4-FFF2-40B4-BE49-F238E27FC236}">
+                <a16:creationId xmlns:a16="http://schemas.microsoft.com/office/drawing/2014/main" id="{E9180E27-0433-7A4E-BE92-F75F059F2B2E}"/>
+              </a:ext>
+            </a:extLst>
+          </p:cNvPr>
+          <p:cNvPicPr>
+            <a:picLocks noChangeAspect="1"/>
+          </p:cNvPicPr>
+          <p:nvPr/>
+        </p:nvPicPr>
+        <p:blipFill>
+          <a:blip r:embed="rId4"/>
+          <a:stretch>
+            <a:fillRect/>
+          </a:stretch>
+        </p:blipFill>
+        <p:spPr>
+          <a:xfrm>
+            <a:off x="4512136" y="1198747"/>
+            <a:ext cx="2498264" cy="1783075"/>
+          </a:xfrm>
+          <a:prstGeom prst="rect">
+            <a:avLst/>
+          </a:prstGeom>
+          <a:ln>
+            <a:solidFill>
+              <a:schemeClr val="tx1"/>
+            </a:solidFill>
+          </a:ln>
+        </p:spPr>
+      </p:pic>
+      <p:sp>
+        <p:nvSpPr>
+          <p:cNvPr id="13" name="Up Arrow 12">
+            <a:extLst>
+              <a:ext uri="{FF2B5EF4-FFF2-40B4-BE49-F238E27FC236}">
+                <a16:creationId xmlns:a16="http://schemas.microsoft.com/office/drawing/2014/main" id="{D5F56931-2217-FF47-B0FC-2E9D5098A85E}"/>
+              </a:ext>
+            </a:extLst>
+          </p:cNvPr>
+          <p:cNvSpPr/>
+          <p:nvPr/>
+        </p:nvSpPr>
+        <p:spPr bwMode="auto">
+          <a:xfrm rot="16200000">
+            <a:off x="7035607" y="1879793"/>
+            <a:ext cx="152400" cy="355214"/>
+          </a:xfrm>
+          <a:prstGeom prst="upArrow">
+            <a:avLst/>
+          </a:prstGeom>
+          <a:solidFill>
+            <a:srgbClr val="FF0000"/>
+          </a:solidFill>
+          <a:ln w="9525" cap="flat" cmpd="sng" algn="ctr">
+            <a:solidFill>
+              <a:schemeClr val="tx1"/>
+            </a:solidFill>
+            <a:prstDash val="solid"/>
+            <a:round/>
+            <a:headEnd type="none" w="med" len="med"/>
+            <a:tailEnd type="none" w="med" len="med"/>
+          </a:ln>
+          <a:effectLst/>
+          <a:extLst>
+            <a:ext uri="{AF507438-7753-43e0-B8FC-AC1667EBCBE1}">
+              <a14:hiddenEffects xmlns="" xmlns:a14="http://schemas.microsoft.com/office/drawing/2010/main">
+                <a:effectLst>
+                  <a:outerShdw blurRad="63500" dist="38099" dir="2700000" algn="ctr" rotWithShape="0">
+                    <a:schemeClr val="bg2">
+                      <a:alpha val="74998"/>
+                    </a:schemeClr>
+                  </a:outerShdw>
+                </a:effectLst>
+              </a14:hiddenEffects>
+            </a:ext>
+          </a:extLst>
+        </p:spPr>
+        <p:txBody>
+          <a:bodyPr vert="horz" wrap="square" lIns="91440" tIns="45720" rIns="91440" bIns="45720" numCol="1" rtlCol="0" anchor="t" anchorCtr="0" compatLnSpc="1">
+            <a:prstTxWarp prst="textNoShape">
+              <a:avLst/>
+            </a:prstTxWarp>
+          </a:bodyPr>
+          <a:lstStyle/>
+          <a:p>
+            <a:pPr marL="0" marR="0" indent="0" algn="l" defTabSz="914400" rtl="0" eaLnBrk="0" fontAlgn="base" latinLnBrk="0" hangingPunct="0">
+              <a:lnSpc>
+                <a:spcPct val="100000"/>
+              </a:lnSpc>
+              <a:spcBef>
+                <a:spcPct val="0"/>
+              </a:spcBef>
+              <a:spcAft>
+                <a:spcPct val="0"/>
+              </a:spcAft>
+              <a:buClrTx/>
+              <a:buSzTx/>
+              <a:buFontTx/>
+              <a:buNone/>
+              <a:tabLst/>
+            </a:pPr>
+            <a:endParaRPr kumimoji="0" lang="en-US" sz="2400" b="0" i="0" u="none" strike="noStrike" cap="none" normalizeH="0" baseline="0">
+              <a:ln>
+                <a:noFill/>
+              </a:ln>
+              <a:solidFill>
+                <a:srgbClr val="000000"/>
+              </a:solidFill>
+              <a:effectLst/>
+              <a:latin typeface="Arial" charset="0"/>
+              <a:ea typeface="ＭＳ Ｐゴシック" charset="0"/>
+              <a:cs typeface="ＭＳ Ｐゴシック" charset="0"/>
+            </a:endParaRPr>
+          </a:p>
+        </p:txBody>
+      </p:sp>
+      <p:sp>
+        <p:nvSpPr>
+          <p:cNvPr id="14" name="Up Arrow 13">
+            <a:extLst>
+              <a:ext uri="{FF2B5EF4-FFF2-40B4-BE49-F238E27FC236}">
+                <a16:creationId xmlns:a16="http://schemas.microsoft.com/office/drawing/2014/main" id="{934895A2-F378-3E47-9834-185E8B44C6D0}"/>
+              </a:ext>
+            </a:extLst>
+          </p:cNvPr>
+          <p:cNvSpPr/>
+          <p:nvPr/>
+        </p:nvSpPr>
+        <p:spPr bwMode="auto">
+          <a:xfrm rot="16200000">
+            <a:off x="6883207" y="2260793"/>
+            <a:ext cx="152400" cy="355214"/>
+          </a:xfrm>
+          <a:prstGeom prst="upArrow">
+            <a:avLst/>
+          </a:prstGeom>
+          <a:solidFill>
+            <a:srgbClr val="FF0000"/>
+          </a:solidFill>
+          <a:ln w="9525" cap="flat" cmpd="sng" algn="ctr">
+            <a:solidFill>
+              <a:schemeClr val="tx1"/>
+            </a:solidFill>
+            <a:prstDash val="solid"/>
+            <a:round/>
+            <a:headEnd type="none" w="med" len="med"/>
+            <a:tailEnd type="none" w="med" len="med"/>
+          </a:ln>
+          <a:effectLst/>
+          <a:extLst>
+            <a:ext uri="{AF507438-7753-43e0-B8FC-AC1667EBCBE1}">
+              <a14:hiddenEffects xmlns="" xmlns:a14="http://schemas.microsoft.com/office/drawing/2010/main">
+                <a:effectLst>
+                  <a:outerShdw blurRad="63500" dist="38099" dir="2700000" algn="ctr" rotWithShape="0">
+                    <a:schemeClr val="bg2">
+                      <a:alpha val="74998"/>
+                    </a:schemeClr>
+                  </a:outerShdw>
+                </a:effectLst>
+              </a14:hiddenEffects>
+            </a:ext>
+          </a:extLst>
+        </p:spPr>
+        <p:txBody>
+          <a:bodyPr vert="horz" wrap="square" lIns="91440" tIns="45720" rIns="91440" bIns="45720" numCol="1" rtlCol="0" anchor="t" anchorCtr="0" compatLnSpc="1">
+            <a:prstTxWarp prst="textNoShape">
+              <a:avLst/>
+            </a:prstTxWarp>
+          </a:bodyPr>
+          <a:lstStyle/>
+          <a:p>
+            <a:pPr marL="0" marR="0" indent="0" algn="l" defTabSz="914400" rtl="0" eaLnBrk="0" fontAlgn="base" latinLnBrk="0" hangingPunct="0">
+              <a:lnSpc>
+                <a:spcPct val="100000"/>
+              </a:lnSpc>
+              <a:spcBef>
+                <a:spcPct val="0"/>
+              </a:spcBef>
+              <a:spcAft>
+                <a:spcPct val="0"/>
+              </a:spcAft>
+              <a:buClrTx/>
+              <a:buSzTx/>
+              <a:buFontTx/>
+              <a:buNone/>
+              <a:tabLst/>
+            </a:pPr>
+            <a:endParaRPr kumimoji="0" lang="en-US" sz="2400" b="0" i="0" u="none" strike="noStrike" cap="none" normalizeH="0" baseline="0">
+              <a:ln>
+                <a:noFill/>
+              </a:ln>
+              <a:solidFill>
+                <a:srgbClr val="000000"/>
+              </a:solidFill>
+              <a:effectLst/>
+              <a:latin typeface="Arial" charset="0"/>
+              <a:ea typeface="ＭＳ Ｐゴシック" charset="0"/>
+              <a:cs typeface="ＭＳ Ｐゴシック" charset="0"/>
+            </a:endParaRPr>
+          </a:p>
+        </p:txBody>
+      </p:sp>
+      <p:pic>
+        <p:nvPicPr>
+          <p:cNvPr id="15" name="Picture 14">
+            <a:extLst>
+              <a:ext uri="{FF2B5EF4-FFF2-40B4-BE49-F238E27FC236}">
+                <a16:creationId xmlns:a16="http://schemas.microsoft.com/office/drawing/2014/main" id="{BDCE238A-A766-DF4A-9215-757F882A7671}"/>
+              </a:ext>
+            </a:extLst>
+          </p:cNvPr>
+          <p:cNvPicPr>
+            <a:picLocks noChangeAspect="1"/>
+          </p:cNvPicPr>
+          <p:nvPr/>
+        </p:nvPicPr>
+        <p:blipFill>
+          <a:blip r:embed="rId5"/>
+          <a:stretch>
+            <a:fillRect/>
+          </a:stretch>
+        </p:blipFill>
+        <p:spPr>
+          <a:xfrm>
+            <a:off x="4114800" y="3276600"/>
+            <a:ext cx="4298950" cy="2277371"/>
+          </a:xfrm>
+          <a:prstGeom prst="rect">
+            <a:avLst/>
+          </a:prstGeom>
+          <a:ln>
+            <a:solidFill>
+              <a:schemeClr val="tx1"/>
+            </a:solidFill>
+          </a:ln>
+        </p:spPr>
+      </p:pic>
+      <p:sp>
+        <p:nvSpPr>
+          <p:cNvPr id="16" name="Up Arrow 15">
+            <a:extLst>
+              <a:ext uri="{FF2B5EF4-FFF2-40B4-BE49-F238E27FC236}">
+                <a16:creationId xmlns:a16="http://schemas.microsoft.com/office/drawing/2014/main" id="{D7421EAD-1619-5844-A308-F43F2E4A9051}"/>
+              </a:ext>
+            </a:extLst>
+          </p:cNvPr>
+          <p:cNvSpPr/>
+          <p:nvPr/>
+        </p:nvSpPr>
+        <p:spPr bwMode="auto">
+          <a:xfrm>
+            <a:off x="5615217" y="5247867"/>
+            <a:ext cx="152400" cy="355214"/>
+          </a:xfrm>
+          <a:prstGeom prst="upArrow">
+            <a:avLst/>
+          </a:prstGeom>
+          <a:solidFill>
+            <a:srgbClr val="FF0000"/>
+          </a:solidFill>
+          <a:ln w="9525" cap="flat" cmpd="sng" algn="ctr">
+            <a:solidFill>
+              <a:schemeClr val="tx1"/>
+            </a:solidFill>
+            <a:prstDash val="solid"/>
+            <a:round/>
+            <a:headEnd type="none" w="med" len="med"/>
+            <a:tailEnd type="none" w="med" len="med"/>
+          </a:ln>
+          <a:effectLst/>
+          <a:extLst>
+            <a:ext uri="{AF507438-7753-43e0-B8FC-AC1667EBCBE1}">
+              <a14:hiddenEffects xmlns="" xmlns:a14="http://schemas.microsoft.com/office/drawing/2010/main">
+                <a:effectLst>
+                  <a:outerShdw blurRad="63500" dist="38099" dir="2700000" algn="ctr" rotWithShape="0">
+                    <a:schemeClr val="bg2">
+                      <a:alpha val="74998"/>
+                    </a:schemeClr>
+                  </a:outerShdw>
+                </a:effectLst>
+              </a14:hiddenEffects>
+            </a:ext>
+          </a:extLst>
+        </p:spPr>
+        <p:txBody>
+          <a:bodyPr vert="horz" wrap="square" lIns="91440" tIns="45720" rIns="91440" bIns="45720" numCol="1" rtlCol="0" anchor="t" anchorCtr="0" compatLnSpc="1">
+            <a:prstTxWarp prst="textNoShape">
+              <a:avLst/>
+            </a:prstTxWarp>
+          </a:bodyPr>
+          <a:lstStyle/>
+          <a:p>
+            <a:pPr marL="0" marR="0" indent="0" algn="l" defTabSz="914400" rtl="0" eaLnBrk="0" fontAlgn="base" latinLnBrk="0" hangingPunct="0">
+              <a:lnSpc>
+                <a:spcPct val="100000"/>
+              </a:lnSpc>
+              <a:spcBef>
+                <a:spcPct val="0"/>
+              </a:spcBef>
+              <a:spcAft>
+                <a:spcPct val="0"/>
+              </a:spcAft>
+              <a:buClrTx/>
+              <a:buSzTx/>
+              <a:buFontTx/>
+              <a:buNone/>
+              <a:tabLst/>
+            </a:pPr>
+            <a:endParaRPr kumimoji="0" lang="en-US" sz="2400" b="0" i="0" u="none" strike="noStrike" cap="none" normalizeH="0" baseline="0">
+              <a:ln>
+                <a:noFill/>
+              </a:ln>
+              <a:solidFill>
+                <a:srgbClr val="000000"/>
+              </a:solidFill>
+              <a:effectLst/>
+              <a:latin typeface="Arial" charset="0"/>
+              <a:ea typeface="ＭＳ Ｐゴシック" charset="0"/>
+              <a:cs typeface="ＭＳ Ｐゴシック" charset="0"/>
+            </a:endParaRPr>
           </a:p>
         </p:txBody>
       </p:sp>
@@ -15894,41 +16394,6 @@
           </a:p>
         </p:txBody>
       </p:sp>
-      <p:sp>
-        <p:nvSpPr>
-          <p:cNvPr id="2" name="TextBox 1">
-            <a:extLst>
-              <a:ext uri="{FF2B5EF4-FFF2-40B4-BE49-F238E27FC236}">
-                <a16:creationId xmlns:a16="http://schemas.microsoft.com/office/drawing/2014/main" id="{CCB713A9-0DF9-9545-B7E4-F3363BC8A1EA}"/>
-              </a:ext>
-            </a:extLst>
-          </p:cNvPr>
-          <p:cNvSpPr txBox="1"/>
-          <p:nvPr/>
-        </p:nvSpPr>
-        <p:spPr>
-          <a:xfrm>
-            <a:off x="924560" y="2661920"/>
-            <a:ext cx="529312" cy="246221"/>
-          </a:xfrm>
-          <a:prstGeom prst="rect">
-            <a:avLst/>
-          </a:prstGeom>
-          <a:noFill/>
-        </p:spPr>
-        <p:txBody>
-          <a:bodyPr wrap="none" rtlCol="0">
-            <a:spAutoFit/>
-          </a:bodyPr>
-          <a:lstStyle/>
-          <a:p>
-            <a:r>
-              <a:rPr lang="en-US" dirty="0"/>
-              <a:t>X-&gt;10</a:t>
-            </a:r>
-          </a:p>
-        </p:txBody>
-      </p:sp>
     </p:spTree>
   </p:cSld>
   <p:clrMapOvr>
@@ -16323,6 +16788,36 @@
           <a:chExt cx="0" cy="0"/>
         </a:xfrm>
       </p:grpSpPr>
+      <p:pic>
+        <p:nvPicPr>
+          <p:cNvPr id="3" name="Picture 2">
+            <a:extLst>
+              <a:ext uri="{FF2B5EF4-FFF2-40B4-BE49-F238E27FC236}">
+                <a16:creationId xmlns:a16="http://schemas.microsoft.com/office/drawing/2014/main" id="{1CD40458-FEA3-A546-928A-9817C2F070EF}"/>
+              </a:ext>
+            </a:extLst>
+          </p:cNvPr>
+          <p:cNvPicPr>
+            <a:picLocks noChangeAspect="1"/>
+          </p:cNvPicPr>
+          <p:nvPr/>
+        </p:nvPicPr>
+        <p:blipFill>
+          <a:blip r:embed="rId2"/>
+          <a:stretch>
+            <a:fillRect/>
+          </a:stretch>
+        </p:blipFill>
+        <p:spPr>
+          <a:xfrm>
+            <a:off x="228600" y="1600200"/>
+            <a:ext cx="7543800" cy="4621978"/>
+          </a:xfrm>
+          <a:prstGeom prst="rect">
+            <a:avLst/>
+          </a:prstGeom>
+        </p:spPr>
+      </p:pic>
       <p:sp>
         <p:nvSpPr>
           <p:cNvPr id="2" name="Title 1"/>
@@ -16345,64 +16840,6 @@
           </a:p>
         </p:txBody>
       </p:sp>
-      <p:pic>
-        <p:nvPicPr>
-          <p:cNvPr id="4" name="Picture 3"/>
-          <p:cNvPicPr>
-            <a:picLocks noChangeAspect="1"/>
-          </p:cNvPicPr>
-          <p:nvPr/>
-        </p:nvPicPr>
-        <p:blipFill>
-          <a:blip r:embed="rId2"/>
-          <a:stretch>
-            <a:fillRect/>
-          </a:stretch>
-        </p:blipFill>
-        <p:spPr>
-          <a:xfrm>
-            <a:off x="4800600" y="50800"/>
-            <a:ext cx="3352800" cy="6756400"/>
-          </a:xfrm>
-          <a:prstGeom prst="rect">
-            <a:avLst/>
-          </a:prstGeom>
-          <a:ln>
-            <a:solidFill>
-              <a:schemeClr val="tx1"/>
-            </a:solidFill>
-          </a:ln>
-        </p:spPr>
-      </p:pic>
-      <p:sp>
-        <p:nvSpPr>
-          <p:cNvPr id="5" name="TextBox 4"/>
-          <p:cNvSpPr txBox="1"/>
-          <p:nvPr/>
-        </p:nvSpPr>
-        <p:spPr>
-          <a:xfrm>
-            <a:off x="717176" y="2545976"/>
-            <a:ext cx="1516762" cy="307777"/>
-          </a:xfrm>
-          <a:prstGeom prst="rect">
-            <a:avLst/>
-          </a:prstGeom>
-          <a:noFill/>
-        </p:spPr>
-        <p:txBody>
-          <a:bodyPr wrap="none" rtlCol="0">
-            <a:spAutoFit/>
-          </a:bodyPr>
-          <a:lstStyle/>
-          <a:p>
-            <a:r>
-              <a:rPr lang="en-US" sz="1400" dirty="0"/>
-              <a:t>cuppa2_gram.py</a:t>
-            </a:r>
-          </a:p>
-        </p:txBody>
-      </p:sp>
       <p:sp>
         <p:nvSpPr>
           <p:cNvPr id="6" name="Left Arrow 5"/>
@@ -16411,8 +16848,8 @@
         </p:nvSpPr>
         <p:spPr bwMode="auto">
           <a:xfrm>
-            <a:off x="8001000" y="914400"/>
-            <a:ext cx="685800" cy="457200"/>
+            <a:off x="3276600" y="2286000"/>
+            <a:ext cx="685800" cy="381000"/>
           </a:xfrm>
           <a:prstGeom prst="leftArrow">
             <a:avLst/>
@@ -16483,6 +16920,41 @@
           </a:p>
         </p:txBody>
       </p:sp>
+      <p:pic>
+        <p:nvPicPr>
+          <p:cNvPr id="7" name="Picture 6">
+            <a:extLst>
+              <a:ext uri="{FF2B5EF4-FFF2-40B4-BE49-F238E27FC236}">
+                <a16:creationId xmlns:a16="http://schemas.microsoft.com/office/drawing/2014/main" id="{C04EF70A-3036-B744-A442-D372AD254C06}"/>
+              </a:ext>
+            </a:extLst>
+          </p:cNvPr>
+          <p:cNvPicPr>
+            <a:picLocks noChangeAspect="1"/>
+          </p:cNvPicPr>
+          <p:nvPr/>
+        </p:nvPicPr>
+        <p:blipFill>
+          <a:blip r:embed="rId3"/>
+          <a:stretch>
+            <a:fillRect/>
+          </a:stretch>
+        </p:blipFill>
+        <p:spPr>
+          <a:xfrm>
+            <a:off x="3999470" y="5661427"/>
+            <a:ext cx="4680122" cy="743313"/>
+          </a:xfrm>
+          <a:prstGeom prst="rect">
+            <a:avLst/>
+          </a:prstGeom>
+          <a:ln>
+            <a:solidFill>
+              <a:schemeClr val="tx1"/>
+            </a:solidFill>
+          </a:ln>
+        </p:spPr>
+      </p:pic>
     </p:spTree>
     <p:extLst>
       <p:ext uri="{BB962C8B-B14F-4D97-AF65-F5344CB8AC3E}">
@@ -16535,115 +17007,6 @@
           </a:p>
         </p:txBody>
       </p:sp>
-      <p:pic>
-        <p:nvPicPr>
-          <p:cNvPr id="3" name="Picture 2"/>
-          <p:cNvPicPr>
-            <a:picLocks noChangeAspect="1"/>
-          </p:cNvPicPr>
-          <p:nvPr/>
-        </p:nvPicPr>
-        <p:blipFill>
-          <a:blip r:embed="rId2"/>
-          <a:stretch>
-            <a:fillRect/>
-          </a:stretch>
-        </p:blipFill>
-        <p:spPr>
-          <a:xfrm>
-            <a:off x="2819400" y="1383946"/>
-            <a:ext cx="5334000" cy="5321653"/>
-          </a:xfrm>
-          <a:prstGeom prst="rect">
-            <a:avLst/>
-          </a:prstGeom>
-          <a:ln>
-            <a:solidFill>
-              <a:schemeClr val="tx1"/>
-            </a:solidFill>
-          </a:ln>
-        </p:spPr>
-      </p:pic>
-      <p:sp>
-        <p:nvSpPr>
-          <p:cNvPr id="4" name="Left Arrow 3"/>
-          <p:cNvSpPr/>
-          <p:nvPr/>
-        </p:nvSpPr>
-        <p:spPr bwMode="auto">
-          <a:xfrm>
-            <a:off x="6172200" y="3289300"/>
-            <a:ext cx="685800" cy="457200"/>
-          </a:xfrm>
-          <a:prstGeom prst="leftArrow">
-            <a:avLst/>
-          </a:prstGeom>
-          <a:solidFill>
-            <a:srgbClr val="FF0000"/>
-          </a:solidFill>
-          <a:ln w="9525" cap="flat" cmpd="sng" algn="ctr">
-            <a:solidFill>
-              <a:schemeClr val="tx1"/>
-            </a:solidFill>
-            <a:prstDash val="solid"/>
-            <a:round/>
-            <a:headEnd type="none" w="med" len="med"/>
-            <a:tailEnd type="none" w="med" len="med"/>
-          </a:ln>
-          <a:effectLst/>
-          <a:extLst>
-            <a:ext uri="{AF507438-7753-43e0-B8FC-AC1667EBCBE1}">
-              <a14:hiddenEffects xmlns:a14="http://schemas.microsoft.com/office/drawing/2010/main" xmlns="">
-                <a:effectLst>
-                  <a:outerShdw blurRad="63500" dist="38099" dir="2700000" algn="ctr" rotWithShape="0">
-                    <a:schemeClr val="bg2">
-                      <a:alpha val="74998"/>
-                    </a:schemeClr>
-                  </a:outerShdw>
-                </a:effectLst>
-              </a14:hiddenEffects>
-            </a:ext>
-          </a:extLst>
-        </p:spPr>
-        <p:txBody>
-          <a:bodyPr vert="horz" wrap="square" lIns="91440" tIns="45720" rIns="91440" bIns="45720" numCol="1" rtlCol="0" anchor="t" anchorCtr="0" compatLnSpc="1">
-            <a:prstTxWarp prst="textNoShape">
-              <a:avLst/>
-            </a:prstTxWarp>
-          </a:bodyPr>
-          <a:lstStyle/>
-          <a:p>
-            <a:pPr marL="0" marR="0" indent="0" algn="l" defTabSz="914400" rtl="0" eaLnBrk="0" fontAlgn="base" latinLnBrk="0" hangingPunct="0">
-              <a:lnSpc>
-                <a:spcPct val="100000"/>
-              </a:lnSpc>
-              <a:spcBef>
-                <a:spcPct val="0"/>
-              </a:spcBef>
-              <a:spcAft>
-                <a:spcPct val="0"/>
-              </a:spcAft>
-              <a:buClrTx/>
-              <a:buSzTx/>
-              <a:buFontTx/>
-              <a:buNone/>
-              <a:tabLst/>
-            </a:pPr>
-            <a:endParaRPr kumimoji="0" lang="en-US" sz="2400" b="0" i="0" u="none" strike="noStrike" cap="none" normalizeH="0" baseline="0">
-              <a:ln>
-                <a:noFill/>
-              </a:ln>
-              <a:solidFill>
-                <a:srgbClr val="000000"/>
-              </a:solidFill>
-              <a:effectLst/>
-              <a:latin typeface="Arial" charset="0"/>
-              <a:ea typeface="ＭＳ Ｐゴシック" charset="0"/>
-              <a:cs typeface="ＭＳ Ｐゴシック" charset="0"/>
-            </a:endParaRPr>
-          </a:p>
-        </p:txBody>
-      </p:sp>
       <p:sp>
         <p:nvSpPr>
           <p:cNvPr id="5" name="TextBox 4"/>
@@ -16653,7 +17016,7 @@
         <p:spPr>
           <a:xfrm>
             <a:off x="412376" y="2259106"/>
-            <a:ext cx="2271776" cy="307777"/>
+            <a:ext cx="1258678" cy="307777"/>
           </a:xfrm>
           <a:prstGeom prst="rect">
             <a:avLst/>
@@ -16668,7 +17031,213 @@
           <a:p>
             <a:r>
               <a:rPr lang="en-US" sz="1400" dirty="0"/>
-              <a:t>cuppa2_frontend_gram.py</a:t>
+              <a:t>cuppa2_fe.py</a:t>
+            </a:r>
+          </a:p>
+        </p:txBody>
+      </p:sp>
+      <p:grpSp>
+        <p:nvGrpSpPr>
+          <p:cNvPr id="9" name="Group 8">
+            <a:extLst>
+              <a:ext uri="{FF2B5EF4-FFF2-40B4-BE49-F238E27FC236}">
+                <a16:creationId xmlns:a16="http://schemas.microsoft.com/office/drawing/2014/main" id="{029C459E-B0F9-F743-BAE2-C6E2EAFA65E5}"/>
+              </a:ext>
+            </a:extLst>
+          </p:cNvPr>
+          <p:cNvGrpSpPr/>
+          <p:nvPr/>
+        </p:nvGrpSpPr>
+        <p:grpSpPr>
+          <a:xfrm>
+            <a:off x="1828800" y="1968843"/>
+            <a:ext cx="6477000" cy="3669957"/>
+            <a:chOff x="1828800" y="1600200"/>
+            <a:chExt cx="6477000" cy="3669957"/>
+          </a:xfrm>
+        </p:grpSpPr>
+        <p:pic>
+          <p:nvPicPr>
+            <p:cNvPr id="7" name="Picture 6">
+              <a:extLst>
+                <a:ext uri="{FF2B5EF4-FFF2-40B4-BE49-F238E27FC236}">
+                  <a16:creationId xmlns:a16="http://schemas.microsoft.com/office/drawing/2014/main" id="{2057071F-3117-1F43-A0A2-E9218375191F}"/>
+                </a:ext>
+              </a:extLst>
+            </p:cNvPr>
+            <p:cNvPicPr>
+              <a:picLocks noChangeAspect="1"/>
+            </p:cNvPicPr>
+            <p:nvPr/>
+          </p:nvPicPr>
+          <p:blipFill>
+            <a:blip r:embed="rId2"/>
+            <a:stretch>
+              <a:fillRect/>
+            </a:stretch>
+          </p:blipFill>
+          <p:spPr>
+            <a:xfrm>
+              <a:off x="1828800" y="1600200"/>
+              <a:ext cx="6477000" cy="3657600"/>
+            </a:xfrm>
+            <a:prstGeom prst="rect">
+              <a:avLst/>
+            </a:prstGeom>
+            <a:ln>
+              <a:solidFill>
+                <a:schemeClr val="tx1"/>
+              </a:solidFill>
+            </a:ln>
+          </p:spPr>
+        </p:pic>
+        <p:sp>
+          <p:nvSpPr>
+            <p:cNvPr id="4" name="Left Arrow 3"/>
+            <p:cNvSpPr/>
+            <p:nvPr/>
+          </p:nvSpPr>
+          <p:spPr bwMode="auto">
+            <a:xfrm>
+              <a:off x="7086600" y="4648200"/>
+              <a:ext cx="609600" cy="292100"/>
+            </a:xfrm>
+            <a:prstGeom prst="leftArrow">
+              <a:avLst/>
+            </a:prstGeom>
+            <a:solidFill>
+              <a:srgbClr val="FF0000"/>
+            </a:solidFill>
+            <a:ln w="9525" cap="flat" cmpd="sng" algn="ctr">
+              <a:solidFill>
+                <a:schemeClr val="tx1"/>
+              </a:solidFill>
+              <a:prstDash val="solid"/>
+              <a:round/>
+              <a:headEnd type="none" w="med" len="med"/>
+              <a:tailEnd type="none" w="med" len="med"/>
+            </a:ln>
+            <a:effectLst/>
+            <a:extLst>
+              <a:ext uri="{AF507438-7753-43e0-B8FC-AC1667EBCBE1}">
+                <a14:hiddenEffects xmlns:a14="http://schemas.microsoft.com/office/drawing/2010/main" xmlns="">
+                  <a:effectLst>
+                    <a:outerShdw blurRad="63500" dist="38099" dir="2700000" algn="ctr" rotWithShape="0">
+                      <a:schemeClr val="bg2">
+                        <a:alpha val="74998"/>
+                      </a:schemeClr>
+                    </a:outerShdw>
+                  </a:effectLst>
+                </a14:hiddenEffects>
+              </a:ext>
+            </a:extLst>
+          </p:spPr>
+          <p:txBody>
+            <a:bodyPr vert="horz" wrap="square" lIns="91440" tIns="45720" rIns="91440" bIns="45720" numCol="1" rtlCol="0" anchor="t" anchorCtr="0" compatLnSpc="1">
+              <a:prstTxWarp prst="textNoShape">
+                <a:avLst/>
+              </a:prstTxWarp>
+            </a:bodyPr>
+            <a:lstStyle/>
+            <a:p>
+              <a:pPr marL="0" marR="0" indent="0" algn="l" defTabSz="914400" rtl="0" eaLnBrk="0" fontAlgn="base" latinLnBrk="0" hangingPunct="0">
+                <a:lnSpc>
+                  <a:spcPct val="100000"/>
+                </a:lnSpc>
+                <a:spcBef>
+                  <a:spcPct val="0"/>
+                </a:spcBef>
+                <a:spcAft>
+                  <a:spcPct val="0"/>
+                </a:spcAft>
+                <a:buClrTx/>
+                <a:buSzTx/>
+                <a:buFontTx/>
+                <a:buNone/>
+                <a:tabLst/>
+              </a:pPr>
+              <a:endParaRPr kumimoji="0" lang="en-US" sz="2400" b="0" i="0" u="none" strike="noStrike" cap="none" normalizeH="0" baseline="0">
+                <a:ln>
+                  <a:noFill/>
+                </a:ln>
+                <a:solidFill>
+                  <a:srgbClr val="000000"/>
+                </a:solidFill>
+                <a:effectLst/>
+                <a:latin typeface="Arial" charset="0"/>
+                <a:ea typeface="ＭＳ Ｐゴシック" charset="0"/>
+                <a:cs typeface="ＭＳ Ｐゴシック" charset="0"/>
+              </a:endParaRPr>
+            </a:p>
+          </p:txBody>
+        </p:sp>
+        <p:sp>
+          <p:nvSpPr>
+            <p:cNvPr id="8" name="TextBox 7">
+              <a:extLst>
+                <a:ext uri="{FF2B5EF4-FFF2-40B4-BE49-F238E27FC236}">
+                  <a16:creationId xmlns:a16="http://schemas.microsoft.com/office/drawing/2014/main" id="{53EDFB0E-53A4-D04A-A59E-C5006694F0A7}"/>
+                </a:ext>
+              </a:extLst>
+            </p:cNvPr>
+            <p:cNvSpPr txBox="1"/>
+            <p:nvPr/>
+          </p:nvSpPr>
+          <p:spPr>
+            <a:xfrm>
+              <a:off x="5067300" y="4808492"/>
+              <a:ext cx="492443" cy="461665"/>
+            </a:xfrm>
+            <a:prstGeom prst="rect">
+              <a:avLst/>
+            </a:prstGeom>
+            <a:noFill/>
+          </p:spPr>
+          <p:txBody>
+            <a:bodyPr wrap="none" rtlCol="0">
+              <a:spAutoFit/>
+            </a:bodyPr>
+            <a:lstStyle/>
+            <a:p>
+              <a:r>
+                <a:rPr lang="en-US" sz="2400" dirty="0"/>
+                <a:t>…</a:t>
+              </a:r>
+            </a:p>
+          </p:txBody>
+        </p:sp>
+      </p:grpSp>
+      <p:sp>
+        <p:nvSpPr>
+          <p:cNvPr id="10" name="TextBox 9">
+            <a:extLst>
+              <a:ext uri="{FF2B5EF4-FFF2-40B4-BE49-F238E27FC236}">
+                <a16:creationId xmlns:a16="http://schemas.microsoft.com/office/drawing/2014/main" id="{4CFF749A-000A-5B44-85D2-26A31115D1FB}"/>
+              </a:ext>
+            </a:extLst>
+          </p:cNvPr>
+          <p:cNvSpPr txBox="1"/>
+          <p:nvPr/>
+        </p:nvSpPr>
+        <p:spPr>
+          <a:xfrm>
+            <a:off x="939114" y="6314303"/>
+            <a:ext cx="4506362" cy="369332"/>
+          </a:xfrm>
+          <a:prstGeom prst="rect">
+            <a:avLst/>
+          </a:prstGeom>
+          <a:noFill/>
+        </p:spPr>
+        <p:txBody>
+          <a:bodyPr wrap="none" rtlCol="0">
+            <a:spAutoFit/>
+          </a:bodyPr>
+          <a:lstStyle/>
+          <a:p>
+            <a:r>
+              <a:rPr lang="en-US" sz="1800" dirty="0"/>
+              <a:t>The relevant piece of code in the frontend.</a:t>
             </a:r>
           </a:p>
         </p:txBody>
